--- a/LEAD_Reproduction_Report.pptx
+++ b/LEAD_Reproduction_Report.pptx
@@ -13,6 +13,8 @@
     <p:sldId id="261" r:id="rId12"/>
     <p:sldId id="262" r:id="rId13"/>
     <p:sldId id="263" r:id="rId14"/>
+    <p:sldId id="266" r:id="rId17"/>
+    <p:sldId id="267" r:id="rId18"/>
     <p:sldId id="264" r:id="rId15"/>
     <p:sldId id="265" r:id="rId16"/>
   </p:sldIdLst>
@@ -4476,6 +4478,2031 @@
             </a:pPr>
             <a:r>
               <a:t>LEAD算法有效验证</a:t>
+            </a:r>
+          </a:p>
+        </p:txBody>
+      </p:sp>
+    </p:spTree>
+  </p:cSld>
+  <p:clrMapOvr>
+    <a:masterClrMapping/>
+  </p:clrMapOvr>
+</p:sld>
+</file>
+
+<file path=ppt/slides/slide11.xml><?xml version="1.0" encoding="utf-8"?>
+<p:sld xmlns:a="http://schemas.openxmlformats.org/drawingml/2006/main" xmlns:p="http://schemas.openxmlformats.org/presentationml/2006/main" xmlns:r="http://schemas.openxmlformats.org/officeDocument/2006/relationships">
+  <p:cSld>
+    <p:bg>
+      <p:bgPr>
+        <a:solidFill>
+          <a:srgbClr val="1E1E2E"/>
+        </a:solidFill>
+        <a:effectLst/>
+      </p:bgPr>
+    </p:bg>
+    <p:spTree>
+      <p:nvGrpSpPr>
+        <p:cNvPr id="1" name=""/>
+        <p:cNvGrpSpPr/>
+        <p:nvPr/>
+      </p:nvGrpSpPr>
+      <p:grpSpPr/>
+      <p:sp>
+        <p:nvSpPr>
+          <p:cNvPr id="2" name="TextBox 1"/>
+          <p:cNvSpPr txBox="1"/>
+          <p:nvPr/>
+        </p:nvSpPr>
+        <p:spPr>
+          <a:xfrm>
+            <a:off x="457200" y="274320"/>
+            <a:ext cx="8229600" cy="365760"/>
+          </a:xfrm>
+          <a:prstGeom prst="rect">
+            <a:avLst/>
+          </a:prstGeom>
+          <a:noFill/>
+        </p:spPr>
+        <p:txBody>
+          <a:bodyPr wrap="square">
+            <a:spAutoFit/>
+          </a:bodyPr>
+          <a:lstStyle/>
+          <a:p>
+            <a:pPr>
+              <a:defRPr sz="2800" b="1">
+                <a:solidFill>
+                  <a:srgbClr val="FFFFFF"/>
+                </a:solidFill>
+              </a:defRPr>
+            </a:pPr>
+            <a:r>
+              <a:t>计图编译器适配 — macOS ARM 修复</a:t>
+            </a:r>
+          </a:p>
+        </p:txBody>
+      </p:sp>
+      <p:sp>
+        <p:nvSpPr>
+          <p:cNvPr id="3" name="TextBox 2"/>
+          <p:cNvSpPr txBox="1"/>
+          <p:nvPr/>
+        </p:nvSpPr>
+        <p:spPr>
+          <a:xfrm>
+            <a:off x="457200" y="777240"/>
+            <a:ext cx="8229600" cy="365760"/>
+          </a:xfrm>
+          <a:prstGeom prst="rect">
+            <a:avLst/>
+          </a:prstGeom>
+          <a:noFill/>
+        </p:spPr>
+        <p:txBody>
+          <a:bodyPr wrap="square">
+            <a:spAutoFit/>
+          </a:bodyPr>
+          <a:lstStyle/>
+          <a:p>
+            <a:pPr>
+              <a:defRPr sz="1500" b="0">
+                <a:solidFill>
+                  <a:srgbClr val="89B4FA"/>
+                </a:solidFill>
+              </a:defRPr>
+            </a:pPr>
+            <a:r>
+              <a:t>Jittor v1.3.10 compiler.py 底层编译代码修改（新增27行）</a:t>
+            </a:r>
+          </a:p>
+        </p:txBody>
+      </p:sp>
+      <p:sp>
+        <p:nvSpPr>
+          <p:cNvPr id="4" name="TextBox 3"/>
+          <p:cNvSpPr txBox="1"/>
+          <p:nvPr/>
+        </p:nvSpPr>
+        <p:spPr>
+          <a:xfrm>
+            <a:off x="457200" y="1188720"/>
+            <a:ext cx="8229600" cy="1828800"/>
+          </a:xfrm>
+          <a:prstGeom prst="rect">
+            <a:avLst/>
+          </a:prstGeom>
+          <a:noFill/>
+        </p:spPr>
+        <p:txBody>
+          <a:bodyPr wrap="square">
+            <a:spAutoFit/>
+          </a:bodyPr>
+          <a:lstStyle/>
+          <a:p>
+            <a:pPr>
+              <a:spcAft>
+                <a:spcPts val="300"/>
+              </a:spcAft>
+              <a:defRPr sz="1600" b="1">
+                <a:solidFill>
+                  <a:srgbClr val="F9E2AF"/>
+                </a:solidFill>
+              </a:defRPr>
+            </a:pPr>
+            <a:r>
+              <a:t>❌ 问题：macOS clang 编译 Jittor JIT 核心失败</a:t>
+            </a:r>
+          </a:p>
+          <a:p>
+            <a:pPr>
+              <a:spcAft>
+                <a:spcPts val="300"/>
+              </a:spcAft>
+              <a:defRPr sz="400" b="0">
+                <a:solidFill>
+                  <a:srgbClr val="BAC2DE"/>
+                </a:solidFill>
+              </a:defRPr>
+            </a:pPr>
+          </a:p>
+          <a:p>
+            <a:pPr>
+              <a:spcAft>
+                <a:spcPts val="300"/>
+              </a:spcAft>
+              <a:defRPr sz="1300" b="0">
+                <a:solidFill>
+                  <a:srgbClr val="BAC2DE"/>
+                </a:solidFill>
+              </a:defRPr>
+            </a:pPr>
+            <a:r>
+              <a:t>Jittor 编译 data.cc（算子注册表）时，使用了成员函数指针(PMF)强转：</a:t>
+            </a:r>
+          </a:p>
+          <a:p>
+            <a:pPr>
+              <a:spcAft>
+                <a:spcPts val="300"/>
+              </a:spcAft>
+              <a:defRPr sz="1300" b="0">
+                <a:solidFill>
+                  <a:srgbClr val="F38BA8"/>
+                </a:solidFill>
+              </a:defRPr>
+            </a:pPr>
+            <a:r>
+              <a:t>  (void(*)(Node*)) &amp;Node::forward</a:t>
+            </a:r>
+          </a:p>
+          <a:p>
+            <a:pPr>
+              <a:spcAft>
+                <a:spcPts val="300"/>
+              </a:spcAft>
+              <a:defRPr sz="1300" b="0">
+                <a:solidFill>
+                  <a:srgbClr val="BAC2DE"/>
+                </a:solidFill>
+              </a:defRPr>
+            </a:pPr>
+            <a:r>
+              <a:t>macOS ARM64 clang 严格遵循 C++ 标准，禁止 PMF→普通函数指针转换</a:t>
+            </a:r>
+          </a:p>
+          <a:p>
+            <a:pPr>
+              <a:spcAft>
+                <a:spcPts val="300"/>
+              </a:spcAft>
+              <a:defRPr sz="1300" b="0">
+                <a:solidFill>
+                  <a:srgbClr val="F38BA8"/>
+                </a:solidFill>
+              </a:defRPr>
+            </a:pPr>
+            <a:r>
+              <a:t>→ 编译直接报错，Jittor 无法在 Mac 上启动运行</a:t>
+            </a:r>
+          </a:p>
+        </p:txBody>
+      </p:sp>
+      <p:sp>
+        <p:nvSpPr>
+          <p:cNvPr id="5" name="TextBox 4"/>
+          <p:cNvSpPr txBox="1"/>
+          <p:nvPr/>
+        </p:nvSpPr>
+        <p:spPr>
+          <a:xfrm>
+            <a:off x="457200" y="3200400"/>
+            <a:ext cx="8229600" cy="2286000"/>
+          </a:xfrm>
+          <a:prstGeom prst="rect">
+            <a:avLst/>
+          </a:prstGeom>
+          <a:noFill/>
+        </p:spPr>
+        <p:txBody>
+          <a:bodyPr wrap="square">
+            <a:spAutoFit/>
+          </a:bodyPr>
+          <a:lstStyle/>
+          <a:p>
+            <a:pPr>
+              <a:spcAft>
+                <a:spcPts val="300"/>
+              </a:spcAft>
+              <a:defRPr sz="1600" b="1">
+                <a:solidFill>
+                  <a:srgbClr val="A6E3A1"/>
+                </a:solidFill>
+              </a:defRPr>
+            </a:pPr>
+            <a:r>
+              <a:t>✅ 解决方案：预处理 + 正则替换 + union 安全转换</a:t>
+            </a:r>
+          </a:p>
+          <a:p>
+            <a:pPr>
+              <a:spcAft>
+                <a:spcPts val="300"/>
+              </a:spcAft>
+              <a:defRPr sz="400" b="0">
+                <a:solidFill>
+                  <a:srgbClr val="BAC2DE"/>
+                </a:solidFill>
+              </a:defRPr>
+            </a:pPr>
+          </a:p>
+          <a:p>
+            <a:pPr>
+              <a:spcAft>
+                <a:spcPts val="300"/>
+              </a:spcAft>
+              <a:defRPr sz="1300" b="0">
+                <a:solidFill>
+                  <a:srgbClr val="BAC2DE"/>
+                </a:solidFill>
+              </a:defRPr>
+            </a:pPr>
+            <a:r>
+              <a:t>① clang -E 预处理源码 → 展开后的 .pp.cc 文件</a:t>
+            </a:r>
+          </a:p>
+          <a:p>
+            <a:pPr>
+              <a:spcAft>
+                <a:spcPts val="300"/>
+              </a:spcAft>
+              <a:defRPr sz="1300" b="0">
+                <a:solidFill>
+                  <a:srgbClr val="BAC2DE"/>
+                </a:solidFill>
+              </a:defRPr>
+            </a:pPr>
+            <a:r>
+              <a:t>② 注入 unsafe_pmf_cast&lt;To,From&gt; 模板（基于 union 类型双关）</a:t>
+            </a:r>
+          </a:p>
+          <a:p>
+            <a:pPr>
+              <a:spcAft>
+                <a:spcPts val="300"/>
+              </a:spcAft>
+              <a:defRPr sz="1300" b="0">
+                <a:solidFill>
+                  <a:srgbClr val="BAC2DE"/>
+                </a:solidFill>
+              </a:defRPr>
+            </a:pPr>
+            <a:r>
+              <a:t>③ 正则替换所有 PMF 强转为 unsafe_pmf_cast 调用：</a:t>
+            </a:r>
+          </a:p>
+          <a:p>
+            <a:pPr>
+              <a:spcAft>
+                <a:spcPts val="300"/>
+              </a:spcAft>
+              <a:defRPr sz="1200" b="0">
+                <a:solidFill>
+                  <a:srgbClr val="A6E3A1"/>
+                </a:solidFill>
+              </a:defRPr>
+            </a:pPr>
+            <a:r>
+              <a:t>   (void(*)(Node*))&amp;Node::xx → unsafe_pmf_cast&lt;void(*)(Node*)&gt;(&amp;Node::xx)</a:t>
+            </a:r>
+          </a:p>
+          <a:p>
+            <a:pPr>
+              <a:spcAft>
+                <a:spcPts val="300"/>
+              </a:spcAft>
+              <a:defRPr sz="1300" b="0">
+                <a:solidFill>
+                  <a:srgbClr val="BAC2DE"/>
+                </a:solidFill>
+              </a:defRPr>
+            </a:pPr>
+            <a:r>
+              <a:t>④ 编译修改后的预处理文件，清理临时文件</a:t>
+            </a:r>
+          </a:p>
+          <a:p>
+            <a:pPr>
+              <a:spcAft>
+                <a:spcPts val="300"/>
+              </a:spcAft>
+              <a:defRPr sz="1300" b="0">
+                <a:solidFill>
+                  <a:srgbClr val="BAC2DE"/>
+                </a:solidFill>
+              </a:defRPr>
+            </a:pPr>
+            <a:r>
+              <a:t>⑤ 仅在 platform.system()=='Darwin' 时触发，不影响 Linux</a:t>
+            </a:r>
+          </a:p>
+        </p:txBody>
+      </p:sp>
+      <p:sp>
+        <p:nvSpPr>
+          <p:cNvPr id="6" name="TextBox 5"/>
+          <p:cNvSpPr txBox="1"/>
+          <p:nvPr/>
+        </p:nvSpPr>
+        <p:spPr>
+          <a:xfrm>
+            <a:off x="457200" y="5760720"/>
+            <a:ext cx="8229600" cy="365760"/>
+          </a:xfrm>
+          <a:prstGeom prst="rect">
+            <a:avLst/>
+          </a:prstGeom>
+          <a:noFill/>
+        </p:spPr>
+        <p:txBody>
+          <a:bodyPr wrap="square">
+            <a:spAutoFit/>
+          </a:bodyPr>
+          <a:lstStyle/>
+          <a:p>
+            <a:pPr>
+              <a:defRPr sz="1100" b="0">
+                <a:solidFill>
+                  <a:srgbClr val="6C7086"/>
+                </a:solidFill>
+              </a:defRPr>
+            </a:pPr>
+            <a:r>
+              <a:t>修改文件：site-packages/jittor/compiler.py 第1363-1389行</a:t>
+            </a:r>
+          </a:p>
+        </p:txBody>
+      </p:sp>
+    </p:spTree>
+  </p:cSld>
+  <p:clrMapOvr>
+    <a:masterClrMapping/>
+  </p:clrMapOvr>
+</p:sld>
+</file>
+
+<file path=ppt/slides/slide12.xml><?xml version="1.0" encoding="utf-8"?>
+<p:sld xmlns:a="http://schemas.openxmlformats.org/drawingml/2006/main" xmlns:p="http://schemas.openxmlformats.org/presentationml/2006/main" xmlns:r="http://schemas.openxmlformats.org/officeDocument/2006/relationships">
+  <p:cSld>
+    <p:bg>
+      <p:bgPr>
+        <a:solidFill>
+          <a:srgbClr val="1E1E2E"/>
+        </a:solidFill>
+        <a:effectLst/>
+      </p:bgPr>
+    </p:bg>
+    <p:spTree>
+      <p:nvGrpSpPr>
+        <p:cNvPr id="1" name=""/>
+        <p:cNvGrpSpPr/>
+        <p:nvPr/>
+      </p:nvGrpSpPr>
+      <p:grpSpPr/>
+      <p:sp>
+        <p:nvSpPr>
+          <p:cNvPr id="2" name="TextBox 1"/>
+          <p:cNvSpPr txBox="1"/>
+          <p:nvPr/>
+        </p:nvSpPr>
+        <p:spPr>
+          <a:xfrm>
+            <a:off x="457200" y="274320"/>
+            <a:ext cx="8229600" cy="365760"/>
+          </a:xfrm>
+          <a:prstGeom prst="rect">
+            <a:avLst/>
+          </a:prstGeom>
+          <a:noFill/>
+        </p:spPr>
+        <p:txBody>
+          <a:bodyPr wrap="square">
+            <a:spAutoFit/>
+          </a:bodyPr>
+          <a:lstStyle/>
+          <a:p>
+            <a:pPr>
+              <a:defRPr sz="2800" b="1">
+                <a:solidFill>
+                  <a:srgbClr val="FFFFFF"/>
+                </a:solidFill>
+              </a:defRPr>
+            </a:pPr>
+            <a:r>
+              <a:t>PyTorch vs 计图 — 代码移植对比</a:t>
+            </a:r>
+          </a:p>
+        </p:txBody>
+      </p:sp>
+      <p:sp>
+        <p:nvSpPr>
+          <p:cNvPr id="3" name="TextBox 2"/>
+          <p:cNvSpPr txBox="1"/>
+          <p:nvPr/>
+        </p:nvSpPr>
+        <p:spPr>
+          <a:xfrm>
+            <a:off x="457200" y="777240"/>
+            <a:ext cx="8229600" cy="365760"/>
+          </a:xfrm>
+          <a:prstGeom prst="rect">
+            <a:avLst/>
+          </a:prstGeom>
+          <a:noFill/>
+        </p:spPr>
+        <p:txBody>
+          <a:bodyPr wrap="square">
+            <a:spAutoFit/>
+          </a:bodyPr>
+          <a:lstStyle/>
+          <a:p>
+            <a:pPr>
+              <a:defRPr sz="1500" b="0">
+                <a:solidFill>
+                  <a:srgbClr val="89B4FA"/>
+                </a:solidFill>
+              </a:defRPr>
+            </a:pPr>
+            <a:r>
+              <a:t>从 PyTorch 移植到 Jittor 的关键 API 差异与适配方案</a:t>
+            </a:r>
+          </a:p>
+        </p:txBody>
+      </p:sp>
+      <p:sp>
+        <p:nvSpPr>
+          <p:cNvPr id="4" name="TextBox 3"/>
+          <p:cNvSpPr txBox="1"/>
+          <p:nvPr/>
+        </p:nvSpPr>
+        <p:spPr>
+          <a:xfrm>
+            <a:off x="182880" y="1051560"/>
+            <a:ext cx="1371600" cy="365760"/>
+          </a:xfrm>
+          <a:prstGeom prst="rect">
+            <a:avLst/>
+          </a:prstGeom>
+          <a:noFill/>
+        </p:spPr>
+        <p:txBody>
+          <a:bodyPr wrap="square">
+            <a:spAutoFit/>
+          </a:bodyPr>
+          <a:lstStyle/>
+          <a:p>
+            <a:pPr>
+              <a:defRPr sz="1100" b="1">
+                <a:solidFill>
+                  <a:srgbClr val="FFFFFF"/>
+                </a:solidFill>
+              </a:defRPr>
+            </a:pPr>
+            <a:r>
+              <a:t>改动项</a:t>
+            </a:r>
+          </a:p>
+        </p:txBody>
+      </p:sp>
+      <p:sp>
+        <p:nvSpPr>
+          <p:cNvPr id="5" name="TextBox 4"/>
+          <p:cNvSpPr txBox="1"/>
+          <p:nvPr/>
+        </p:nvSpPr>
+        <p:spPr>
+          <a:xfrm>
+            <a:off x="1554480" y="1051560"/>
+            <a:ext cx="2468880" cy="365760"/>
+          </a:xfrm>
+          <a:prstGeom prst="rect">
+            <a:avLst/>
+          </a:prstGeom>
+          <a:noFill/>
+        </p:spPr>
+        <p:txBody>
+          <a:bodyPr wrap="square">
+            <a:spAutoFit/>
+          </a:bodyPr>
+          <a:lstStyle/>
+          <a:p>
+            <a:pPr>
+              <a:defRPr sz="1100" b="1">
+                <a:solidFill>
+                  <a:srgbClr val="F38BA8"/>
+                </a:solidFill>
+              </a:defRPr>
+            </a:pPr>
+            <a:r>
+              <a:t>PyTorch 原始写法</a:t>
+            </a:r>
+          </a:p>
+        </p:txBody>
+      </p:sp>
+      <p:sp>
+        <p:nvSpPr>
+          <p:cNvPr id="6" name="TextBox 5"/>
+          <p:cNvSpPr txBox="1"/>
+          <p:nvPr/>
+        </p:nvSpPr>
+        <p:spPr>
+          <a:xfrm>
+            <a:off x="4206240" y="1051560"/>
+            <a:ext cx="2468880" cy="365760"/>
+          </a:xfrm>
+          <a:prstGeom prst="rect">
+            <a:avLst/>
+          </a:prstGeom>
+          <a:noFill/>
+        </p:spPr>
+        <p:txBody>
+          <a:bodyPr wrap="square">
+            <a:spAutoFit/>
+          </a:bodyPr>
+          <a:lstStyle/>
+          <a:p>
+            <a:pPr>
+              <a:defRPr sz="1100" b="1">
+                <a:solidFill>
+                  <a:srgbClr val="A6E3A1"/>
+                </a:solidFill>
+              </a:defRPr>
+            </a:pPr>
+            <a:r>
+              <a:t>Jittor 适配写法</a:t>
+            </a:r>
+          </a:p>
+        </p:txBody>
+      </p:sp>
+      <p:sp>
+        <p:nvSpPr>
+          <p:cNvPr id="7" name="TextBox 6"/>
+          <p:cNvSpPr txBox="1"/>
+          <p:nvPr/>
+        </p:nvSpPr>
+        <p:spPr>
+          <a:xfrm>
+            <a:off x="6858000" y="1051560"/>
+            <a:ext cx="2194560" cy="365760"/>
+          </a:xfrm>
+          <a:prstGeom prst="rect">
+            <a:avLst/>
+          </a:prstGeom>
+          <a:noFill/>
+        </p:spPr>
+        <p:txBody>
+          <a:bodyPr wrap="square">
+            <a:spAutoFit/>
+          </a:bodyPr>
+          <a:lstStyle/>
+          <a:p>
+            <a:pPr>
+              <a:defRPr sz="1100" b="1">
+                <a:solidFill>
+                  <a:srgbClr val="FFFFFF"/>
+                </a:solidFill>
+              </a:defRPr>
+            </a:pPr>
+            <a:r>
+              <a:t>说明</a:t>
+            </a:r>
+          </a:p>
+        </p:txBody>
+      </p:sp>
+      <p:sp>
+        <p:nvSpPr>
+          <p:cNvPr id="8" name="TextBox 7"/>
+          <p:cNvSpPr txBox="1"/>
+          <p:nvPr/>
+        </p:nvSpPr>
+        <p:spPr>
+          <a:xfrm>
+            <a:off x="182880" y="1371600"/>
+            <a:ext cx="1371600" cy="365760"/>
+          </a:xfrm>
+          <a:prstGeom prst="rect">
+            <a:avLst/>
+          </a:prstGeom>
+          <a:noFill/>
+        </p:spPr>
+        <p:txBody>
+          <a:bodyPr wrap="square">
+            <a:spAutoFit/>
+          </a:bodyPr>
+          <a:lstStyle/>
+          <a:p>
+            <a:pPr>
+              <a:defRPr sz="1000" b="1">
+                <a:solidFill>
+                  <a:srgbClr val="F9E2AF"/>
+                </a:solidFill>
+              </a:defRPr>
+            </a:pPr>
+            <a:r>
+              <a:t>模型前向传播</a:t>
+            </a:r>
+          </a:p>
+        </p:txBody>
+      </p:sp>
+      <p:sp>
+        <p:nvSpPr>
+          <p:cNvPr id="9" name="TextBox 8"/>
+          <p:cNvSpPr txBox="1"/>
+          <p:nvPr/>
+        </p:nvSpPr>
+        <p:spPr>
+          <a:xfrm>
+            <a:off x="1554480" y="1371600"/>
+            <a:ext cx="2468880" cy="365760"/>
+          </a:xfrm>
+          <a:prstGeom prst="rect">
+            <a:avLst/>
+          </a:prstGeom>
+          <a:noFill/>
+        </p:spPr>
+        <p:txBody>
+          <a:bodyPr wrap="square">
+            <a:spAutoFit/>
+          </a:bodyPr>
+          <a:lstStyle/>
+          <a:p>
+            <a:pPr>
+              <a:defRPr sz="1000" b="0">
+                <a:solidFill>
+                  <a:srgbClr val="F38BA8"/>
+                </a:solidFill>
+              </a:defRPr>
+            </a:pPr>
+            <a:r>
+              <a:t>forward(self, x)</a:t>
+            </a:r>
+          </a:p>
+        </p:txBody>
+      </p:sp>
+      <p:sp>
+        <p:nvSpPr>
+          <p:cNvPr id="10" name="TextBox 9"/>
+          <p:cNvSpPr txBox="1"/>
+          <p:nvPr/>
+        </p:nvSpPr>
+        <p:spPr>
+          <a:xfrm>
+            <a:off x="4206240" y="1371600"/>
+            <a:ext cx="2468880" cy="365760"/>
+          </a:xfrm>
+          <a:prstGeom prst="rect">
+            <a:avLst/>
+          </a:prstGeom>
+          <a:noFill/>
+        </p:spPr>
+        <p:txBody>
+          <a:bodyPr wrap="square">
+            <a:spAutoFit/>
+          </a:bodyPr>
+          <a:lstStyle/>
+          <a:p>
+            <a:pPr>
+              <a:defRPr sz="1000" b="0">
+                <a:solidFill>
+                  <a:srgbClr val="A6E3A1"/>
+                </a:solidFill>
+              </a:defRPr>
+            </a:pPr>
+            <a:r>
+              <a:t>execute(self, x)</a:t>
+            </a:r>
+          </a:p>
+        </p:txBody>
+      </p:sp>
+      <p:sp>
+        <p:nvSpPr>
+          <p:cNvPr id="11" name="TextBox 10"/>
+          <p:cNvSpPr txBox="1"/>
+          <p:nvPr/>
+        </p:nvSpPr>
+        <p:spPr>
+          <a:xfrm>
+            <a:off x="6858000" y="1371600"/>
+            <a:ext cx="2194560" cy="365760"/>
+          </a:xfrm>
+          <a:prstGeom prst="rect">
+            <a:avLst/>
+          </a:prstGeom>
+          <a:noFill/>
+        </p:spPr>
+        <p:txBody>
+          <a:bodyPr wrap="square">
+            <a:spAutoFit/>
+          </a:bodyPr>
+          <a:lstStyle/>
+          <a:p>
+            <a:pPr>
+              <a:defRPr sz="900" b="0">
+                <a:solidFill>
+                  <a:srgbClr val="6C7086"/>
+                </a:solidFill>
+              </a:defRPr>
+            </a:pPr>
+            <a:r>
+              <a:t>Jittor 约定</a:t>
+            </a:r>
+          </a:p>
+        </p:txBody>
+      </p:sp>
+      <p:sp>
+        <p:nvSpPr>
+          <p:cNvPr id="12" name="TextBox 11"/>
+          <p:cNvSpPr txBox="1"/>
+          <p:nvPr/>
+        </p:nvSpPr>
+        <p:spPr>
+          <a:xfrm>
+            <a:off x="182880" y="1755648"/>
+            <a:ext cx="1371600" cy="365760"/>
+          </a:xfrm>
+          <a:prstGeom prst="rect">
+            <a:avLst/>
+          </a:prstGeom>
+          <a:noFill/>
+        </p:spPr>
+        <p:txBody>
+          <a:bodyPr wrap="square">
+            <a:spAutoFit/>
+          </a:bodyPr>
+          <a:lstStyle/>
+          <a:p>
+            <a:pPr>
+              <a:defRPr sz="1000" b="1">
+                <a:solidFill>
+                  <a:srgbClr val="F9E2AF"/>
+                </a:solidFill>
+              </a:defRPr>
+            </a:pPr>
+            <a:r>
+              <a:t>权重归一化</a:t>
+            </a:r>
+          </a:p>
+        </p:txBody>
+      </p:sp>
+      <p:sp>
+        <p:nvSpPr>
+          <p:cNvPr id="13" name="TextBox 12"/>
+          <p:cNvSpPr txBox="1"/>
+          <p:nvPr/>
+        </p:nvSpPr>
+        <p:spPr>
+          <a:xfrm>
+            <a:off x="1554480" y="1755648"/>
+            <a:ext cx="2468880" cy="365760"/>
+          </a:xfrm>
+          <a:prstGeom prst="rect">
+            <a:avLst/>
+          </a:prstGeom>
+          <a:noFill/>
+        </p:spPr>
+        <p:txBody>
+          <a:bodyPr wrap="square">
+            <a:spAutoFit/>
+          </a:bodyPr>
+          <a:lstStyle/>
+          <a:p>
+            <a:pPr>
+              <a:defRPr sz="1000" b="0">
+                <a:solidFill>
+                  <a:srgbClr val="F38BA8"/>
+                </a:solidFill>
+              </a:defRPr>
+            </a:pPr>
+            <a:r>
+              <a:t>nn.utils.weight_norm()</a:t>
+            </a:r>
+          </a:p>
+        </p:txBody>
+      </p:sp>
+      <p:sp>
+        <p:nvSpPr>
+          <p:cNvPr id="14" name="TextBox 13"/>
+          <p:cNvSpPr txBox="1"/>
+          <p:nvPr/>
+        </p:nvSpPr>
+        <p:spPr>
+          <a:xfrm>
+            <a:off x="4206240" y="1755648"/>
+            <a:ext cx="2468880" cy="365760"/>
+          </a:xfrm>
+          <a:prstGeom prst="rect">
+            <a:avLst/>
+          </a:prstGeom>
+          <a:noFill/>
+        </p:spPr>
+        <p:txBody>
+          <a:bodyPr wrap="square">
+            <a:spAutoFit/>
+          </a:bodyPr>
+          <a:lstStyle/>
+          <a:p>
+            <a:pPr>
+              <a:defRPr sz="1000" b="0">
+                <a:solidFill>
+                  <a:srgbClr val="A6E3A1"/>
+                </a:solidFill>
+              </a:defRPr>
+            </a:pPr>
+            <a:r>
+              <a:t>手写 WeightNormLinear</a:t>
+            </a:r>
+          </a:p>
+        </p:txBody>
+      </p:sp>
+      <p:sp>
+        <p:nvSpPr>
+          <p:cNvPr id="15" name="TextBox 14"/>
+          <p:cNvSpPr txBox="1"/>
+          <p:nvPr/>
+        </p:nvSpPr>
+        <p:spPr>
+          <a:xfrm>
+            <a:off x="6858000" y="1755648"/>
+            <a:ext cx="2194560" cy="365760"/>
+          </a:xfrm>
+          <a:prstGeom prst="rect">
+            <a:avLst/>
+          </a:prstGeom>
+          <a:noFill/>
+        </p:spPr>
+        <p:txBody>
+          <a:bodyPr wrap="square">
+            <a:spAutoFit/>
+          </a:bodyPr>
+          <a:lstStyle/>
+          <a:p>
+            <a:pPr>
+              <a:defRPr sz="900" b="0">
+                <a:solidFill>
+                  <a:srgbClr val="6C7086"/>
+                </a:solidFill>
+              </a:defRPr>
+            </a:pPr>
+            <a:r>
+              <a:t>Jittor 无内置，手动 g·v/‖v‖</a:t>
+            </a:r>
+          </a:p>
+        </p:txBody>
+      </p:sp>
+      <p:sp>
+        <p:nvSpPr>
+          <p:cNvPr id="16" name="TextBox 15"/>
+          <p:cNvSpPr txBox="1"/>
+          <p:nvPr/>
+        </p:nvSpPr>
+        <p:spPr>
+          <a:xfrm>
+            <a:off x="182880" y="2139696"/>
+            <a:ext cx="1371600" cy="365760"/>
+          </a:xfrm>
+          <a:prstGeom prst="rect">
+            <a:avLst/>
+          </a:prstGeom>
+          <a:noFill/>
+        </p:spPr>
+        <p:txBody>
+          <a:bodyPr wrap="square">
+            <a:spAutoFit/>
+          </a:bodyPr>
+          <a:lstStyle/>
+          <a:p>
+            <a:pPr>
+              <a:defRPr sz="1000" b="1">
+                <a:solidFill>
+                  <a:srgbClr val="F9E2AF"/>
+                </a:solidFill>
+              </a:defRPr>
+            </a:pPr>
+            <a:r>
+              <a:t>线性层计算</a:t>
+            </a:r>
+          </a:p>
+        </p:txBody>
+      </p:sp>
+      <p:sp>
+        <p:nvSpPr>
+          <p:cNvPr id="17" name="TextBox 16"/>
+          <p:cNvSpPr txBox="1"/>
+          <p:nvPr/>
+        </p:nvSpPr>
+        <p:spPr>
+          <a:xfrm>
+            <a:off x="1554480" y="2139696"/>
+            <a:ext cx="2468880" cy="365760"/>
+          </a:xfrm>
+          <a:prstGeom prst="rect">
+            <a:avLst/>
+          </a:prstGeom>
+          <a:noFill/>
+        </p:spPr>
+        <p:txBody>
+          <a:bodyPr wrap="square">
+            <a:spAutoFit/>
+          </a:bodyPr>
+          <a:lstStyle/>
+          <a:p>
+            <a:pPr>
+              <a:defRPr sz="1000" b="0">
+                <a:solidFill>
+                  <a:srgbClr val="F38BA8"/>
+                </a:solidFill>
+              </a:defRPr>
+            </a:pPr>
+            <a:r>
+              <a:t>F.linear(x, w, b)</a:t>
+            </a:r>
+          </a:p>
+        </p:txBody>
+      </p:sp>
+      <p:sp>
+        <p:nvSpPr>
+          <p:cNvPr id="18" name="TextBox 17"/>
+          <p:cNvSpPr txBox="1"/>
+          <p:nvPr/>
+        </p:nvSpPr>
+        <p:spPr>
+          <a:xfrm>
+            <a:off x="4206240" y="2139696"/>
+            <a:ext cx="2468880" cy="365760"/>
+          </a:xfrm>
+          <a:prstGeom prst="rect">
+            <a:avLst/>
+          </a:prstGeom>
+          <a:noFill/>
+        </p:spPr>
+        <p:txBody>
+          <a:bodyPr wrap="square">
+            <a:spAutoFit/>
+          </a:bodyPr>
+          <a:lstStyle/>
+          <a:p>
+            <a:pPr>
+              <a:defRPr sz="1000" b="0">
+                <a:solidFill>
+                  <a:srgbClr val="A6E3A1"/>
+                </a:solidFill>
+              </a:defRPr>
+            </a:pPr>
+            <a:r>
+              <a:t>matmul_transpose(x,w)+b</a:t>
+            </a:r>
+          </a:p>
+        </p:txBody>
+      </p:sp>
+      <p:sp>
+        <p:nvSpPr>
+          <p:cNvPr id="19" name="TextBox 18"/>
+          <p:cNvSpPr txBox="1"/>
+          <p:nvPr/>
+        </p:nvSpPr>
+        <p:spPr>
+          <a:xfrm>
+            <a:off x="6858000" y="2139696"/>
+            <a:ext cx="2194560" cy="365760"/>
+          </a:xfrm>
+          <a:prstGeom prst="rect">
+            <a:avLst/>
+          </a:prstGeom>
+          <a:noFill/>
+        </p:spPr>
+        <p:txBody>
+          <a:bodyPr wrap="square">
+            <a:spAutoFit/>
+          </a:bodyPr>
+          <a:lstStyle/>
+          <a:p>
+            <a:pPr>
+              <a:defRPr sz="900" b="0">
+                <a:solidFill>
+                  <a:srgbClr val="6C7086"/>
+                </a:solidFill>
+              </a:defRPr>
+            </a:pPr>
+            <a:r>
+              <a:t>矩阵转置乘法替代</a:t>
+            </a:r>
+          </a:p>
+        </p:txBody>
+      </p:sp>
+      <p:sp>
+        <p:nvSpPr>
+          <p:cNvPr id="20" name="TextBox 19"/>
+          <p:cNvSpPr txBox="1"/>
+          <p:nvPr/>
+        </p:nvSpPr>
+        <p:spPr>
+          <a:xfrm>
+            <a:off x="182880" y="2523744"/>
+            <a:ext cx="1371600" cy="365760"/>
+          </a:xfrm>
+          <a:prstGeom prst="rect">
+            <a:avLst/>
+          </a:prstGeom>
+          <a:noFill/>
+        </p:spPr>
+        <p:txBody>
+          <a:bodyPr wrap="square">
+            <a:spAutoFit/>
+          </a:bodyPr>
+          <a:lstStyle/>
+          <a:p>
+            <a:pPr>
+              <a:defRPr sz="1000" b="1">
+                <a:solidFill>
+                  <a:srgbClr val="F9E2AF"/>
+                </a:solidFill>
+              </a:defRPr>
+            </a:pPr>
+            <a:r>
+              <a:t>反向传播</a:t>
+            </a:r>
+          </a:p>
+        </p:txBody>
+      </p:sp>
+      <p:sp>
+        <p:nvSpPr>
+          <p:cNvPr id="21" name="TextBox 20"/>
+          <p:cNvSpPr txBox="1"/>
+          <p:nvPr/>
+        </p:nvSpPr>
+        <p:spPr>
+          <a:xfrm>
+            <a:off x="1554480" y="2523744"/>
+            <a:ext cx="2468880" cy="365760"/>
+          </a:xfrm>
+          <a:prstGeom prst="rect">
+            <a:avLst/>
+          </a:prstGeom>
+          <a:noFill/>
+        </p:spPr>
+        <p:txBody>
+          <a:bodyPr wrap="square">
+            <a:spAutoFit/>
+          </a:bodyPr>
+          <a:lstStyle/>
+          <a:p>
+            <a:pPr>
+              <a:defRPr sz="1000" b="0">
+                <a:solidFill>
+                  <a:srgbClr val="F38BA8"/>
+                </a:solidFill>
+              </a:defRPr>
+            </a:pPr>
+            <a:r>
+              <a:t>loss.backward()</a:t>
+            </a:r>
+            <a:br/>
+            <a:r>
+              <a:t>optimizer.step()</a:t>
+            </a:r>
+          </a:p>
+        </p:txBody>
+      </p:sp>
+      <p:sp>
+        <p:nvSpPr>
+          <p:cNvPr id="22" name="TextBox 21"/>
+          <p:cNvSpPr txBox="1"/>
+          <p:nvPr/>
+        </p:nvSpPr>
+        <p:spPr>
+          <a:xfrm>
+            <a:off x="4206240" y="2523744"/>
+            <a:ext cx="2468880" cy="365760"/>
+          </a:xfrm>
+          <a:prstGeom prst="rect">
+            <a:avLst/>
+          </a:prstGeom>
+          <a:noFill/>
+        </p:spPr>
+        <p:txBody>
+          <a:bodyPr wrap="square">
+            <a:spAutoFit/>
+          </a:bodyPr>
+          <a:lstStyle/>
+          <a:p>
+            <a:pPr>
+              <a:defRPr sz="1000" b="0">
+                <a:solidFill>
+                  <a:srgbClr val="A6E3A1"/>
+                </a:solidFill>
+              </a:defRPr>
+            </a:pPr>
+            <a:r>
+              <a:t>optimizer.step(loss)</a:t>
+            </a:r>
+          </a:p>
+        </p:txBody>
+      </p:sp>
+      <p:sp>
+        <p:nvSpPr>
+          <p:cNvPr id="23" name="TextBox 22"/>
+          <p:cNvSpPr txBox="1"/>
+          <p:nvPr/>
+        </p:nvSpPr>
+        <p:spPr>
+          <a:xfrm>
+            <a:off x="6858000" y="2523744"/>
+            <a:ext cx="2194560" cy="365760"/>
+          </a:xfrm>
+          <a:prstGeom prst="rect">
+            <a:avLst/>
+          </a:prstGeom>
+          <a:noFill/>
+        </p:spPr>
+        <p:txBody>
+          <a:bodyPr wrap="square">
+            <a:spAutoFit/>
+          </a:bodyPr>
+          <a:lstStyle/>
+          <a:p>
+            <a:pPr>
+              <a:defRPr sz="900" b="0">
+                <a:solidFill>
+                  <a:srgbClr val="6C7086"/>
+                </a:solidFill>
+              </a:defRPr>
+            </a:pPr>
+            <a:r>
+              <a:t>一步完成自动微分</a:t>
+            </a:r>
+          </a:p>
+        </p:txBody>
+      </p:sp>
+      <p:sp>
+        <p:nvSpPr>
+          <p:cNvPr id="24" name="TextBox 23"/>
+          <p:cNvSpPr txBox="1"/>
+          <p:nvPr/>
+        </p:nvSpPr>
+        <p:spPr>
+          <a:xfrm>
+            <a:off x="182880" y="2907792"/>
+            <a:ext cx="1371600" cy="365760"/>
+          </a:xfrm>
+          <a:prstGeom prst="rect">
+            <a:avLst/>
+          </a:prstGeom>
+          <a:noFill/>
+        </p:spPr>
+        <p:txBody>
+          <a:bodyPr wrap="square">
+            <a:spAutoFit/>
+          </a:bodyPr>
+          <a:lstStyle/>
+          <a:p>
+            <a:pPr>
+              <a:defRPr sz="1000" b="1">
+                <a:solidFill>
+                  <a:srgbClr val="F9E2AF"/>
+                </a:solidFill>
+              </a:defRPr>
+            </a:pPr>
+            <a:r>
+              <a:t>冻结参数</a:t>
+            </a:r>
+          </a:p>
+        </p:txBody>
+      </p:sp>
+      <p:sp>
+        <p:nvSpPr>
+          <p:cNvPr id="25" name="TextBox 24"/>
+          <p:cNvSpPr txBox="1"/>
+          <p:nvPr/>
+        </p:nvSpPr>
+        <p:spPr>
+          <a:xfrm>
+            <a:off x="1554480" y="2907792"/>
+            <a:ext cx="2468880" cy="365760"/>
+          </a:xfrm>
+          <a:prstGeom prst="rect">
+            <a:avLst/>
+          </a:prstGeom>
+          <a:noFill/>
+        </p:spPr>
+        <p:txBody>
+          <a:bodyPr wrap="square">
+            <a:spAutoFit/>
+          </a:bodyPr>
+          <a:lstStyle/>
+          <a:p>
+            <a:pPr>
+              <a:defRPr sz="1000" b="0">
+                <a:solidFill>
+                  <a:srgbClr val="F38BA8"/>
+                </a:solidFill>
+              </a:defRPr>
+            </a:pPr>
+            <a:r>
+              <a:t>requires_grad_(False)</a:t>
+            </a:r>
+          </a:p>
+        </p:txBody>
+      </p:sp>
+      <p:sp>
+        <p:nvSpPr>
+          <p:cNvPr id="26" name="TextBox 25"/>
+          <p:cNvSpPr txBox="1"/>
+          <p:nvPr/>
+        </p:nvSpPr>
+        <p:spPr>
+          <a:xfrm>
+            <a:off x="4206240" y="2907792"/>
+            <a:ext cx="2468880" cy="365760"/>
+          </a:xfrm>
+          <a:prstGeom prst="rect">
+            <a:avLst/>
+          </a:prstGeom>
+          <a:noFill/>
+        </p:spPr>
+        <p:txBody>
+          <a:bodyPr wrap="square">
+            <a:spAutoFit/>
+          </a:bodyPr>
+          <a:lstStyle/>
+          <a:p>
+            <a:pPr>
+              <a:defRPr sz="1000" b="0">
+                <a:solidFill>
+                  <a:srgbClr val="A6E3A1"/>
+                </a:solidFill>
+              </a:defRPr>
+            </a:pPr>
+            <a:r>
+              <a:t>v.stop_grad()</a:t>
+            </a:r>
+          </a:p>
+        </p:txBody>
+      </p:sp>
+      <p:sp>
+        <p:nvSpPr>
+          <p:cNvPr id="27" name="TextBox 26"/>
+          <p:cNvSpPr txBox="1"/>
+          <p:nvPr/>
+        </p:nvSpPr>
+        <p:spPr>
+          <a:xfrm>
+            <a:off x="6858000" y="2907792"/>
+            <a:ext cx="2194560" cy="365760"/>
+          </a:xfrm>
+          <a:prstGeom prst="rect">
+            <a:avLst/>
+          </a:prstGeom>
+          <a:noFill/>
+        </p:spPr>
+        <p:txBody>
+          <a:bodyPr wrap="square">
+            <a:spAutoFit/>
+          </a:bodyPr>
+          <a:lstStyle/>
+          <a:p>
+            <a:pPr>
+              <a:defRPr sz="900" b="0">
+                <a:solidFill>
+                  <a:srgbClr val="6C7086"/>
+                </a:solidFill>
+              </a:defRPr>
+            </a:pPr>
+            <a:r>
+              <a:t>梯度阻断方式不同</a:t>
+            </a:r>
+          </a:p>
+        </p:txBody>
+      </p:sp>
+      <p:sp>
+        <p:nvSpPr>
+          <p:cNvPr id="28" name="TextBox 27"/>
+          <p:cNvSpPr txBox="1"/>
+          <p:nvPr/>
+        </p:nvSpPr>
+        <p:spPr>
+          <a:xfrm>
+            <a:off x="182880" y="3291840"/>
+            <a:ext cx="1371600" cy="365760"/>
+          </a:xfrm>
+          <a:prstGeom prst="rect">
+            <a:avLst/>
+          </a:prstGeom>
+          <a:noFill/>
+        </p:spPr>
+        <p:txBody>
+          <a:bodyPr wrap="square">
+            <a:spAutoFit/>
+          </a:bodyPr>
+          <a:lstStyle/>
+          <a:p>
+            <a:pPr>
+              <a:defRPr sz="1000" b="1">
+                <a:solidFill>
+                  <a:srgbClr val="F9E2AF"/>
+                </a:solidFill>
+              </a:defRPr>
+            </a:pPr>
+            <a:r>
+              <a:t>数据集</a:t>
+            </a:r>
+          </a:p>
+        </p:txBody>
+      </p:sp>
+      <p:sp>
+        <p:nvSpPr>
+          <p:cNvPr id="29" name="TextBox 28"/>
+          <p:cNvSpPr txBox="1"/>
+          <p:nvPr/>
+        </p:nvSpPr>
+        <p:spPr>
+          <a:xfrm>
+            <a:off x="1554480" y="3291840"/>
+            <a:ext cx="2468880" cy="365760"/>
+          </a:xfrm>
+          <a:prstGeom prst="rect">
+            <a:avLst/>
+          </a:prstGeom>
+          <a:noFill/>
+        </p:spPr>
+        <p:txBody>
+          <a:bodyPr wrap="square">
+            <a:spAutoFit/>
+          </a:bodyPr>
+          <a:lstStyle/>
+          <a:p>
+            <a:pPr>
+              <a:defRPr sz="1000" b="0">
+                <a:solidFill>
+                  <a:srgbClr val="F38BA8"/>
+                </a:solidFill>
+              </a:defRPr>
+            </a:pPr>
+            <a:r>
+              <a:t>torch.utils.data.Dataset</a:t>
+            </a:r>
+          </a:p>
+        </p:txBody>
+      </p:sp>
+      <p:sp>
+        <p:nvSpPr>
+          <p:cNvPr id="30" name="TextBox 29"/>
+          <p:cNvSpPr txBox="1"/>
+          <p:nvPr/>
+        </p:nvSpPr>
+        <p:spPr>
+          <a:xfrm>
+            <a:off x="4206240" y="3291840"/>
+            <a:ext cx="2468880" cy="365760"/>
+          </a:xfrm>
+          <a:prstGeom prst="rect">
+            <a:avLst/>
+          </a:prstGeom>
+          <a:noFill/>
+        </p:spPr>
+        <p:txBody>
+          <a:bodyPr wrap="square">
+            <a:spAutoFit/>
+          </a:bodyPr>
+          <a:lstStyle/>
+          <a:p>
+            <a:pPr>
+              <a:defRPr sz="1000" b="0">
+                <a:solidFill>
+                  <a:srgbClr val="A6E3A1"/>
+                </a:solidFill>
+              </a:defRPr>
+            </a:pPr>
+            <a:r>
+              <a:t>jt.dataset.Dataset</a:t>
+            </a:r>
+            <a:br/>
+            <a:r>
+              <a:t>+ set_attrs()</a:t>
+            </a:r>
+          </a:p>
+        </p:txBody>
+      </p:sp>
+      <p:sp>
+        <p:nvSpPr>
+          <p:cNvPr id="31" name="TextBox 30"/>
+          <p:cNvSpPr txBox="1"/>
+          <p:nvPr/>
+        </p:nvSpPr>
+        <p:spPr>
+          <a:xfrm>
+            <a:off x="6858000" y="3291840"/>
+            <a:ext cx="2194560" cy="365760"/>
+          </a:xfrm>
+          <a:prstGeom prst="rect">
+            <a:avLst/>
+          </a:prstGeom>
+          <a:noFill/>
+        </p:spPr>
+        <p:txBody>
+          <a:bodyPr wrap="square">
+            <a:spAutoFit/>
+          </a:bodyPr>
+          <a:lstStyle/>
+          <a:p>
+            <a:pPr>
+              <a:defRPr sz="900" b="0">
+                <a:solidFill>
+                  <a:srgbClr val="6C7086"/>
+                </a:solidFill>
+              </a:defRPr>
+            </a:pPr>
+            <a:r>
+              <a:t>内置 DataLoader 功能</a:t>
+            </a:r>
+          </a:p>
+        </p:txBody>
+      </p:sp>
+      <p:sp>
+        <p:nvSpPr>
+          <p:cNvPr id="32" name="TextBox 31"/>
+          <p:cNvSpPr txBox="1"/>
+          <p:nvPr/>
+        </p:nvSpPr>
+        <p:spPr>
+          <a:xfrm>
+            <a:off x="182880" y="3675888"/>
+            <a:ext cx="1371600" cy="365760"/>
+          </a:xfrm>
+          <a:prstGeom prst="rect">
+            <a:avLst/>
+          </a:prstGeom>
+          <a:noFill/>
+        </p:spPr>
+        <p:txBody>
+          <a:bodyPr wrap="square">
+            <a:spAutoFit/>
+          </a:bodyPr>
+          <a:lstStyle/>
+          <a:p>
+            <a:pPr>
+              <a:defRPr sz="1000" b="1">
+                <a:solidFill>
+                  <a:srgbClr val="F9E2AF"/>
+                </a:solidFill>
+              </a:defRPr>
+            </a:pPr>
+            <a:r>
+              <a:t>图像归一化</a:t>
+            </a:r>
+          </a:p>
+        </p:txBody>
+      </p:sp>
+      <p:sp>
+        <p:nvSpPr>
+          <p:cNvPr id="33" name="TextBox 32"/>
+          <p:cNvSpPr txBox="1"/>
+          <p:nvPr/>
+        </p:nvSpPr>
+        <p:spPr>
+          <a:xfrm>
+            <a:off x="1554480" y="3675888"/>
+            <a:ext cx="2468880" cy="365760"/>
+          </a:xfrm>
+          <a:prstGeom prst="rect">
+            <a:avLst/>
+          </a:prstGeom>
+          <a:noFill/>
+        </p:spPr>
+        <p:txBody>
+          <a:bodyPr wrap="square">
+            <a:spAutoFit/>
+          </a:bodyPr>
+          <a:lstStyle/>
+          <a:p>
+            <a:pPr>
+              <a:defRPr sz="1000" b="0">
+                <a:solidFill>
+                  <a:srgbClr val="F38BA8"/>
+                </a:solidFill>
+              </a:defRPr>
+            </a:pPr>
+            <a:r>
+              <a:t>transforms.Normalize()</a:t>
+            </a:r>
+          </a:p>
+        </p:txBody>
+      </p:sp>
+      <p:sp>
+        <p:nvSpPr>
+          <p:cNvPr id="34" name="TextBox 33"/>
+          <p:cNvSpPr txBox="1"/>
+          <p:nvPr/>
+        </p:nvSpPr>
+        <p:spPr>
+          <a:xfrm>
+            <a:off x="4206240" y="3675888"/>
+            <a:ext cx="2468880" cy="365760"/>
+          </a:xfrm>
+          <a:prstGeom prst="rect">
+            <a:avLst/>
+          </a:prstGeom>
+          <a:noFill/>
+        </p:spPr>
+        <p:txBody>
+          <a:bodyPr wrap="square">
+            <a:spAutoFit/>
+          </a:bodyPr>
+          <a:lstStyle/>
+          <a:p>
+            <a:pPr>
+              <a:defRPr sz="1000" b="0">
+                <a:solidFill>
+                  <a:srgbClr val="A6E3A1"/>
+                </a:solidFill>
+              </a:defRPr>
+            </a:pPr>
+            <a:r>
+              <a:t>jt.transform.ImageNormalize</a:t>
+            </a:r>
+          </a:p>
+        </p:txBody>
+      </p:sp>
+      <p:sp>
+        <p:nvSpPr>
+          <p:cNvPr id="35" name="TextBox 34"/>
+          <p:cNvSpPr txBox="1"/>
+          <p:nvPr/>
+        </p:nvSpPr>
+        <p:spPr>
+          <a:xfrm>
+            <a:off x="6858000" y="3675888"/>
+            <a:ext cx="2194560" cy="365760"/>
+          </a:xfrm>
+          <a:prstGeom prst="rect">
+            <a:avLst/>
+          </a:prstGeom>
+          <a:noFill/>
+        </p:spPr>
+        <p:txBody>
+          <a:bodyPr wrap="square">
+            <a:spAutoFit/>
+          </a:bodyPr>
+          <a:lstStyle/>
+          <a:p>
+            <a:pPr>
+              <a:defRPr sz="900" b="0">
+                <a:solidFill>
+                  <a:srgbClr val="6C7086"/>
+                </a:solidFill>
+              </a:defRPr>
+            </a:pPr>
+            <a:r>
+              <a:t>API 名称不同</a:t>
+            </a:r>
+          </a:p>
+        </p:txBody>
+      </p:sp>
+      <p:sp>
+        <p:nvSpPr>
+          <p:cNvPr id="36" name="TextBox 35"/>
+          <p:cNvSpPr txBox="1"/>
+          <p:nvPr/>
+        </p:nvSpPr>
+        <p:spPr>
+          <a:xfrm>
+            <a:off x="182880" y="4059936"/>
+            <a:ext cx="1371600" cy="365760"/>
+          </a:xfrm>
+          <a:prstGeom prst="rect">
+            <a:avLst/>
+          </a:prstGeom>
+          <a:noFill/>
+        </p:spPr>
+        <p:txBody>
+          <a:bodyPr wrap="square">
+            <a:spAutoFit/>
+          </a:bodyPr>
+          <a:lstStyle/>
+          <a:p>
+            <a:pPr>
+              <a:defRPr sz="1000" b="1">
+                <a:solidFill>
+                  <a:srgbClr val="F9E2AF"/>
+                </a:solidFill>
+              </a:defRPr>
+            </a:pPr>
+            <a:r>
+              <a:t>随机种子</a:t>
+            </a:r>
+          </a:p>
+        </p:txBody>
+      </p:sp>
+      <p:sp>
+        <p:nvSpPr>
+          <p:cNvPr id="37" name="TextBox 36"/>
+          <p:cNvSpPr txBox="1"/>
+          <p:nvPr/>
+        </p:nvSpPr>
+        <p:spPr>
+          <a:xfrm>
+            <a:off x="1554480" y="4059936"/>
+            <a:ext cx="2468880" cy="365760"/>
+          </a:xfrm>
+          <a:prstGeom prst="rect">
+            <a:avLst/>
+          </a:prstGeom>
+          <a:noFill/>
+        </p:spPr>
+        <p:txBody>
+          <a:bodyPr wrap="square">
+            <a:spAutoFit/>
+          </a:bodyPr>
+          <a:lstStyle/>
+          <a:p>
+            <a:pPr>
+              <a:defRPr sz="1000" b="0">
+                <a:solidFill>
+                  <a:srgbClr val="F38BA8"/>
+                </a:solidFill>
+              </a:defRPr>
+            </a:pPr>
+            <a:r>
+              <a:t>torch.manual_seed()</a:t>
+            </a:r>
+          </a:p>
+        </p:txBody>
+      </p:sp>
+      <p:sp>
+        <p:nvSpPr>
+          <p:cNvPr id="38" name="TextBox 37"/>
+          <p:cNvSpPr txBox="1"/>
+          <p:nvPr/>
+        </p:nvSpPr>
+        <p:spPr>
+          <a:xfrm>
+            <a:off x="4206240" y="4059936"/>
+            <a:ext cx="2468880" cy="365760"/>
+          </a:xfrm>
+          <a:prstGeom prst="rect">
+            <a:avLst/>
+          </a:prstGeom>
+          <a:noFill/>
+        </p:spPr>
+        <p:txBody>
+          <a:bodyPr wrap="square">
+            <a:spAutoFit/>
+          </a:bodyPr>
+          <a:lstStyle/>
+          <a:p>
+            <a:pPr>
+              <a:defRPr sz="1000" b="0">
+                <a:solidFill>
+                  <a:srgbClr val="A6E3A1"/>
+                </a:solidFill>
+              </a:defRPr>
+            </a:pPr>
+            <a:r>
+              <a:t>jt.set_global_seed()</a:t>
+            </a:r>
+          </a:p>
+        </p:txBody>
+      </p:sp>
+      <p:sp>
+        <p:nvSpPr>
+          <p:cNvPr id="39" name="TextBox 38"/>
+          <p:cNvSpPr txBox="1"/>
+          <p:nvPr/>
+        </p:nvSpPr>
+        <p:spPr>
+          <a:xfrm>
+            <a:off x="6858000" y="4059936"/>
+            <a:ext cx="2194560" cy="365760"/>
+          </a:xfrm>
+          <a:prstGeom prst="rect">
+            <a:avLst/>
+          </a:prstGeom>
+          <a:noFill/>
+        </p:spPr>
+        <p:txBody>
+          <a:bodyPr wrap="square">
+            <a:spAutoFit/>
+          </a:bodyPr>
+          <a:lstStyle/>
+          <a:p>
+            <a:pPr>
+              <a:defRPr sz="900" b="0">
+                <a:solidFill>
+                  <a:srgbClr val="6C7086"/>
+                </a:solidFill>
+              </a:defRPr>
+            </a:pPr>
+            <a:r>
+              <a:t>统一全局随机种子</a:t>
+            </a:r>
+          </a:p>
+        </p:txBody>
+      </p:sp>
+      <p:sp>
+        <p:nvSpPr>
+          <p:cNvPr id="40" name="TextBox 39"/>
+          <p:cNvSpPr txBox="1"/>
+          <p:nvPr/>
+        </p:nvSpPr>
+        <p:spPr>
+          <a:xfrm>
+            <a:off x="182880" y="4443984"/>
+            <a:ext cx="1371600" cy="365760"/>
+          </a:xfrm>
+          <a:prstGeom prst="rect">
+            <a:avLst/>
+          </a:prstGeom>
+          <a:noFill/>
+        </p:spPr>
+        <p:txBody>
+          <a:bodyPr wrap="square">
+            <a:spAutoFit/>
+          </a:bodyPr>
+          <a:lstStyle/>
+          <a:p>
+            <a:pPr>
+              <a:defRPr sz="1000" b="1">
+                <a:solidFill>
+                  <a:srgbClr val="F9E2AF"/>
+                </a:solidFill>
+              </a:defRPr>
+            </a:pPr>
+            <a:r>
+              <a:t>设备管理</a:t>
+            </a:r>
+          </a:p>
+        </p:txBody>
+      </p:sp>
+      <p:sp>
+        <p:nvSpPr>
+          <p:cNvPr id="41" name="TextBox 40"/>
+          <p:cNvSpPr txBox="1"/>
+          <p:nvPr/>
+        </p:nvSpPr>
+        <p:spPr>
+          <a:xfrm>
+            <a:off x="1554480" y="4443984"/>
+            <a:ext cx="2468880" cy="365760"/>
+          </a:xfrm>
+          <a:prstGeom prst="rect">
+            <a:avLst/>
+          </a:prstGeom>
+          <a:noFill/>
+        </p:spPr>
+        <p:txBody>
+          <a:bodyPr wrap="square">
+            <a:spAutoFit/>
+          </a:bodyPr>
+          <a:lstStyle/>
+          <a:p>
+            <a:pPr>
+              <a:defRPr sz="1000" b="0">
+                <a:solidFill>
+                  <a:srgbClr val="F38BA8"/>
+                </a:solidFill>
+              </a:defRPr>
+            </a:pPr>
+            <a:r>
+              <a:t>cuda / mps / cpu</a:t>
+            </a:r>
+          </a:p>
+        </p:txBody>
+      </p:sp>
+      <p:sp>
+        <p:nvSpPr>
+          <p:cNvPr id="42" name="TextBox 41"/>
+          <p:cNvSpPr txBox="1"/>
+          <p:nvPr/>
+        </p:nvSpPr>
+        <p:spPr>
+          <a:xfrm>
+            <a:off x="4206240" y="4443984"/>
+            <a:ext cx="2468880" cy="365760"/>
+          </a:xfrm>
+          <a:prstGeom prst="rect">
+            <a:avLst/>
+          </a:prstGeom>
+          <a:noFill/>
+        </p:spPr>
+        <p:txBody>
+          <a:bodyPr wrap="square">
+            <a:spAutoFit/>
+          </a:bodyPr>
+          <a:lstStyle/>
+          <a:p>
+            <a:pPr>
+              <a:defRPr sz="1000" b="0">
+                <a:solidFill>
+                  <a:srgbClr val="A6E3A1"/>
+                </a:solidFill>
+              </a:defRPr>
+            </a:pPr>
+            <a:r>
+              <a:t>自动管理（仅CPU/CUDA）</a:t>
+            </a:r>
+          </a:p>
+        </p:txBody>
+      </p:sp>
+      <p:sp>
+        <p:nvSpPr>
+          <p:cNvPr id="43" name="TextBox 42"/>
+          <p:cNvSpPr txBox="1"/>
+          <p:nvPr/>
+        </p:nvSpPr>
+        <p:spPr>
+          <a:xfrm>
+            <a:off x="6858000" y="4443984"/>
+            <a:ext cx="2194560" cy="365760"/>
+          </a:xfrm>
+          <a:prstGeom prst="rect">
+            <a:avLst/>
+          </a:prstGeom>
+          <a:noFill/>
+        </p:spPr>
+        <p:txBody>
+          <a:bodyPr wrap="square">
+            <a:spAutoFit/>
+          </a:bodyPr>
+          <a:lstStyle/>
+          <a:p>
+            <a:pPr>
+              <a:defRPr sz="900" b="0">
+                <a:solidFill>
+                  <a:srgbClr val="6C7086"/>
+                </a:solidFill>
+              </a:defRPr>
+            </a:pPr>
+            <a:r>
+              <a:t>不支持 MPS</a:t>
+            </a:r>
+          </a:p>
+        </p:txBody>
+      </p:sp>
+      <p:sp>
+        <p:nvSpPr>
+          <p:cNvPr id="44" name="TextBox 43"/>
+          <p:cNvSpPr txBox="1"/>
+          <p:nvPr/>
+        </p:nvSpPr>
+        <p:spPr>
+          <a:xfrm>
+            <a:off x="182880" y="4828032"/>
+            <a:ext cx="1371600" cy="365760"/>
+          </a:xfrm>
+          <a:prstGeom prst="rect">
+            <a:avLst/>
+          </a:prstGeom>
+          <a:noFill/>
+        </p:spPr>
+        <p:txBody>
+          <a:bodyPr wrap="square">
+            <a:spAutoFit/>
+          </a:bodyPr>
+          <a:lstStyle/>
+          <a:p>
+            <a:pPr>
+              <a:defRPr sz="1000" b="1">
+                <a:solidFill>
+                  <a:srgbClr val="F9E2AF"/>
+                </a:solidFill>
+              </a:defRPr>
+            </a:pPr>
+            <a:r>
+              <a:t>检查点</a:t>
+            </a:r>
+          </a:p>
+        </p:txBody>
+      </p:sp>
+      <p:sp>
+        <p:nvSpPr>
+          <p:cNvPr id="45" name="TextBox 44"/>
+          <p:cNvSpPr txBox="1"/>
+          <p:nvPr/>
+        </p:nvSpPr>
+        <p:spPr>
+          <a:xfrm>
+            <a:off x="1554480" y="4828032"/>
+            <a:ext cx="2468880" cy="365760"/>
+          </a:xfrm>
+          <a:prstGeom prst="rect">
+            <a:avLst/>
+          </a:prstGeom>
+          <a:noFill/>
+        </p:spPr>
+        <p:txBody>
+          <a:bodyPr wrap="square">
+            <a:spAutoFit/>
+          </a:bodyPr>
+          <a:lstStyle/>
+          <a:p>
+            <a:pPr>
+              <a:defRPr sz="1000" b="0">
+                <a:solidFill>
+                  <a:srgbClr val="F38BA8"/>
+                </a:solidFill>
+              </a:defRPr>
+            </a:pPr>
+            <a:r>
+              <a:t>.pth (torch.save)</a:t>
+            </a:r>
+          </a:p>
+        </p:txBody>
+      </p:sp>
+      <p:sp>
+        <p:nvSpPr>
+          <p:cNvPr id="46" name="TextBox 45"/>
+          <p:cNvSpPr txBox="1"/>
+          <p:nvPr/>
+        </p:nvSpPr>
+        <p:spPr>
+          <a:xfrm>
+            <a:off x="4206240" y="4828032"/>
+            <a:ext cx="2468880" cy="365760"/>
+          </a:xfrm>
+          <a:prstGeom prst="rect">
+            <a:avLst/>
+          </a:prstGeom>
+          <a:noFill/>
+        </p:spPr>
+        <p:txBody>
+          <a:bodyPr wrap="square">
+            <a:spAutoFit/>
+          </a:bodyPr>
+          <a:lstStyle/>
+          <a:p>
+            <a:pPr>
+              <a:defRPr sz="1000" b="0">
+                <a:solidFill>
+                  <a:srgbClr val="A6E3A1"/>
+                </a:solidFill>
+              </a:defRPr>
+            </a:pPr>
+            <a:r>
+              <a:t>.pkl + load_pytorch_weights()</a:t>
+            </a:r>
+          </a:p>
+        </p:txBody>
+      </p:sp>
+      <p:sp>
+        <p:nvSpPr>
+          <p:cNvPr id="47" name="TextBox 46"/>
+          <p:cNvSpPr txBox="1"/>
+          <p:nvPr/>
+        </p:nvSpPr>
+        <p:spPr>
+          <a:xfrm>
+            <a:off x="6858000" y="4828032"/>
+            <a:ext cx="2194560" cy="365760"/>
+          </a:xfrm>
+          <a:prstGeom prst="rect">
+            <a:avLst/>
+          </a:prstGeom>
+          <a:noFill/>
+        </p:spPr>
+        <p:txBody>
+          <a:bodyPr wrap="square">
+            <a:spAutoFit/>
+          </a:bodyPr>
+          <a:lstStyle/>
+          <a:p>
+            <a:pPr>
+              <a:defRPr sz="900" b="0">
+                <a:solidFill>
+                  <a:srgbClr val="6C7086"/>
+                </a:solidFill>
+              </a:defRPr>
+            </a:pPr>
+            <a:r>
+              <a:t>可桥接加载 PyTorch 权重</a:t>
             </a:r>
           </a:p>
         </p:txBody>

--- a/LEAD_Reproduction_Report.pptx
+++ b/LEAD_Reproduction_Report.pptx
@@ -3347,6 +3347,2492 @@
     <p:bg>
       <p:bgPr>
         <a:solidFill>
+          <a:srgbClr val="1E1E2E"/>
+        </a:solidFill>
+        <a:effectLst/>
+      </p:bgPr>
+    </p:bg>
+    <p:spTree>
+      <p:nvGrpSpPr>
+        <p:cNvPr id="1" name=""/>
+        <p:cNvGrpSpPr/>
+        <p:nvPr/>
+      </p:nvGrpSpPr>
+      <p:grpSpPr/>
+      <p:sp>
+        <p:nvSpPr>
+          <p:cNvPr id="2" name="TextBox 1"/>
+          <p:cNvSpPr txBox="1"/>
+          <p:nvPr/>
+        </p:nvSpPr>
+        <p:spPr>
+          <a:xfrm>
+            <a:off x="457200" y="274320"/>
+            <a:ext cx="8229600" cy="365760"/>
+          </a:xfrm>
+          <a:prstGeom prst="rect">
+            <a:avLst/>
+          </a:prstGeom>
+          <a:noFill/>
+        </p:spPr>
+        <p:txBody>
+          <a:bodyPr wrap="square">
+            <a:spAutoFit/>
+          </a:bodyPr>
+          <a:lstStyle/>
+          <a:p>
+            <a:pPr>
+              <a:defRPr sz="2800" b="1">
+                <a:solidFill>
+                  <a:srgbClr val="FFFFFF"/>
+                </a:solidFill>
+              </a:defRPr>
+            </a:pPr>
+            <a:r>
+              <a:t>PyTorch vs 计图 — 代码移植对比</a:t>
+            </a:r>
+          </a:p>
+        </p:txBody>
+      </p:sp>
+      <p:sp>
+        <p:nvSpPr>
+          <p:cNvPr id="3" name="TextBox 2"/>
+          <p:cNvSpPr txBox="1"/>
+          <p:nvPr/>
+        </p:nvSpPr>
+        <p:spPr>
+          <a:xfrm>
+            <a:off x="457200" y="777240"/>
+            <a:ext cx="8229600" cy="365760"/>
+          </a:xfrm>
+          <a:prstGeom prst="rect">
+            <a:avLst/>
+          </a:prstGeom>
+          <a:noFill/>
+        </p:spPr>
+        <p:txBody>
+          <a:bodyPr wrap="square">
+            <a:spAutoFit/>
+          </a:bodyPr>
+          <a:lstStyle/>
+          <a:p>
+            <a:pPr>
+              <a:defRPr sz="1500" b="0">
+                <a:solidFill>
+                  <a:srgbClr val="89B4FA"/>
+                </a:solidFill>
+              </a:defRPr>
+            </a:pPr>
+            <a:r>
+              <a:t>从 PyTorch 移植到 Jittor 的关键 API 差异与适配方案</a:t>
+            </a:r>
+          </a:p>
+        </p:txBody>
+      </p:sp>
+      <p:sp>
+        <p:nvSpPr>
+          <p:cNvPr id="4" name="TextBox 3"/>
+          <p:cNvSpPr txBox="1"/>
+          <p:nvPr/>
+        </p:nvSpPr>
+        <p:spPr>
+          <a:xfrm>
+            <a:off x="182880" y="1051560"/>
+            <a:ext cx="1371600" cy="365760"/>
+          </a:xfrm>
+          <a:prstGeom prst="rect">
+            <a:avLst/>
+          </a:prstGeom>
+          <a:noFill/>
+        </p:spPr>
+        <p:txBody>
+          <a:bodyPr wrap="square">
+            <a:spAutoFit/>
+          </a:bodyPr>
+          <a:lstStyle/>
+          <a:p>
+            <a:pPr>
+              <a:defRPr sz="1100" b="1">
+                <a:solidFill>
+                  <a:srgbClr val="FFFFFF"/>
+                </a:solidFill>
+              </a:defRPr>
+            </a:pPr>
+            <a:r>
+              <a:t>改动项</a:t>
+            </a:r>
+          </a:p>
+        </p:txBody>
+      </p:sp>
+      <p:sp>
+        <p:nvSpPr>
+          <p:cNvPr id="5" name="TextBox 4"/>
+          <p:cNvSpPr txBox="1"/>
+          <p:nvPr/>
+        </p:nvSpPr>
+        <p:spPr>
+          <a:xfrm>
+            <a:off x="1554480" y="1051560"/>
+            <a:ext cx="2468880" cy="365760"/>
+          </a:xfrm>
+          <a:prstGeom prst="rect">
+            <a:avLst/>
+          </a:prstGeom>
+          <a:noFill/>
+        </p:spPr>
+        <p:txBody>
+          <a:bodyPr wrap="square">
+            <a:spAutoFit/>
+          </a:bodyPr>
+          <a:lstStyle/>
+          <a:p>
+            <a:pPr>
+              <a:defRPr sz="1100" b="1">
+                <a:solidFill>
+                  <a:srgbClr val="F38BA8"/>
+                </a:solidFill>
+              </a:defRPr>
+            </a:pPr>
+            <a:r>
+              <a:t>PyTorch 原始写法</a:t>
+            </a:r>
+          </a:p>
+        </p:txBody>
+      </p:sp>
+      <p:sp>
+        <p:nvSpPr>
+          <p:cNvPr id="6" name="TextBox 5"/>
+          <p:cNvSpPr txBox="1"/>
+          <p:nvPr/>
+        </p:nvSpPr>
+        <p:spPr>
+          <a:xfrm>
+            <a:off x="4206240" y="1051560"/>
+            <a:ext cx="2468880" cy="365760"/>
+          </a:xfrm>
+          <a:prstGeom prst="rect">
+            <a:avLst/>
+          </a:prstGeom>
+          <a:noFill/>
+        </p:spPr>
+        <p:txBody>
+          <a:bodyPr wrap="square">
+            <a:spAutoFit/>
+          </a:bodyPr>
+          <a:lstStyle/>
+          <a:p>
+            <a:pPr>
+              <a:defRPr sz="1100" b="1">
+                <a:solidFill>
+                  <a:srgbClr val="A6E3A1"/>
+                </a:solidFill>
+              </a:defRPr>
+            </a:pPr>
+            <a:r>
+              <a:t>Jittor 适配写法</a:t>
+            </a:r>
+          </a:p>
+        </p:txBody>
+      </p:sp>
+      <p:sp>
+        <p:nvSpPr>
+          <p:cNvPr id="7" name="TextBox 6"/>
+          <p:cNvSpPr txBox="1"/>
+          <p:nvPr/>
+        </p:nvSpPr>
+        <p:spPr>
+          <a:xfrm>
+            <a:off x="6858000" y="1051560"/>
+            <a:ext cx="2194560" cy="365760"/>
+          </a:xfrm>
+          <a:prstGeom prst="rect">
+            <a:avLst/>
+          </a:prstGeom>
+          <a:noFill/>
+        </p:spPr>
+        <p:txBody>
+          <a:bodyPr wrap="square">
+            <a:spAutoFit/>
+          </a:bodyPr>
+          <a:lstStyle/>
+          <a:p>
+            <a:pPr>
+              <a:defRPr sz="1100" b="1">
+                <a:solidFill>
+                  <a:srgbClr val="FFFFFF"/>
+                </a:solidFill>
+              </a:defRPr>
+            </a:pPr>
+            <a:r>
+              <a:t>说明</a:t>
+            </a:r>
+          </a:p>
+        </p:txBody>
+      </p:sp>
+      <p:sp>
+        <p:nvSpPr>
+          <p:cNvPr id="8" name="TextBox 7"/>
+          <p:cNvSpPr txBox="1"/>
+          <p:nvPr/>
+        </p:nvSpPr>
+        <p:spPr>
+          <a:xfrm>
+            <a:off x="182880" y="1371600"/>
+            <a:ext cx="1371600" cy="365760"/>
+          </a:xfrm>
+          <a:prstGeom prst="rect">
+            <a:avLst/>
+          </a:prstGeom>
+          <a:noFill/>
+        </p:spPr>
+        <p:txBody>
+          <a:bodyPr wrap="square">
+            <a:spAutoFit/>
+          </a:bodyPr>
+          <a:lstStyle/>
+          <a:p>
+            <a:pPr>
+              <a:defRPr sz="1000" b="1">
+                <a:solidFill>
+                  <a:srgbClr val="F9E2AF"/>
+                </a:solidFill>
+              </a:defRPr>
+            </a:pPr>
+            <a:r>
+              <a:t>模型前向传播</a:t>
+            </a:r>
+          </a:p>
+        </p:txBody>
+      </p:sp>
+      <p:sp>
+        <p:nvSpPr>
+          <p:cNvPr id="9" name="TextBox 8"/>
+          <p:cNvSpPr txBox="1"/>
+          <p:nvPr/>
+        </p:nvSpPr>
+        <p:spPr>
+          <a:xfrm>
+            <a:off x="1554480" y="1371600"/>
+            <a:ext cx="2468880" cy="365760"/>
+          </a:xfrm>
+          <a:prstGeom prst="rect">
+            <a:avLst/>
+          </a:prstGeom>
+          <a:noFill/>
+        </p:spPr>
+        <p:txBody>
+          <a:bodyPr wrap="square">
+            <a:spAutoFit/>
+          </a:bodyPr>
+          <a:lstStyle/>
+          <a:p>
+            <a:pPr>
+              <a:defRPr sz="1000" b="0">
+                <a:solidFill>
+                  <a:srgbClr val="F38BA8"/>
+                </a:solidFill>
+              </a:defRPr>
+            </a:pPr>
+            <a:r>
+              <a:t>forward(self, x)</a:t>
+            </a:r>
+          </a:p>
+        </p:txBody>
+      </p:sp>
+      <p:sp>
+        <p:nvSpPr>
+          <p:cNvPr id="10" name="TextBox 9"/>
+          <p:cNvSpPr txBox="1"/>
+          <p:nvPr/>
+        </p:nvSpPr>
+        <p:spPr>
+          <a:xfrm>
+            <a:off x="4206240" y="1371600"/>
+            <a:ext cx="2468880" cy="365760"/>
+          </a:xfrm>
+          <a:prstGeom prst="rect">
+            <a:avLst/>
+          </a:prstGeom>
+          <a:noFill/>
+        </p:spPr>
+        <p:txBody>
+          <a:bodyPr wrap="square">
+            <a:spAutoFit/>
+          </a:bodyPr>
+          <a:lstStyle/>
+          <a:p>
+            <a:pPr>
+              <a:defRPr sz="1000" b="0">
+                <a:solidFill>
+                  <a:srgbClr val="A6E3A1"/>
+                </a:solidFill>
+              </a:defRPr>
+            </a:pPr>
+            <a:r>
+              <a:t>execute(self, x)</a:t>
+            </a:r>
+          </a:p>
+        </p:txBody>
+      </p:sp>
+      <p:sp>
+        <p:nvSpPr>
+          <p:cNvPr id="11" name="TextBox 10"/>
+          <p:cNvSpPr txBox="1"/>
+          <p:nvPr/>
+        </p:nvSpPr>
+        <p:spPr>
+          <a:xfrm>
+            <a:off x="6858000" y="1371600"/>
+            <a:ext cx="2194560" cy="365760"/>
+          </a:xfrm>
+          <a:prstGeom prst="rect">
+            <a:avLst/>
+          </a:prstGeom>
+          <a:noFill/>
+        </p:spPr>
+        <p:txBody>
+          <a:bodyPr wrap="square">
+            <a:spAutoFit/>
+          </a:bodyPr>
+          <a:lstStyle/>
+          <a:p>
+            <a:pPr>
+              <a:defRPr sz="900" b="0">
+                <a:solidFill>
+                  <a:srgbClr val="6C7086"/>
+                </a:solidFill>
+              </a:defRPr>
+            </a:pPr>
+            <a:r>
+              <a:t>Jittor 约定</a:t>
+            </a:r>
+          </a:p>
+        </p:txBody>
+      </p:sp>
+      <p:sp>
+        <p:nvSpPr>
+          <p:cNvPr id="12" name="TextBox 11"/>
+          <p:cNvSpPr txBox="1"/>
+          <p:nvPr/>
+        </p:nvSpPr>
+        <p:spPr>
+          <a:xfrm>
+            <a:off x="182880" y="1755648"/>
+            <a:ext cx="1371600" cy="365760"/>
+          </a:xfrm>
+          <a:prstGeom prst="rect">
+            <a:avLst/>
+          </a:prstGeom>
+          <a:noFill/>
+        </p:spPr>
+        <p:txBody>
+          <a:bodyPr wrap="square">
+            <a:spAutoFit/>
+          </a:bodyPr>
+          <a:lstStyle/>
+          <a:p>
+            <a:pPr>
+              <a:defRPr sz="1000" b="1">
+                <a:solidFill>
+                  <a:srgbClr val="F9E2AF"/>
+                </a:solidFill>
+              </a:defRPr>
+            </a:pPr>
+            <a:r>
+              <a:t>权重归一化</a:t>
+            </a:r>
+          </a:p>
+        </p:txBody>
+      </p:sp>
+      <p:sp>
+        <p:nvSpPr>
+          <p:cNvPr id="13" name="TextBox 12"/>
+          <p:cNvSpPr txBox="1"/>
+          <p:nvPr/>
+        </p:nvSpPr>
+        <p:spPr>
+          <a:xfrm>
+            <a:off x="1554480" y="1755648"/>
+            <a:ext cx="2468880" cy="365760"/>
+          </a:xfrm>
+          <a:prstGeom prst="rect">
+            <a:avLst/>
+          </a:prstGeom>
+          <a:noFill/>
+        </p:spPr>
+        <p:txBody>
+          <a:bodyPr wrap="square">
+            <a:spAutoFit/>
+          </a:bodyPr>
+          <a:lstStyle/>
+          <a:p>
+            <a:pPr>
+              <a:defRPr sz="1000" b="0">
+                <a:solidFill>
+                  <a:srgbClr val="F38BA8"/>
+                </a:solidFill>
+              </a:defRPr>
+            </a:pPr>
+            <a:r>
+              <a:t>nn.utils.weight_norm()</a:t>
+            </a:r>
+          </a:p>
+        </p:txBody>
+      </p:sp>
+      <p:sp>
+        <p:nvSpPr>
+          <p:cNvPr id="14" name="TextBox 13"/>
+          <p:cNvSpPr txBox="1"/>
+          <p:nvPr/>
+        </p:nvSpPr>
+        <p:spPr>
+          <a:xfrm>
+            <a:off x="4206240" y="1755648"/>
+            <a:ext cx="2468880" cy="365760"/>
+          </a:xfrm>
+          <a:prstGeom prst="rect">
+            <a:avLst/>
+          </a:prstGeom>
+          <a:noFill/>
+        </p:spPr>
+        <p:txBody>
+          <a:bodyPr wrap="square">
+            <a:spAutoFit/>
+          </a:bodyPr>
+          <a:lstStyle/>
+          <a:p>
+            <a:pPr>
+              <a:defRPr sz="1000" b="0">
+                <a:solidFill>
+                  <a:srgbClr val="A6E3A1"/>
+                </a:solidFill>
+              </a:defRPr>
+            </a:pPr>
+            <a:r>
+              <a:t>手写 WeightNormLinear</a:t>
+            </a:r>
+          </a:p>
+        </p:txBody>
+      </p:sp>
+      <p:sp>
+        <p:nvSpPr>
+          <p:cNvPr id="15" name="TextBox 14"/>
+          <p:cNvSpPr txBox="1"/>
+          <p:nvPr/>
+        </p:nvSpPr>
+        <p:spPr>
+          <a:xfrm>
+            <a:off x="6858000" y="1755648"/>
+            <a:ext cx="2194560" cy="365760"/>
+          </a:xfrm>
+          <a:prstGeom prst="rect">
+            <a:avLst/>
+          </a:prstGeom>
+          <a:noFill/>
+        </p:spPr>
+        <p:txBody>
+          <a:bodyPr wrap="square">
+            <a:spAutoFit/>
+          </a:bodyPr>
+          <a:lstStyle/>
+          <a:p>
+            <a:pPr>
+              <a:defRPr sz="900" b="0">
+                <a:solidFill>
+                  <a:srgbClr val="6C7086"/>
+                </a:solidFill>
+              </a:defRPr>
+            </a:pPr>
+            <a:r>
+              <a:t>Jittor 无内置，手动 g·v/‖v‖</a:t>
+            </a:r>
+          </a:p>
+        </p:txBody>
+      </p:sp>
+      <p:sp>
+        <p:nvSpPr>
+          <p:cNvPr id="16" name="TextBox 15"/>
+          <p:cNvSpPr txBox="1"/>
+          <p:nvPr/>
+        </p:nvSpPr>
+        <p:spPr>
+          <a:xfrm>
+            <a:off x="182880" y="2139696"/>
+            <a:ext cx="1371600" cy="365760"/>
+          </a:xfrm>
+          <a:prstGeom prst="rect">
+            <a:avLst/>
+          </a:prstGeom>
+          <a:noFill/>
+        </p:spPr>
+        <p:txBody>
+          <a:bodyPr wrap="square">
+            <a:spAutoFit/>
+          </a:bodyPr>
+          <a:lstStyle/>
+          <a:p>
+            <a:pPr>
+              <a:defRPr sz="1000" b="1">
+                <a:solidFill>
+                  <a:srgbClr val="F9E2AF"/>
+                </a:solidFill>
+              </a:defRPr>
+            </a:pPr>
+            <a:r>
+              <a:t>线性层计算</a:t>
+            </a:r>
+          </a:p>
+        </p:txBody>
+      </p:sp>
+      <p:sp>
+        <p:nvSpPr>
+          <p:cNvPr id="17" name="TextBox 16"/>
+          <p:cNvSpPr txBox="1"/>
+          <p:nvPr/>
+        </p:nvSpPr>
+        <p:spPr>
+          <a:xfrm>
+            <a:off x="1554480" y="2139696"/>
+            <a:ext cx="2468880" cy="365760"/>
+          </a:xfrm>
+          <a:prstGeom prst="rect">
+            <a:avLst/>
+          </a:prstGeom>
+          <a:noFill/>
+        </p:spPr>
+        <p:txBody>
+          <a:bodyPr wrap="square">
+            <a:spAutoFit/>
+          </a:bodyPr>
+          <a:lstStyle/>
+          <a:p>
+            <a:pPr>
+              <a:defRPr sz="1000" b="0">
+                <a:solidFill>
+                  <a:srgbClr val="F38BA8"/>
+                </a:solidFill>
+              </a:defRPr>
+            </a:pPr>
+            <a:r>
+              <a:t>F.linear(x, w, b)</a:t>
+            </a:r>
+          </a:p>
+        </p:txBody>
+      </p:sp>
+      <p:sp>
+        <p:nvSpPr>
+          <p:cNvPr id="18" name="TextBox 17"/>
+          <p:cNvSpPr txBox="1"/>
+          <p:nvPr/>
+        </p:nvSpPr>
+        <p:spPr>
+          <a:xfrm>
+            <a:off x="4206240" y="2139696"/>
+            <a:ext cx="2468880" cy="365760"/>
+          </a:xfrm>
+          <a:prstGeom prst="rect">
+            <a:avLst/>
+          </a:prstGeom>
+          <a:noFill/>
+        </p:spPr>
+        <p:txBody>
+          <a:bodyPr wrap="square">
+            <a:spAutoFit/>
+          </a:bodyPr>
+          <a:lstStyle/>
+          <a:p>
+            <a:pPr>
+              <a:defRPr sz="1000" b="0">
+                <a:solidFill>
+                  <a:srgbClr val="A6E3A1"/>
+                </a:solidFill>
+              </a:defRPr>
+            </a:pPr>
+            <a:r>
+              <a:t>matmul_transpose(x,w)+b</a:t>
+            </a:r>
+          </a:p>
+        </p:txBody>
+      </p:sp>
+      <p:sp>
+        <p:nvSpPr>
+          <p:cNvPr id="19" name="TextBox 18"/>
+          <p:cNvSpPr txBox="1"/>
+          <p:nvPr/>
+        </p:nvSpPr>
+        <p:spPr>
+          <a:xfrm>
+            <a:off x="6858000" y="2139696"/>
+            <a:ext cx="2194560" cy="365760"/>
+          </a:xfrm>
+          <a:prstGeom prst="rect">
+            <a:avLst/>
+          </a:prstGeom>
+          <a:noFill/>
+        </p:spPr>
+        <p:txBody>
+          <a:bodyPr wrap="square">
+            <a:spAutoFit/>
+          </a:bodyPr>
+          <a:lstStyle/>
+          <a:p>
+            <a:pPr>
+              <a:defRPr sz="900" b="0">
+                <a:solidFill>
+                  <a:srgbClr val="6C7086"/>
+                </a:solidFill>
+              </a:defRPr>
+            </a:pPr>
+            <a:r>
+              <a:t>矩阵转置乘法替代</a:t>
+            </a:r>
+          </a:p>
+        </p:txBody>
+      </p:sp>
+      <p:sp>
+        <p:nvSpPr>
+          <p:cNvPr id="20" name="TextBox 19"/>
+          <p:cNvSpPr txBox="1"/>
+          <p:nvPr/>
+        </p:nvSpPr>
+        <p:spPr>
+          <a:xfrm>
+            <a:off x="182880" y="2523744"/>
+            <a:ext cx="1371600" cy="365760"/>
+          </a:xfrm>
+          <a:prstGeom prst="rect">
+            <a:avLst/>
+          </a:prstGeom>
+          <a:noFill/>
+        </p:spPr>
+        <p:txBody>
+          <a:bodyPr wrap="square">
+            <a:spAutoFit/>
+          </a:bodyPr>
+          <a:lstStyle/>
+          <a:p>
+            <a:pPr>
+              <a:defRPr sz="1000" b="1">
+                <a:solidFill>
+                  <a:srgbClr val="F9E2AF"/>
+                </a:solidFill>
+              </a:defRPr>
+            </a:pPr>
+            <a:r>
+              <a:t>反向传播</a:t>
+            </a:r>
+          </a:p>
+        </p:txBody>
+      </p:sp>
+      <p:sp>
+        <p:nvSpPr>
+          <p:cNvPr id="21" name="TextBox 20"/>
+          <p:cNvSpPr txBox="1"/>
+          <p:nvPr/>
+        </p:nvSpPr>
+        <p:spPr>
+          <a:xfrm>
+            <a:off x="1554480" y="2523744"/>
+            <a:ext cx="2468880" cy="365760"/>
+          </a:xfrm>
+          <a:prstGeom prst="rect">
+            <a:avLst/>
+          </a:prstGeom>
+          <a:noFill/>
+        </p:spPr>
+        <p:txBody>
+          <a:bodyPr wrap="square">
+            <a:spAutoFit/>
+          </a:bodyPr>
+          <a:lstStyle/>
+          <a:p>
+            <a:pPr>
+              <a:defRPr sz="1000" b="0">
+                <a:solidFill>
+                  <a:srgbClr val="F38BA8"/>
+                </a:solidFill>
+              </a:defRPr>
+            </a:pPr>
+            <a:r>
+              <a:t>loss.backward()</a:t>
+            </a:r>
+            <a:br/>
+            <a:r>
+              <a:t>optimizer.step()</a:t>
+            </a:r>
+          </a:p>
+        </p:txBody>
+      </p:sp>
+      <p:sp>
+        <p:nvSpPr>
+          <p:cNvPr id="22" name="TextBox 21"/>
+          <p:cNvSpPr txBox="1"/>
+          <p:nvPr/>
+        </p:nvSpPr>
+        <p:spPr>
+          <a:xfrm>
+            <a:off x="4206240" y="2523744"/>
+            <a:ext cx="2468880" cy="365760"/>
+          </a:xfrm>
+          <a:prstGeom prst="rect">
+            <a:avLst/>
+          </a:prstGeom>
+          <a:noFill/>
+        </p:spPr>
+        <p:txBody>
+          <a:bodyPr wrap="square">
+            <a:spAutoFit/>
+          </a:bodyPr>
+          <a:lstStyle/>
+          <a:p>
+            <a:pPr>
+              <a:defRPr sz="1000" b="0">
+                <a:solidFill>
+                  <a:srgbClr val="A6E3A1"/>
+                </a:solidFill>
+              </a:defRPr>
+            </a:pPr>
+            <a:r>
+              <a:t>optimizer.step(loss)</a:t>
+            </a:r>
+          </a:p>
+        </p:txBody>
+      </p:sp>
+      <p:sp>
+        <p:nvSpPr>
+          <p:cNvPr id="23" name="TextBox 22"/>
+          <p:cNvSpPr txBox="1"/>
+          <p:nvPr/>
+        </p:nvSpPr>
+        <p:spPr>
+          <a:xfrm>
+            <a:off x="6858000" y="2523744"/>
+            <a:ext cx="2194560" cy="365760"/>
+          </a:xfrm>
+          <a:prstGeom prst="rect">
+            <a:avLst/>
+          </a:prstGeom>
+          <a:noFill/>
+        </p:spPr>
+        <p:txBody>
+          <a:bodyPr wrap="square">
+            <a:spAutoFit/>
+          </a:bodyPr>
+          <a:lstStyle/>
+          <a:p>
+            <a:pPr>
+              <a:defRPr sz="900" b="0">
+                <a:solidFill>
+                  <a:srgbClr val="6C7086"/>
+                </a:solidFill>
+              </a:defRPr>
+            </a:pPr>
+            <a:r>
+              <a:t>一步完成自动微分</a:t>
+            </a:r>
+          </a:p>
+        </p:txBody>
+      </p:sp>
+      <p:sp>
+        <p:nvSpPr>
+          <p:cNvPr id="24" name="TextBox 23"/>
+          <p:cNvSpPr txBox="1"/>
+          <p:nvPr/>
+        </p:nvSpPr>
+        <p:spPr>
+          <a:xfrm>
+            <a:off x="182880" y="2907792"/>
+            <a:ext cx="1371600" cy="365760"/>
+          </a:xfrm>
+          <a:prstGeom prst="rect">
+            <a:avLst/>
+          </a:prstGeom>
+          <a:noFill/>
+        </p:spPr>
+        <p:txBody>
+          <a:bodyPr wrap="square">
+            <a:spAutoFit/>
+          </a:bodyPr>
+          <a:lstStyle/>
+          <a:p>
+            <a:pPr>
+              <a:defRPr sz="1000" b="1">
+                <a:solidFill>
+                  <a:srgbClr val="F9E2AF"/>
+                </a:solidFill>
+              </a:defRPr>
+            </a:pPr>
+            <a:r>
+              <a:t>冻结参数</a:t>
+            </a:r>
+          </a:p>
+        </p:txBody>
+      </p:sp>
+      <p:sp>
+        <p:nvSpPr>
+          <p:cNvPr id="25" name="TextBox 24"/>
+          <p:cNvSpPr txBox="1"/>
+          <p:nvPr/>
+        </p:nvSpPr>
+        <p:spPr>
+          <a:xfrm>
+            <a:off x="1554480" y="2907792"/>
+            <a:ext cx="2468880" cy="365760"/>
+          </a:xfrm>
+          <a:prstGeom prst="rect">
+            <a:avLst/>
+          </a:prstGeom>
+          <a:noFill/>
+        </p:spPr>
+        <p:txBody>
+          <a:bodyPr wrap="square">
+            <a:spAutoFit/>
+          </a:bodyPr>
+          <a:lstStyle/>
+          <a:p>
+            <a:pPr>
+              <a:defRPr sz="1000" b="0">
+                <a:solidFill>
+                  <a:srgbClr val="F38BA8"/>
+                </a:solidFill>
+              </a:defRPr>
+            </a:pPr>
+            <a:r>
+              <a:t>requires_grad_(False)</a:t>
+            </a:r>
+          </a:p>
+        </p:txBody>
+      </p:sp>
+      <p:sp>
+        <p:nvSpPr>
+          <p:cNvPr id="26" name="TextBox 25"/>
+          <p:cNvSpPr txBox="1"/>
+          <p:nvPr/>
+        </p:nvSpPr>
+        <p:spPr>
+          <a:xfrm>
+            <a:off x="4206240" y="2907792"/>
+            <a:ext cx="2468880" cy="365760"/>
+          </a:xfrm>
+          <a:prstGeom prst="rect">
+            <a:avLst/>
+          </a:prstGeom>
+          <a:noFill/>
+        </p:spPr>
+        <p:txBody>
+          <a:bodyPr wrap="square">
+            <a:spAutoFit/>
+          </a:bodyPr>
+          <a:lstStyle/>
+          <a:p>
+            <a:pPr>
+              <a:defRPr sz="1000" b="0">
+                <a:solidFill>
+                  <a:srgbClr val="A6E3A1"/>
+                </a:solidFill>
+              </a:defRPr>
+            </a:pPr>
+            <a:r>
+              <a:t>v.stop_grad()</a:t>
+            </a:r>
+          </a:p>
+        </p:txBody>
+      </p:sp>
+      <p:sp>
+        <p:nvSpPr>
+          <p:cNvPr id="27" name="TextBox 26"/>
+          <p:cNvSpPr txBox="1"/>
+          <p:nvPr/>
+        </p:nvSpPr>
+        <p:spPr>
+          <a:xfrm>
+            <a:off x="6858000" y="2907792"/>
+            <a:ext cx="2194560" cy="365760"/>
+          </a:xfrm>
+          <a:prstGeom prst="rect">
+            <a:avLst/>
+          </a:prstGeom>
+          <a:noFill/>
+        </p:spPr>
+        <p:txBody>
+          <a:bodyPr wrap="square">
+            <a:spAutoFit/>
+          </a:bodyPr>
+          <a:lstStyle/>
+          <a:p>
+            <a:pPr>
+              <a:defRPr sz="900" b="0">
+                <a:solidFill>
+                  <a:srgbClr val="6C7086"/>
+                </a:solidFill>
+              </a:defRPr>
+            </a:pPr>
+            <a:r>
+              <a:t>梯度阻断方式不同</a:t>
+            </a:r>
+          </a:p>
+        </p:txBody>
+      </p:sp>
+      <p:sp>
+        <p:nvSpPr>
+          <p:cNvPr id="28" name="TextBox 27"/>
+          <p:cNvSpPr txBox="1"/>
+          <p:nvPr/>
+        </p:nvSpPr>
+        <p:spPr>
+          <a:xfrm>
+            <a:off x="182880" y="3291840"/>
+            <a:ext cx="1371600" cy="365760"/>
+          </a:xfrm>
+          <a:prstGeom prst="rect">
+            <a:avLst/>
+          </a:prstGeom>
+          <a:noFill/>
+        </p:spPr>
+        <p:txBody>
+          <a:bodyPr wrap="square">
+            <a:spAutoFit/>
+          </a:bodyPr>
+          <a:lstStyle/>
+          <a:p>
+            <a:pPr>
+              <a:defRPr sz="1000" b="1">
+                <a:solidFill>
+                  <a:srgbClr val="F9E2AF"/>
+                </a:solidFill>
+              </a:defRPr>
+            </a:pPr>
+            <a:r>
+              <a:t>数据集</a:t>
+            </a:r>
+          </a:p>
+        </p:txBody>
+      </p:sp>
+      <p:sp>
+        <p:nvSpPr>
+          <p:cNvPr id="29" name="TextBox 28"/>
+          <p:cNvSpPr txBox="1"/>
+          <p:nvPr/>
+        </p:nvSpPr>
+        <p:spPr>
+          <a:xfrm>
+            <a:off x="1554480" y="3291840"/>
+            <a:ext cx="2468880" cy="365760"/>
+          </a:xfrm>
+          <a:prstGeom prst="rect">
+            <a:avLst/>
+          </a:prstGeom>
+          <a:noFill/>
+        </p:spPr>
+        <p:txBody>
+          <a:bodyPr wrap="square">
+            <a:spAutoFit/>
+          </a:bodyPr>
+          <a:lstStyle/>
+          <a:p>
+            <a:pPr>
+              <a:defRPr sz="1000" b="0">
+                <a:solidFill>
+                  <a:srgbClr val="F38BA8"/>
+                </a:solidFill>
+              </a:defRPr>
+            </a:pPr>
+            <a:r>
+              <a:t>torch.utils.data.Dataset</a:t>
+            </a:r>
+          </a:p>
+        </p:txBody>
+      </p:sp>
+      <p:sp>
+        <p:nvSpPr>
+          <p:cNvPr id="30" name="TextBox 29"/>
+          <p:cNvSpPr txBox="1"/>
+          <p:nvPr/>
+        </p:nvSpPr>
+        <p:spPr>
+          <a:xfrm>
+            <a:off x="4206240" y="3291840"/>
+            <a:ext cx="2468880" cy="365760"/>
+          </a:xfrm>
+          <a:prstGeom prst="rect">
+            <a:avLst/>
+          </a:prstGeom>
+          <a:noFill/>
+        </p:spPr>
+        <p:txBody>
+          <a:bodyPr wrap="square">
+            <a:spAutoFit/>
+          </a:bodyPr>
+          <a:lstStyle/>
+          <a:p>
+            <a:pPr>
+              <a:defRPr sz="1000" b="0">
+                <a:solidFill>
+                  <a:srgbClr val="A6E3A1"/>
+                </a:solidFill>
+              </a:defRPr>
+            </a:pPr>
+            <a:r>
+              <a:t>jt.dataset.Dataset</a:t>
+            </a:r>
+            <a:br/>
+            <a:r>
+              <a:t>+ set_attrs()</a:t>
+            </a:r>
+          </a:p>
+        </p:txBody>
+      </p:sp>
+      <p:sp>
+        <p:nvSpPr>
+          <p:cNvPr id="31" name="TextBox 30"/>
+          <p:cNvSpPr txBox="1"/>
+          <p:nvPr/>
+        </p:nvSpPr>
+        <p:spPr>
+          <a:xfrm>
+            <a:off x="6858000" y="3291840"/>
+            <a:ext cx="2194560" cy="365760"/>
+          </a:xfrm>
+          <a:prstGeom prst="rect">
+            <a:avLst/>
+          </a:prstGeom>
+          <a:noFill/>
+        </p:spPr>
+        <p:txBody>
+          <a:bodyPr wrap="square">
+            <a:spAutoFit/>
+          </a:bodyPr>
+          <a:lstStyle/>
+          <a:p>
+            <a:pPr>
+              <a:defRPr sz="900" b="0">
+                <a:solidFill>
+                  <a:srgbClr val="6C7086"/>
+                </a:solidFill>
+              </a:defRPr>
+            </a:pPr>
+            <a:r>
+              <a:t>内置 DataLoader 功能</a:t>
+            </a:r>
+          </a:p>
+        </p:txBody>
+      </p:sp>
+      <p:sp>
+        <p:nvSpPr>
+          <p:cNvPr id="32" name="TextBox 31"/>
+          <p:cNvSpPr txBox="1"/>
+          <p:nvPr/>
+        </p:nvSpPr>
+        <p:spPr>
+          <a:xfrm>
+            <a:off x="182880" y="3675888"/>
+            <a:ext cx="1371600" cy="365760"/>
+          </a:xfrm>
+          <a:prstGeom prst="rect">
+            <a:avLst/>
+          </a:prstGeom>
+          <a:noFill/>
+        </p:spPr>
+        <p:txBody>
+          <a:bodyPr wrap="square">
+            <a:spAutoFit/>
+          </a:bodyPr>
+          <a:lstStyle/>
+          <a:p>
+            <a:pPr>
+              <a:defRPr sz="1000" b="1">
+                <a:solidFill>
+                  <a:srgbClr val="F9E2AF"/>
+                </a:solidFill>
+              </a:defRPr>
+            </a:pPr>
+            <a:r>
+              <a:t>图像归一化</a:t>
+            </a:r>
+          </a:p>
+        </p:txBody>
+      </p:sp>
+      <p:sp>
+        <p:nvSpPr>
+          <p:cNvPr id="33" name="TextBox 32"/>
+          <p:cNvSpPr txBox="1"/>
+          <p:nvPr/>
+        </p:nvSpPr>
+        <p:spPr>
+          <a:xfrm>
+            <a:off x="1554480" y="3675888"/>
+            <a:ext cx="2468880" cy="365760"/>
+          </a:xfrm>
+          <a:prstGeom prst="rect">
+            <a:avLst/>
+          </a:prstGeom>
+          <a:noFill/>
+        </p:spPr>
+        <p:txBody>
+          <a:bodyPr wrap="square">
+            <a:spAutoFit/>
+          </a:bodyPr>
+          <a:lstStyle/>
+          <a:p>
+            <a:pPr>
+              <a:defRPr sz="1000" b="0">
+                <a:solidFill>
+                  <a:srgbClr val="F38BA8"/>
+                </a:solidFill>
+              </a:defRPr>
+            </a:pPr>
+            <a:r>
+              <a:t>transforms.Normalize()</a:t>
+            </a:r>
+          </a:p>
+        </p:txBody>
+      </p:sp>
+      <p:sp>
+        <p:nvSpPr>
+          <p:cNvPr id="34" name="TextBox 33"/>
+          <p:cNvSpPr txBox="1"/>
+          <p:nvPr/>
+        </p:nvSpPr>
+        <p:spPr>
+          <a:xfrm>
+            <a:off x="4206240" y="3675888"/>
+            <a:ext cx="2468880" cy="365760"/>
+          </a:xfrm>
+          <a:prstGeom prst="rect">
+            <a:avLst/>
+          </a:prstGeom>
+          <a:noFill/>
+        </p:spPr>
+        <p:txBody>
+          <a:bodyPr wrap="square">
+            <a:spAutoFit/>
+          </a:bodyPr>
+          <a:lstStyle/>
+          <a:p>
+            <a:pPr>
+              <a:defRPr sz="1000" b="0">
+                <a:solidFill>
+                  <a:srgbClr val="A6E3A1"/>
+                </a:solidFill>
+              </a:defRPr>
+            </a:pPr>
+            <a:r>
+              <a:t>jt.transform.ImageNormalize</a:t>
+            </a:r>
+          </a:p>
+        </p:txBody>
+      </p:sp>
+      <p:sp>
+        <p:nvSpPr>
+          <p:cNvPr id="35" name="TextBox 34"/>
+          <p:cNvSpPr txBox="1"/>
+          <p:nvPr/>
+        </p:nvSpPr>
+        <p:spPr>
+          <a:xfrm>
+            <a:off x="6858000" y="3675888"/>
+            <a:ext cx="2194560" cy="365760"/>
+          </a:xfrm>
+          <a:prstGeom prst="rect">
+            <a:avLst/>
+          </a:prstGeom>
+          <a:noFill/>
+        </p:spPr>
+        <p:txBody>
+          <a:bodyPr wrap="square">
+            <a:spAutoFit/>
+          </a:bodyPr>
+          <a:lstStyle/>
+          <a:p>
+            <a:pPr>
+              <a:defRPr sz="900" b="0">
+                <a:solidFill>
+                  <a:srgbClr val="6C7086"/>
+                </a:solidFill>
+              </a:defRPr>
+            </a:pPr>
+            <a:r>
+              <a:t>API 名称不同</a:t>
+            </a:r>
+          </a:p>
+        </p:txBody>
+      </p:sp>
+      <p:sp>
+        <p:nvSpPr>
+          <p:cNvPr id="36" name="TextBox 35"/>
+          <p:cNvSpPr txBox="1"/>
+          <p:nvPr/>
+        </p:nvSpPr>
+        <p:spPr>
+          <a:xfrm>
+            <a:off x="182880" y="4059936"/>
+            <a:ext cx="1371600" cy="365760"/>
+          </a:xfrm>
+          <a:prstGeom prst="rect">
+            <a:avLst/>
+          </a:prstGeom>
+          <a:noFill/>
+        </p:spPr>
+        <p:txBody>
+          <a:bodyPr wrap="square">
+            <a:spAutoFit/>
+          </a:bodyPr>
+          <a:lstStyle/>
+          <a:p>
+            <a:pPr>
+              <a:defRPr sz="1000" b="1">
+                <a:solidFill>
+                  <a:srgbClr val="F9E2AF"/>
+                </a:solidFill>
+              </a:defRPr>
+            </a:pPr>
+            <a:r>
+              <a:t>随机种子</a:t>
+            </a:r>
+          </a:p>
+        </p:txBody>
+      </p:sp>
+      <p:sp>
+        <p:nvSpPr>
+          <p:cNvPr id="37" name="TextBox 36"/>
+          <p:cNvSpPr txBox="1"/>
+          <p:nvPr/>
+        </p:nvSpPr>
+        <p:spPr>
+          <a:xfrm>
+            <a:off x="1554480" y="4059936"/>
+            <a:ext cx="2468880" cy="365760"/>
+          </a:xfrm>
+          <a:prstGeom prst="rect">
+            <a:avLst/>
+          </a:prstGeom>
+          <a:noFill/>
+        </p:spPr>
+        <p:txBody>
+          <a:bodyPr wrap="square">
+            <a:spAutoFit/>
+          </a:bodyPr>
+          <a:lstStyle/>
+          <a:p>
+            <a:pPr>
+              <a:defRPr sz="1000" b="0">
+                <a:solidFill>
+                  <a:srgbClr val="F38BA8"/>
+                </a:solidFill>
+              </a:defRPr>
+            </a:pPr>
+            <a:r>
+              <a:t>torch.manual_seed()</a:t>
+            </a:r>
+          </a:p>
+        </p:txBody>
+      </p:sp>
+      <p:sp>
+        <p:nvSpPr>
+          <p:cNvPr id="38" name="TextBox 37"/>
+          <p:cNvSpPr txBox="1"/>
+          <p:nvPr/>
+        </p:nvSpPr>
+        <p:spPr>
+          <a:xfrm>
+            <a:off x="4206240" y="4059936"/>
+            <a:ext cx="2468880" cy="365760"/>
+          </a:xfrm>
+          <a:prstGeom prst="rect">
+            <a:avLst/>
+          </a:prstGeom>
+          <a:noFill/>
+        </p:spPr>
+        <p:txBody>
+          <a:bodyPr wrap="square">
+            <a:spAutoFit/>
+          </a:bodyPr>
+          <a:lstStyle/>
+          <a:p>
+            <a:pPr>
+              <a:defRPr sz="1000" b="0">
+                <a:solidFill>
+                  <a:srgbClr val="A6E3A1"/>
+                </a:solidFill>
+              </a:defRPr>
+            </a:pPr>
+            <a:r>
+              <a:t>jt.set_global_seed()</a:t>
+            </a:r>
+          </a:p>
+        </p:txBody>
+      </p:sp>
+      <p:sp>
+        <p:nvSpPr>
+          <p:cNvPr id="39" name="TextBox 38"/>
+          <p:cNvSpPr txBox="1"/>
+          <p:nvPr/>
+        </p:nvSpPr>
+        <p:spPr>
+          <a:xfrm>
+            <a:off x="6858000" y="4059936"/>
+            <a:ext cx="2194560" cy="365760"/>
+          </a:xfrm>
+          <a:prstGeom prst="rect">
+            <a:avLst/>
+          </a:prstGeom>
+          <a:noFill/>
+        </p:spPr>
+        <p:txBody>
+          <a:bodyPr wrap="square">
+            <a:spAutoFit/>
+          </a:bodyPr>
+          <a:lstStyle/>
+          <a:p>
+            <a:pPr>
+              <a:defRPr sz="900" b="0">
+                <a:solidFill>
+                  <a:srgbClr val="6C7086"/>
+                </a:solidFill>
+              </a:defRPr>
+            </a:pPr>
+            <a:r>
+              <a:t>统一全局随机种子</a:t>
+            </a:r>
+          </a:p>
+        </p:txBody>
+      </p:sp>
+      <p:sp>
+        <p:nvSpPr>
+          <p:cNvPr id="40" name="TextBox 39"/>
+          <p:cNvSpPr txBox="1"/>
+          <p:nvPr/>
+        </p:nvSpPr>
+        <p:spPr>
+          <a:xfrm>
+            <a:off x="182880" y="4443984"/>
+            <a:ext cx="1371600" cy="365760"/>
+          </a:xfrm>
+          <a:prstGeom prst="rect">
+            <a:avLst/>
+          </a:prstGeom>
+          <a:noFill/>
+        </p:spPr>
+        <p:txBody>
+          <a:bodyPr wrap="square">
+            <a:spAutoFit/>
+          </a:bodyPr>
+          <a:lstStyle/>
+          <a:p>
+            <a:pPr>
+              <a:defRPr sz="1000" b="1">
+                <a:solidFill>
+                  <a:srgbClr val="F9E2AF"/>
+                </a:solidFill>
+              </a:defRPr>
+            </a:pPr>
+            <a:r>
+              <a:t>设备管理</a:t>
+            </a:r>
+          </a:p>
+        </p:txBody>
+      </p:sp>
+      <p:sp>
+        <p:nvSpPr>
+          <p:cNvPr id="41" name="TextBox 40"/>
+          <p:cNvSpPr txBox="1"/>
+          <p:nvPr/>
+        </p:nvSpPr>
+        <p:spPr>
+          <a:xfrm>
+            <a:off x="1554480" y="4443984"/>
+            <a:ext cx="2468880" cy="365760"/>
+          </a:xfrm>
+          <a:prstGeom prst="rect">
+            <a:avLst/>
+          </a:prstGeom>
+          <a:noFill/>
+        </p:spPr>
+        <p:txBody>
+          <a:bodyPr wrap="square">
+            <a:spAutoFit/>
+          </a:bodyPr>
+          <a:lstStyle/>
+          <a:p>
+            <a:pPr>
+              <a:defRPr sz="1000" b="0">
+                <a:solidFill>
+                  <a:srgbClr val="F38BA8"/>
+                </a:solidFill>
+              </a:defRPr>
+            </a:pPr>
+            <a:r>
+              <a:t>cuda / mps / cpu</a:t>
+            </a:r>
+          </a:p>
+        </p:txBody>
+      </p:sp>
+      <p:sp>
+        <p:nvSpPr>
+          <p:cNvPr id="42" name="TextBox 41"/>
+          <p:cNvSpPr txBox="1"/>
+          <p:nvPr/>
+        </p:nvSpPr>
+        <p:spPr>
+          <a:xfrm>
+            <a:off x="4206240" y="4443984"/>
+            <a:ext cx="2468880" cy="365760"/>
+          </a:xfrm>
+          <a:prstGeom prst="rect">
+            <a:avLst/>
+          </a:prstGeom>
+          <a:noFill/>
+        </p:spPr>
+        <p:txBody>
+          <a:bodyPr wrap="square">
+            <a:spAutoFit/>
+          </a:bodyPr>
+          <a:lstStyle/>
+          <a:p>
+            <a:pPr>
+              <a:defRPr sz="1000" b="0">
+                <a:solidFill>
+                  <a:srgbClr val="A6E3A1"/>
+                </a:solidFill>
+              </a:defRPr>
+            </a:pPr>
+            <a:r>
+              <a:t>自动管理（仅CPU/CUDA）</a:t>
+            </a:r>
+          </a:p>
+        </p:txBody>
+      </p:sp>
+      <p:sp>
+        <p:nvSpPr>
+          <p:cNvPr id="43" name="TextBox 42"/>
+          <p:cNvSpPr txBox="1"/>
+          <p:nvPr/>
+        </p:nvSpPr>
+        <p:spPr>
+          <a:xfrm>
+            <a:off x="6858000" y="4443984"/>
+            <a:ext cx="2194560" cy="365760"/>
+          </a:xfrm>
+          <a:prstGeom prst="rect">
+            <a:avLst/>
+          </a:prstGeom>
+          <a:noFill/>
+        </p:spPr>
+        <p:txBody>
+          <a:bodyPr wrap="square">
+            <a:spAutoFit/>
+          </a:bodyPr>
+          <a:lstStyle/>
+          <a:p>
+            <a:pPr>
+              <a:defRPr sz="900" b="0">
+                <a:solidFill>
+                  <a:srgbClr val="6C7086"/>
+                </a:solidFill>
+              </a:defRPr>
+            </a:pPr>
+            <a:r>
+              <a:t>不支持 MPS</a:t>
+            </a:r>
+          </a:p>
+        </p:txBody>
+      </p:sp>
+      <p:sp>
+        <p:nvSpPr>
+          <p:cNvPr id="44" name="TextBox 43"/>
+          <p:cNvSpPr txBox="1"/>
+          <p:nvPr/>
+        </p:nvSpPr>
+        <p:spPr>
+          <a:xfrm>
+            <a:off x="182880" y="4828032"/>
+            <a:ext cx="1371600" cy="365760"/>
+          </a:xfrm>
+          <a:prstGeom prst="rect">
+            <a:avLst/>
+          </a:prstGeom>
+          <a:noFill/>
+        </p:spPr>
+        <p:txBody>
+          <a:bodyPr wrap="square">
+            <a:spAutoFit/>
+          </a:bodyPr>
+          <a:lstStyle/>
+          <a:p>
+            <a:pPr>
+              <a:defRPr sz="1000" b="1">
+                <a:solidFill>
+                  <a:srgbClr val="F9E2AF"/>
+                </a:solidFill>
+              </a:defRPr>
+            </a:pPr>
+            <a:r>
+              <a:t>检查点</a:t>
+            </a:r>
+          </a:p>
+        </p:txBody>
+      </p:sp>
+      <p:sp>
+        <p:nvSpPr>
+          <p:cNvPr id="45" name="TextBox 44"/>
+          <p:cNvSpPr txBox="1"/>
+          <p:nvPr/>
+        </p:nvSpPr>
+        <p:spPr>
+          <a:xfrm>
+            <a:off x="1554480" y="4828032"/>
+            <a:ext cx="2468880" cy="365760"/>
+          </a:xfrm>
+          <a:prstGeom prst="rect">
+            <a:avLst/>
+          </a:prstGeom>
+          <a:noFill/>
+        </p:spPr>
+        <p:txBody>
+          <a:bodyPr wrap="square">
+            <a:spAutoFit/>
+          </a:bodyPr>
+          <a:lstStyle/>
+          <a:p>
+            <a:pPr>
+              <a:defRPr sz="1000" b="0">
+                <a:solidFill>
+                  <a:srgbClr val="F38BA8"/>
+                </a:solidFill>
+              </a:defRPr>
+            </a:pPr>
+            <a:r>
+              <a:t>.pth (torch.save)</a:t>
+            </a:r>
+          </a:p>
+        </p:txBody>
+      </p:sp>
+      <p:sp>
+        <p:nvSpPr>
+          <p:cNvPr id="46" name="TextBox 45"/>
+          <p:cNvSpPr txBox="1"/>
+          <p:nvPr/>
+        </p:nvSpPr>
+        <p:spPr>
+          <a:xfrm>
+            <a:off x="4206240" y="4828032"/>
+            <a:ext cx="2468880" cy="365760"/>
+          </a:xfrm>
+          <a:prstGeom prst="rect">
+            <a:avLst/>
+          </a:prstGeom>
+          <a:noFill/>
+        </p:spPr>
+        <p:txBody>
+          <a:bodyPr wrap="square">
+            <a:spAutoFit/>
+          </a:bodyPr>
+          <a:lstStyle/>
+          <a:p>
+            <a:pPr>
+              <a:defRPr sz="1000" b="0">
+                <a:solidFill>
+                  <a:srgbClr val="A6E3A1"/>
+                </a:solidFill>
+              </a:defRPr>
+            </a:pPr>
+            <a:r>
+              <a:t>.pkl + load_pytorch_weights()</a:t>
+            </a:r>
+          </a:p>
+        </p:txBody>
+      </p:sp>
+      <p:sp>
+        <p:nvSpPr>
+          <p:cNvPr id="47" name="TextBox 46"/>
+          <p:cNvSpPr txBox="1"/>
+          <p:nvPr/>
+        </p:nvSpPr>
+        <p:spPr>
+          <a:xfrm>
+            <a:off x="6858000" y="4828032"/>
+            <a:ext cx="2194560" cy="365760"/>
+          </a:xfrm>
+          <a:prstGeom prst="rect">
+            <a:avLst/>
+          </a:prstGeom>
+          <a:noFill/>
+        </p:spPr>
+        <p:txBody>
+          <a:bodyPr wrap="square">
+            <a:spAutoFit/>
+          </a:bodyPr>
+          <a:lstStyle/>
+          <a:p>
+            <a:pPr>
+              <a:defRPr sz="900" b="0">
+                <a:solidFill>
+                  <a:srgbClr val="6C7086"/>
+                </a:solidFill>
+              </a:defRPr>
+            </a:pPr>
+            <a:r>
+              <a:t>可桥接加载 PyTorch 权重</a:t>
+            </a:r>
+          </a:p>
+        </p:txBody>
+      </p:sp>
+    </p:spTree>
+  </p:cSld>
+  <p:clrMapOvr>
+    <a:masterClrMapping/>
+  </p:clrMapOvr>
+</p:sld>
+</file>
+
+<file path=ppt/slides/slide11.xml><?xml version="1.0" encoding="utf-8"?>
+<p:sld xmlns:a="http://schemas.openxmlformats.org/drawingml/2006/main" xmlns:p="http://schemas.openxmlformats.org/presentationml/2006/main" xmlns:r="http://schemas.openxmlformats.org/officeDocument/2006/relationships">
+  <p:cSld>
+    <p:bg>
+      <p:bgPr>
+        <a:solidFill>
+          <a:srgbClr val="1B1B2F"/>
+        </a:solidFill>
+        <a:effectLst/>
+      </p:bgPr>
+    </p:bg>
+    <p:spTree>
+      <p:nvGrpSpPr>
+        <p:cNvPr id="1" name=""/>
+        <p:cNvGrpSpPr/>
+        <p:nvPr/>
+      </p:nvGrpSpPr>
+      <p:grpSpPr/>
+      <p:sp>
+        <p:nvSpPr>
+          <p:cNvPr id="2" name="Rectangle 1"/>
+          <p:cNvSpPr/>
+          <p:nvPr/>
+        </p:nvSpPr>
+        <p:spPr>
+          <a:xfrm>
+            <a:off x="0" y="0"/>
+            <a:ext cx="12191695" cy="73152"/>
+          </a:xfrm>
+          <a:prstGeom prst="rect">
+            <a:avLst/>
+          </a:prstGeom>
+          <a:solidFill>
+            <a:srgbClr val="00B4D8"/>
+          </a:solidFill>
+          <a:ln>
+            <a:noFill/>
+          </a:ln>
+        </p:spPr>
+        <p:style>
+          <a:lnRef idx="1">
+            <a:schemeClr val="accent1"/>
+          </a:lnRef>
+          <a:fillRef idx="3">
+            <a:schemeClr val="accent1"/>
+          </a:fillRef>
+          <a:effectRef idx="2">
+            <a:schemeClr val="accent1"/>
+          </a:effectRef>
+          <a:fontRef idx="minor">
+            <a:schemeClr val="lt1"/>
+          </a:fontRef>
+        </p:style>
+        <p:txBody>
+          <a:bodyPr rtlCol="0" anchor="ctr"/>
+          <a:lstStyle/>
+          <a:p>
+            <a:pPr algn="ctr"/>
+          </a:p>
+        </p:txBody>
+      </p:sp>
+      <p:sp>
+        <p:nvSpPr>
+          <p:cNvPr id="3" name="TextBox 2"/>
+          <p:cNvSpPr txBox="1"/>
+          <p:nvPr/>
+        </p:nvSpPr>
+        <p:spPr>
+          <a:xfrm>
+            <a:off x="548640" y="274320"/>
+            <a:ext cx="10972800" cy="731520"/>
+          </a:xfrm>
+          <a:prstGeom prst="rect">
+            <a:avLst/>
+          </a:prstGeom>
+          <a:noFill/>
+        </p:spPr>
+        <p:txBody>
+          <a:bodyPr wrap="square">
+            <a:spAutoFit/>
+          </a:bodyPr>
+          <a:lstStyle/>
+          <a:p>
+            <a:pPr algn="l">
+              <a:defRPr sz="3200" b="1">
+                <a:solidFill>
+                  <a:srgbClr val="FFFFFF"/>
+                </a:solidFill>
+              </a:defRPr>
+            </a:pPr>
+            <a:r>
+              <a:t>计图 (Jittor) 框架复现</a:t>
+            </a:r>
+          </a:p>
+        </p:txBody>
+      </p:sp>
+      <p:sp>
+        <p:nvSpPr>
+          <p:cNvPr id="4" name="Rounded Rectangle 3"/>
+          <p:cNvSpPr/>
+          <p:nvPr/>
+        </p:nvSpPr>
+        <p:spPr>
+          <a:xfrm>
+            <a:off x="914400" y="1371600"/>
+            <a:ext cx="5029200" cy="4114800"/>
+          </a:xfrm>
+          <a:prstGeom prst="roundRect">
+            <a:avLst>
+              <a:gd name="adj" fmla="val 5000"/>
+            </a:avLst>
+          </a:prstGeom>
+          <a:solidFill>
+            <a:srgbClr val="2A2A45"/>
+          </a:solidFill>
+          <a:ln>
+            <a:noFill/>
+          </a:ln>
+        </p:spPr>
+        <p:style>
+          <a:lnRef idx="1">
+            <a:schemeClr val="accent1"/>
+          </a:lnRef>
+          <a:fillRef idx="3">
+            <a:schemeClr val="accent1"/>
+          </a:fillRef>
+          <a:effectRef idx="2">
+            <a:schemeClr val="accent1"/>
+          </a:effectRef>
+          <a:fontRef idx="minor">
+            <a:schemeClr val="lt1"/>
+          </a:fontRef>
+        </p:style>
+        <p:txBody>
+          <a:bodyPr rtlCol="0" anchor="ctr"/>
+          <a:lstStyle/>
+          <a:p>
+            <a:pPr algn="ctr"/>
+          </a:p>
+        </p:txBody>
+      </p:sp>
+      <p:sp>
+        <p:nvSpPr>
+          <p:cNvPr id="5" name="TextBox 4"/>
+          <p:cNvSpPr txBox="1"/>
+          <p:nvPr/>
+        </p:nvSpPr>
+        <p:spPr>
+          <a:xfrm>
+            <a:off x="1188720" y="1554480"/>
+            <a:ext cx="4572000" cy="548640"/>
+          </a:xfrm>
+          <a:prstGeom prst="rect">
+            <a:avLst/>
+          </a:prstGeom>
+          <a:noFill/>
+        </p:spPr>
+        <p:txBody>
+          <a:bodyPr wrap="square">
+            <a:spAutoFit/>
+          </a:bodyPr>
+          <a:lstStyle/>
+          <a:p>
+            <a:pPr algn="l">
+              <a:defRPr sz="2000" b="1">
+                <a:solidFill>
+                  <a:srgbClr val="00B4D8"/>
+                </a:solidFill>
+              </a:defRPr>
+            </a:pPr>
+            <a:r>
+              <a:t>Office-31 OPDA — 已完成实验</a:t>
+            </a:r>
+          </a:p>
+        </p:txBody>
+      </p:sp>
+      <p:graphicFrame>
+        <p:nvGraphicFramePr>
+          <p:cNvPr id="6" name="Table 5"/>
+          <p:cNvGraphicFramePr>
+            <a:graphicFrameLocks noGrp="1"/>
+          </p:cNvGraphicFramePr>
+          <p:nvPr/>
+        </p:nvGraphicFramePr>
+        <p:xfrm>
+          <a:off x="1188720" y="2286000"/>
+          <a:ext cx="4389120" cy="960120"/>
+        </p:xfrm>
+        <a:graphic>
+          <a:graphicData uri="http://schemas.openxmlformats.org/drawingml/2006/table">
+            <a:tbl>
+              <a:tblPr firstRow="1" bandRow="1">
+                <a:tableStyleId>{5C22544A-7EE6-4342-B048-85BDC9FD1C3A}</a:tableStyleId>
+              </a:tblPr>
+              <a:tblGrid>
+                <a:gridCol w="731520"/>
+                <a:gridCol w="731520"/>
+                <a:gridCol w="822960"/>
+                <a:gridCol w="914400"/>
+                <a:gridCol w="1188720"/>
+              </a:tblGrid>
+              <a:tr h="320040">
+                <a:tc>
+                  <a:txBody>
+                    <a:bodyPr/>
+                    <a:lstStyle/>
+                    <a:p>
+                      <a:pPr algn="ctr">
+                        <a:defRPr sz="1200" b="1">
+                          <a:solidFill>
+                            <a:srgbClr val="FFFFFF"/>
+                          </a:solidFill>
+                        </a:defRPr>
+                      </a:pPr>
+                      <a:r>
+                        <a:t>方向</a:t>
+                      </a:r>
+                    </a:p>
+                  </a:txBody>
+                  <a:tcPr anchor="ctr">
+                    <a:solidFill>
+                      <a:srgbClr val="0077B6"/>
+                    </a:solidFill>
+                  </a:tcPr>
+                </a:tc>
+                <a:tc>
+                  <a:txBody>
+                    <a:bodyPr/>
+                    <a:lstStyle/>
+                    <a:p>
+                      <a:pPr algn="ctr">
+                        <a:defRPr sz="1200" b="1">
+                          <a:solidFill>
+                            <a:srgbClr val="FFFFFF"/>
+                          </a:solidFill>
+                        </a:defRPr>
+                      </a:pPr>
+                      <a:r>
+                        <a:t>论文</a:t>
+                      </a:r>
+                    </a:p>
+                  </a:txBody>
+                  <a:tcPr anchor="ctr">
+                    <a:solidFill>
+                      <a:srgbClr val="0077B6"/>
+                    </a:solidFill>
+                  </a:tcPr>
+                </a:tc>
+                <a:tc>
+                  <a:txBody>
+                    <a:bodyPr/>
+                    <a:lstStyle/>
+                    <a:p>
+                      <a:pPr algn="ctr">
+                        <a:defRPr sz="1200" b="1">
+                          <a:solidFill>
+                            <a:srgbClr val="FFFFFF"/>
+                          </a:solidFill>
+                        </a:defRPr>
+                      </a:pPr>
+                      <a:r>
+                        <a:t>计图</a:t>
+                      </a:r>
+                    </a:p>
+                  </a:txBody>
+                  <a:tcPr anchor="ctr">
+                    <a:solidFill>
+                      <a:srgbClr val="0077B6"/>
+                    </a:solidFill>
+                  </a:tcPr>
+                </a:tc>
+                <a:tc>
+                  <a:txBody>
+                    <a:bodyPr/>
+                    <a:lstStyle/>
+                    <a:p>
+                      <a:pPr algn="ctr">
+                        <a:defRPr sz="1200" b="1">
+                          <a:solidFill>
+                            <a:srgbClr val="FFFFFF"/>
+                          </a:solidFill>
+                        </a:defRPr>
+                      </a:pPr>
+                      <a:r>
+                        <a:t>PyTorch</a:t>
+                      </a:r>
+                    </a:p>
+                  </a:txBody>
+                  <a:tcPr anchor="ctr">
+                    <a:solidFill>
+                      <a:srgbClr val="0077B6"/>
+                    </a:solidFill>
+                  </a:tcPr>
+                </a:tc>
+                <a:tc>
+                  <a:txBody>
+                    <a:bodyPr/>
+                    <a:lstStyle/>
+                    <a:p>
+                      <a:pPr algn="ctr">
+                        <a:defRPr sz="1200" b="1">
+                          <a:solidFill>
+                            <a:srgbClr val="FFFFFF"/>
+                          </a:solidFill>
+                        </a:defRPr>
+                      </a:pPr>
+                      <a:r>
+                        <a:t>Δ(计图-论文)</a:t>
+                      </a:r>
+                    </a:p>
+                  </a:txBody>
+                  <a:tcPr anchor="ctr">
+                    <a:solidFill>
+                      <a:srgbClr val="0077B6"/>
+                    </a:solidFill>
+                  </a:tcPr>
+                </a:tc>
+              </a:tr>
+              <a:tr h="320040">
+                <a:tc>
+                  <a:txBody>
+                    <a:bodyPr/>
+                    <a:lstStyle/>
+                    <a:p>
+                      <a:pPr algn="ctr">
+                        <a:defRPr sz="1200">
+                          <a:solidFill>
+                            <a:srgbClr val="FFFFFF"/>
+                          </a:solidFill>
+                        </a:defRPr>
+                      </a:pPr>
+                      <a:r>
+                        <a:t>A2D</a:t>
+                      </a:r>
+                    </a:p>
+                  </a:txBody>
+                  <a:tcPr anchor="ctr">
+                    <a:solidFill>
+                      <a:srgbClr val="252542"/>
+                    </a:solidFill>
+                  </a:tcPr>
+                </a:tc>
+                <a:tc>
+                  <a:txBody>
+                    <a:bodyPr/>
+                    <a:lstStyle/>
+                    <a:p>
+                      <a:pPr algn="ctr">
+                        <a:defRPr sz="1200">
+                          <a:solidFill>
+                            <a:srgbClr val="FFFFFF"/>
+                          </a:solidFill>
+                        </a:defRPr>
+                      </a:pPr>
+                      <a:r>
+                        <a:t>85.4</a:t>
+                      </a:r>
+                    </a:p>
+                  </a:txBody>
+                  <a:tcPr anchor="ctr">
+                    <a:solidFill>
+                      <a:srgbClr val="252542"/>
+                    </a:solidFill>
+                  </a:tcPr>
+                </a:tc>
+                <a:tc>
+                  <a:txBody>
+                    <a:bodyPr/>
+                    <a:lstStyle/>
+                    <a:p>
+                      <a:pPr algn="ctr">
+                        <a:defRPr sz="1200">
+                          <a:solidFill>
+                            <a:srgbClr val="FFFFFF"/>
+                          </a:solidFill>
+                        </a:defRPr>
+                      </a:pPr>
+                      <a:r>
+                        <a:t>62.4</a:t>
+                      </a:r>
+                    </a:p>
+                  </a:txBody>
+                  <a:tcPr anchor="ctr">
+                    <a:solidFill>
+                      <a:srgbClr val="252542"/>
+                    </a:solidFill>
+                  </a:tcPr>
+                </a:tc>
+                <a:tc>
+                  <a:txBody>
+                    <a:bodyPr/>
+                    <a:lstStyle/>
+                    <a:p>
+                      <a:pPr algn="ctr">
+                        <a:defRPr sz="1200">
+                          <a:solidFill>
+                            <a:srgbClr val="FFFFFF"/>
+                          </a:solidFill>
+                        </a:defRPr>
+                      </a:pPr>
+                      <a:r>
+                        <a:t>78.2</a:t>
+                      </a:r>
+                    </a:p>
+                  </a:txBody>
+                  <a:tcPr anchor="ctr">
+                    <a:solidFill>
+                      <a:srgbClr val="252542"/>
+                    </a:solidFill>
+                  </a:tcPr>
+                </a:tc>
+                <a:tc>
+                  <a:txBody>
+                    <a:bodyPr/>
+                    <a:lstStyle/>
+                    <a:p>
+                      <a:pPr algn="ctr">
+                        <a:defRPr sz="1200">
+                          <a:solidFill>
+                            <a:srgbClr val="FFFFFF"/>
+                          </a:solidFill>
+                        </a:defRPr>
+                      </a:pPr>
+                      <a:r>
+                        <a:t>-23.0</a:t>
+                      </a:r>
+                    </a:p>
+                  </a:txBody>
+                  <a:tcPr anchor="ctr">
+                    <a:solidFill>
+                      <a:srgbClr val="252542"/>
+                    </a:solidFill>
+                  </a:tcPr>
+                </a:tc>
+              </a:tr>
+              <a:tr h="320040">
+                <a:tc>
+                  <a:txBody>
+                    <a:bodyPr/>
+                    <a:lstStyle/>
+                    <a:p>
+                      <a:pPr algn="ctr">
+                        <a:defRPr sz="1200" b="1">
+                          <a:solidFill>
+                            <a:srgbClr val="FFFFFF"/>
+                          </a:solidFill>
+                        </a:defRPr>
+                      </a:pPr>
+                      <a:r>
+                        <a:t>A2W</a:t>
+                      </a:r>
+                    </a:p>
+                  </a:txBody>
+                  <a:tcPr anchor="ctr">
+                    <a:solidFill>
+                      <a:srgbClr val="0096C7"/>
+                    </a:solidFill>
+                  </a:tcPr>
+                </a:tc>
+                <a:tc>
+                  <a:txBody>
+                    <a:bodyPr/>
+                    <a:lstStyle/>
+                    <a:p>
+                      <a:pPr algn="ctr">
+                        <a:defRPr sz="1200" b="1">
+                          <a:solidFill>
+                            <a:srgbClr val="FFFFFF"/>
+                          </a:solidFill>
+                        </a:defRPr>
+                      </a:pPr>
+                      <a:r>
+                        <a:t>85.0</a:t>
+                      </a:r>
+                    </a:p>
+                  </a:txBody>
+                  <a:tcPr anchor="ctr">
+                    <a:solidFill>
+                      <a:srgbClr val="0096C7"/>
+                    </a:solidFill>
+                  </a:tcPr>
+                </a:tc>
+                <a:tc>
+                  <a:txBody>
+                    <a:bodyPr/>
+                    <a:lstStyle/>
+                    <a:p>
+                      <a:pPr algn="ctr">
+                        <a:defRPr sz="1200" b="1">
+                          <a:solidFill>
+                            <a:srgbClr val="FFFFFF"/>
+                          </a:solidFill>
+                        </a:defRPr>
+                      </a:pPr>
+                      <a:r>
+                        <a:t>49.9</a:t>
+                      </a:r>
+                    </a:p>
+                  </a:txBody>
+                  <a:tcPr anchor="ctr">
+                    <a:solidFill>
+                      <a:srgbClr val="0096C7"/>
+                    </a:solidFill>
+                  </a:tcPr>
+                </a:tc>
+                <a:tc>
+                  <a:txBody>
+                    <a:bodyPr/>
+                    <a:lstStyle/>
+                    <a:p>
+                      <a:pPr algn="ctr">
+                        <a:defRPr sz="1200" b="1">
+                          <a:solidFill>
+                            <a:srgbClr val="FFFFFF"/>
+                          </a:solidFill>
+                        </a:defRPr>
+                      </a:pPr>
+                      <a:r>
+                        <a:t>78.5</a:t>
+                      </a:r>
+                    </a:p>
+                  </a:txBody>
+                  <a:tcPr anchor="ctr">
+                    <a:solidFill>
+                      <a:srgbClr val="0096C7"/>
+                    </a:solidFill>
+                  </a:tcPr>
+                </a:tc>
+                <a:tc>
+                  <a:txBody>
+                    <a:bodyPr/>
+                    <a:lstStyle/>
+                    <a:p>
+                      <a:pPr algn="ctr">
+                        <a:defRPr sz="1200" b="1">
+                          <a:solidFill>
+                            <a:srgbClr val="FFFFFF"/>
+                          </a:solidFill>
+                        </a:defRPr>
+                      </a:pPr>
+                      <a:r>
+                        <a:t>-35.1</a:t>
+                      </a:r>
+                    </a:p>
+                  </a:txBody>
+                  <a:tcPr anchor="ctr">
+                    <a:solidFill>
+                      <a:srgbClr val="0096C7"/>
+                    </a:solidFill>
+                  </a:tcPr>
+                </a:tc>
+              </a:tr>
+            </a:tbl>
+          </a:graphicData>
+        </a:graphic>
+      </p:graphicFrame>
+      <p:sp>
+        <p:nvSpPr>
+          <p:cNvPr id="7" name="Rounded Rectangle 6"/>
+          <p:cNvSpPr/>
+          <p:nvPr/>
+        </p:nvSpPr>
+        <p:spPr>
+          <a:xfrm>
+            <a:off x="6400800" y="1371600"/>
+            <a:ext cx="5029200" cy="4114800"/>
+          </a:xfrm>
+          <a:prstGeom prst="roundRect">
+            <a:avLst>
+              <a:gd name="adj" fmla="val 5000"/>
+            </a:avLst>
+          </a:prstGeom>
+          <a:solidFill>
+            <a:srgbClr val="2A2A45"/>
+          </a:solidFill>
+          <a:ln>
+            <a:noFill/>
+          </a:ln>
+        </p:spPr>
+        <p:style>
+          <a:lnRef idx="1">
+            <a:schemeClr val="accent1"/>
+          </a:lnRef>
+          <a:fillRef idx="3">
+            <a:schemeClr val="accent1"/>
+          </a:fillRef>
+          <a:effectRef idx="2">
+            <a:schemeClr val="accent1"/>
+          </a:effectRef>
+          <a:fontRef idx="minor">
+            <a:schemeClr val="lt1"/>
+          </a:fontRef>
+        </p:style>
+        <p:txBody>
+          <a:bodyPr rtlCol="0" anchor="ctr"/>
+          <a:lstStyle/>
+          <a:p>
+            <a:pPr algn="ctr"/>
+          </a:p>
+        </p:txBody>
+      </p:sp>
+      <p:sp>
+        <p:nvSpPr>
+          <p:cNvPr id="8" name="TextBox 7"/>
+          <p:cNvSpPr txBox="1"/>
+          <p:nvPr/>
+        </p:nvSpPr>
+        <p:spPr>
+          <a:xfrm>
+            <a:off x="6675120" y="1554480"/>
+            <a:ext cx="4572000" cy="548640"/>
+          </a:xfrm>
+          <a:prstGeom prst="rect">
+            <a:avLst/>
+          </a:prstGeom>
+          <a:noFill/>
+        </p:spPr>
+        <p:txBody>
+          <a:bodyPr wrap="square">
+            <a:spAutoFit/>
+          </a:bodyPr>
+          <a:lstStyle/>
+          <a:p>
+            <a:pPr algn="l">
+              <a:defRPr sz="2000" b="1">
+                <a:solidFill>
+                  <a:srgbClr val="00B4D8"/>
+                </a:solidFill>
+              </a:defRPr>
+            </a:pPr>
+            <a:r>
+              <a:t>分析与展望</a:t>
+            </a:r>
+          </a:p>
+        </p:txBody>
+      </p:sp>
+      <p:sp>
+        <p:nvSpPr>
+          <p:cNvPr id="9" name="TextBox 8"/>
+          <p:cNvSpPr txBox="1"/>
+          <p:nvPr/>
+        </p:nvSpPr>
+        <p:spPr>
+          <a:xfrm>
+            <a:off x="6675120" y="2286000"/>
+            <a:ext cx="4572000" cy="3200400"/>
+          </a:xfrm>
+          <a:prstGeom prst="rect">
+            <a:avLst/>
+          </a:prstGeom>
+          <a:noFill/>
+        </p:spPr>
+        <p:txBody>
+          <a:bodyPr wrap="square">
+            <a:spAutoFit/>
+          </a:bodyPr>
+          <a:lstStyle/>
+          <a:p/>
+          <a:p>
+            <a:pPr>
+              <a:spcAft>
+                <a:spcPts val="200"/>
+              </a:spcAft>
+              <a:defRPr sz="1300">
+                <a:solidFill>
+                  <a:srgbClr val="CCCCCC"/>
+                </a:solidFill>
+              </a:defRPr>
+            </a:pPr>
+            <a:r>
+              <a:t>⏳ D→A 训练进行中 (Epoch 1)</a:t>
+            </a:r>
+          </a:p>
+          <a:p>
+            <a:pPr>
+              <a:spcAft>
+                <a:spcPts val="200"/>
+              </a:spcAft>
+              <a:defRPr sz="1300">
+                <a:solidFill>
+                  <a:srgbClr val="CCCCCC"/>
+                </a:solidFill>
+              </a:defRPr>
+            </a:pPr>
+            <a:r>
+              <a:t>📉 已完成结果偏低 (62.4%, 49.9%)</a:t>
+            </a:r>
+          </a:p>
+          <a:p>
+            <a:pPr>
+              <a:spcAft>
+                <a:spcPts val="200"/>
+              </a:spcAft>
+              <a:defRPr sz="1300">
+                <a:solidFill>
+                  <a:srgbClr val="CCCCCC"/>
+                </a:solidFill>
+              </a:defRPr>
+            </a:pPr>
+          </a:p>
+          <a:p>
+            <a:pPr>
+              <a:spcAft>
+                <a:spcPts val="200"/>
+              </a:spcAft>
+              <a:defRPr sz="1300">
+                <a:solidFill>
+                  <a:srgbClr val="FFD166"/>
+                </a:solidFill>
+              </a:defRPr>
+            </a:pPr>
+            <a:r>
+              <a:t>🔍 可能原因:</a:t>
+            </a:r>
+          </a:p>
+          <a:p>
+            <a:pPr>
+              <a:spcAft>
+                <a:spcPts val="200"/>
+              </a:spcAft>
+              <a:defRPr sz="1300">
+                <a:solidFill>
+                  <a:srgbClr val="CCCCCC"/>
+                </a:solidFill>
+              </a:defRPr>
+            </a:pPr>
+            <a:r>
+              <a:t>• Jittor / PyTorch 底层算子差异</a:t>
+            </a:r>
+          </a:p>
+          <a:p>
+            <a:pPr>
+              <a:spcAft>
+                <a:spcPts val="200"/>
+              </a:spcAft>
+              <a:defRPr sz="1300">
+                <a:solidFill>
+                  <a:srgbClr val="CCCCCC"/>
+                </a:solidFill>
+              </a:defRPr>
+            </a:pPr>
+            <a:r>
+              <a:t>• BN层、weight_norm 行为不同</a:t>
+            </a:r>
+          </a:p>
+          <a:p>
+            <a:pPr>
+              <a:spcAft>
+                <a:spcPts val="200"/>
+              </a:spcAft>
+              <a:defRPr sz="1300">
+                <a:solidFill>
+                  <a:srgbClr val="CCCCCC"/>
+                </a:solidFill>
+              </a:defRPr>
+            </a:pPr>
+            <a:r>
+              <a:t>• MPS后端兼容性限制</a:t>
+            </a:r>
+          </a:p>
+          <a:p>
+            <a:pPr>
+              <a:spcAft>
+                <a:spcPts val="200"/>
+              </a:spcAft>
+              <a:defRPr sz="1300">
+                <a:solidFill>
+                  <a:srgbClr val="CCCCCC"/>
+                </a:solidFill>
+              </a:defRPr>
+            </a:pPr>
+            <a:r>
+              <a:t>• 随机数生成器差异</a:t>
+            </a:r>
+          </a:p>
+          <a:p>
+            <a:pPr>
+              <a:spcAft>
+                <a:spcPts val="200"/>
+              </a:spcAft>
+              <a:defRPr sz="1300">
+                <a:solidFill>
+                  <a:srgbClr val="CCCCCC"/>
+                </a:solidFill>
+              </a:defRPr>
+            </a:pPr>
+          </a:p>
+          <a:p>
+            <a:pPr>
+              <a:spcAft>
+                <a:spcPts val="200"/>
+              </a:spcAft>
+              <a:defRPr sz="1300">
+                <a:solidFill>
+                  <a:srgbClr val="FFD166"/>
+                </a:solidFill>
+              </a:defRPr>
+            </a:pPr>
+            <a:r>
+              <a:t>📋 后续计划:</a:t>
+            </a:r>
+          </a:p>
+          <a:p>
+            <a:pPr>
+              <a:spcAft>
+                <a:spcPts val="200"/>
+              </a:spcAft>
+              <a:defRPr sz="1300">
+                <a:solidFill>
+                  <a:srgbClr val="CCCCCC"/>
+                </a:solidFill>
+              </a:defRPr>
+            </a:pPr>
+            <a:r>
+              <a:t>• 完成全部 Office-31 OPDA 实验</a:t>
+            </a:r>
+          </a:p>
+          <a:p>
+            <a:pPr>
+              <a:spcAft>
+                <a:spcPts val="200"/>
+              </a:spcAft>
+              <a:defRPr sz="1300">
+                <a:solidFill>
+                  <a:srgbClr val="CCCCCC"/>
+                </a:solidFill>
+              </a:defRPr>
+            </a:pPr>
+            <a:r>
+              <a:t>• 在 CUDA 环境下重新训练对比</a:t>
+            </a:r>
+          </a:p>
+        </p:txBody>
+      </p:sp>
+    </p:spTree>
+  </p:cSld>
+  <p:clrMapOvr>
+    <a:masterClrMapping/>
+  </p:clrMapOvr>
+</p:sld>
+</file>
+
+<file path=ppt/slides/slide12.xml><?xml version="1.0" encoding="utf-8"?>
+<p:sld xmlns:a="http://schemas.openxmlformats.org/drawingml/2006/main" xmlns:p="http://schemas.openxmlformats.org/presentationml/2006/main" xmlns:r="http://schemas.openxmlformats.org/officeDocument/2006/relationships">
+  <p:cSld>
+    <p:bg>
+      <p:bgPr>
+        <a:solidFill>
           <a:srgbClr val="1B1B2F"/>
         </a:solidFill>
         <a:effectLst/>
@@ -4490,2031 +6976,6 @@
 </p:sld>
 </file>
 
-<file path=ppt/slides/slide11.xml><?xml version="1.0" encoding="utf-8"?>
-<p:sld xmlns:a="http://schemas.openxmlformats.org/drawingml/2006/main" xmlns:p="http://schemas.openxmlformats.org/presentationml/2006/main" xmlns:r="http://schemas.openxmlformats.org/officeDocument/2006/relationships">
-  <p:cSld>
-    <p:bg>
-      <p:bgPr>
-        <a:solidFill>
-          <a:srgbClr val="1E1E2E"/>
-        </a:solidFill>
-        <a:effectLst/>
-      </p:bgPr>
-    </p:bg>
-    <p:spTree>
-      <p:nvGrpSpPr>
-        <p:cNvPr id="1" name=""/>
-        <p:cNvGrpSpPr/>
-        <p:nvPr/>
-      </p:nvGrpSpPr>
-      <p:grpSpPr/>
-      <p:sp>
-        <p:nvSpPr>
-          <p:cNvPr id="2" name="TextBox 1"/>
-          <p:cNvSpPr txBox="1"/>
-          <p:nvPr/>
-        </p:nvSpPr>
-        <p:spPr>
-          <a:xfrm>
-            <a:off x="457200" y="274320"/>
-            <a:ext cx="8229600" cy="365760"/>
-          </a:xfrm>
-          <a:prstGeom prst="rect">
-            <a:avLst/>
-          </a:prstGeom>
-          <a:noFill/>
-        </p:spPr>
-        <p:txBody>
-          <a:bodyPr wrap="square">
-            <a:spAutoFit/>
-          </a:bodyPr>
-          <a:lstStyle/>
-          <a:p>
-            <a:pPr>
-              <a:defRPr sz="2800" b="1">
-                <a:solidFill>
-                  <a:srgbClr val="FFFFFF"/>
-                </a:solidFill>
-              </a:defRPr>
-            </a:pPr>
-            <a:r>
-              <a:t>计图编译器适配 — macOS ARM 修复</a:t>
-            </a:r>
-          </a:p>
-        </p:txBody>
-      </p:sp>
-      <p:sp>
-        <p:nvSpPr>
-          <p:cNvPr id="3" name="TextBox 2"/>
-          <p:cNvSpPr txBox="1"/>
-          <p:nvPr/>
-        </p:nvSpPr>
-        <p:spPr>
-          <a:xfrm>
-            <a:off x="457200" y="777240"/>
-            <a:ext cx="8229600" cy="365760"/>
-          </a:xfrm>
-          <a:prstGeom prst="rect">
-            <a:avLst/>
-          </a:prstGeom>
-          <a:noFill/>
-        </p:spPr>
-        <p:txBody>
-          <a:bodyPr wrap="square">
-            <a:spAutoFit/>
-          </a:bodyPr>
-          <a:lstStyle/>
-          <a:p>
-            <a:pPr>
-              <a:defRPr sz="1500" b="0">
-                <a:solidFill>
-                  <a:srgbClr val="89B4FA"/>
-                </a:solidFill>
-              </a:defRPr>
-            </a:pPr>
-            <a:r>
-              <a:t>Jittor v1.3.10 compiler.py 底层编译代码修改（新增27行）</a:t>
-            </a:r>
-          </a:p>
-        </p:txBody>
-      </p:sp>
-      <p:sp>
-        <p:nvSpPr>
-          <p:cNvPr id="4" name="TextBox 3"/>
-          <p:cNvSpPr txBox="1"/>
-          <p:nvPr/>
-        </p:nvSpPr>
-        <p:spPr>
-          <a:xfrm>
-            <a:off x="457200" y="1188720"/>
-            <a:ext cx="8229600" cy="1828800"/>
-          </a:xfrm>
-          <a:prstGeom prst="rect">
-            <a:avLst/>
-          </a:prstGeom>
-          <a:noFill/>
-        </p:spPr>
-        <p:txBody>
-          <a:bodyPr wrap="square">
-            <a:spAutoFit/>
-          </a:bodyPr>
-          <a:lstStyle/>
-          <a:p>
-            <a:pPr>
-              <a:spcAft>
-                <a:spcPts val="300"/>
-              </a:spcAft>
-              <a:defRPr sz="1600" b="1">
-                <a:solidFill>
-                  <a:srgbClr val="F9E2AF"/>
-                </a:solidFill>
-              </a:defRPr>
-            </a:pPr>
-            <a:r>
-              <a:t>❌ 问题：macOS clang 编译 Jittor JIT 核心失败</a:t>
-            </a:r>
-          </a:p>
-          <a:p>
-            <a:pPr>
-              <a:spcAft>
-                <a:spcPts val="300"/>
-              </a:spcAft>
-              <a:defRPr sz="400" b="0">
-                <a:solidFill>
-                  <a:srgbClr val="BAC2DE"/>
-                </a:solidFill>
-              </a:defRPr>
-            </a:pPr>
-          </a:p>
-          <a:p>
-            <a:pPr>
-              <a:spcAft>
-                <a:spcPts val="300"/>
-              </a:spcAft>
-              <a:defRPr sz="1300" b="0">
-                <a:solidFill>
-                  <a:srgbClr val="BAC2DE"/>
-                </a:solidFill>
-              </a:defRPr>
-            </a:pPr>
-            <a:r>
-              <a:t>Jittor 编译 data.cc（算子注册表）时，使用了成员函数指针(PMF)强转：</a:t>
-            </a:r>
-          </a:p>
-          <a:p>
-            <a:pPr>
-              <a:spcAft>
-                <a:spcPts val="300"/>
-              </a:spcAft>
-              <a:defRPr sz="1300" b="0">
-                <a:solidFill>
-                  <a:srgbClr val="F38BA8"/>
-                </a:solidFill>
-              </a:defRPr>
-            </a:pPr>
-            <a:r>
-              <a:t>  (void(*)(Node*)) &amp;Node::forward</a:t>
-            </a:r>
-          </a:p>
-          <a:p>
-            <a:pPr>
-              <a:spcAft>
-                <a:spcPts val="300"/>
-              </a:spcAft>
-              <a:defRPr sz="1300" b="0">
-                <a:solidFill>
-                  <a:srgbClr val="BAC2DE"/>
-                </a:solidFill>
-              </a:defRPr>
-            </a:pPr>
-            <a:r>
-              <a:t>macOS ARM64 clang 严格遵循 C++ 标准，禁止 PMF→普通函数指针转换</a:t>
-            </a:r>
-          </a:p>
-          <a:p>
-            <a:pPr>
-              <a:spcAft>
-                <a:spcPts val="300"/>
-              </a:spcAft>
-              <a:defRPr sz="1300" b="0">
-                <a:solidFill>
-                  <a:srgbClr val="F38BA8"/>
-                </a:solidFill>
-              </a:defRPr>
-            </a:pPr>
-            <a:r>
-              <a:t>→ 编译直接报错，Jittor 无法在 Mac 上启动运行</a:t>
-            </a:r>
-          </a:p>
-        </p:txBody>
-      </p:sp>
-      <p:sp>
-        <p:nvSpPr>
-          <p:cNvPr id="5" name="TextBox 4"/>
-          <p:cNvSpPr txBox="1"/>
-          <p:nvPr/>
-        </p:nvSpPr>
-        <p:spPr>
-          <a:xfrm>
-            <a:off x="457200" y="3200400"/>
-            <a:ext cx="8229600" cy="2286000"/>
-          </a:xfrm>
-          <a:prstGeom prst="rect">
-            <a:avLst/>
-          </a:prstGeom>
-          <a:noFill/>
-        </p:spPr>
-        <p:txBody>
-          <a:bodyPr wrap="square">
-            <a:spAutoFit/>
-          </a:bodyPr>
-          <a:lstStyle/>
-          <a:p>
-            <a:pPr>
-              <a:spcAft>
-                <a:spcPts val="300"/>
-              </a:spcAft>
-              <a:defRPr sz="1600" b="1">
-                <a:solidFill>
-                  <a:srgbClr val="A6E3A1"/>
-                </a:solidFill>
-              </a:defRPr>
-            </a:pPr>
-            <a:r>
-              <a:t>✅ 解决方案：预处理 + 正则替换 + union 安全转换</a:t>
-            </a:r>
-          </a:p>
-          <a:p>
-            <a:pPr>
-              <a:spcAft>
-                <a:spcPts val="300"/>
-              </a:spcAft>
-              <a:defRPr sz="400" b="0">
-                <a:solidFill>
-                  <a:srgbClr val="BAC2DE"/>
-                </a:solidFill>
-              </a:defRPr>
-            </a:pPr>
-          </a:p>
-          <a:p>
-            <a:pPr>
-              <a:spcAft>
-                <a:spcPts val="300"/>
-              </a:spcAft>
-              <a:defRPr sz="1300" b="0">
-                <a:solidFill>
-                  <a:srgbClr val="BAC2DE"/>
-                </a:solidFill>
-              </a:defRPr>
-            </a:pPr>
-            <a:r>
-              <a:t>① clang -E 预处理源码 → 展开后的 .pp.cc 文件</a:t>
-            </a:r>
-          </a:p>
-          <a:p>
-            <a:pPr>
-              <a:spcAft>
-                <a:spcPts val="300"/>
-              </a:spcAft>
-              <a:defRPr sz="1300" b="0">
-                <a:solidFill>
-                  <a:srgbClr val="BAC2DE"/>
-                </a:solidFill>
-              </a:defRPr>
-            </a:pPr>
-            <a:r>
-              <a:t>② 注入 unsafe_pmf_cast&lt;To,From&gt; 模板（基于 union 类型双关）</a:t>
-            </a:r>
-          </a:p>
-          <a:p>
-            <a:pPr>
-              <a:spcAft>
-                <a:spcPts val="300"/>
-              </a:spcAft>
-              <a:defRPr sz="1300" b="0">
-                <a:solidFill>
-                  <a:srgbClr val="BAC2DE"/>
-                </a:solidFill>
-              </a:defRPr>
-            </a:pPr>
-            <a:r>
-              <a:t>③ 正则替换所有 PMF 强转为 unsafe_pmf_cast 调用：</a:t>
-            </a:r>
-          </a:p>
-          <a:p>
-            <a:pPr>
-              <a:spcAft>
-                <a:spcPts val="300"/>
-              </a:spcAft>
-              <a:defRPr sz="1200" b="0">
-                <a:solidFill>
-                  <a:srgbClr val="A6E3A1"/>
-                </a:solidFill>
-              </a:defRPr>
-            </a:pPr>
-            <a:r>
-              <a:t>   (void(*)(Node*))&amp;Node::xx → unsafe_pmf_cast&lt;void(*)(Node*)&gt;(&amp;Node::xx)</a:t>
-            </a:r>
-          </a:p>
-          <a:p>
-            <a:pPr>
-              <a:spcAft>
-                <a:spcPts val="300"/>
-              </a:spcAft>
-              <a:defRPr sz="1300" b="0">
-                <a:solidFill>
-                  <a:srgbClr val="BAC2DE"/>
-                </a:solidFill>
-              </a:defRPr>
-            </a:pPr>
-            <a:r>
-              <a:t>④ 编译修改后的预处理文件，清理临时文件</a:t>
-            </a:r>
-          </a:p>
-          <a:p>
-            <a:pPr>
-              <a:spcAft>
-                <a:spcPts val="300"/>
-              </a:spcAft>
-              <a:defRPr sz="1300" b="0">
-                <a:solidFill>
-                  <a:srgbClr val="BAC2DE"/>
-                </a:solidFill>
-              </a:defRPr>
-            </a:pPr>
-            <a:r>
-              <a:t>⑤ 仅在 platform.system()=='Darwin' 时触发，不影响 Linux</a:t>
-            </a:r>
-          </a:p>
-        </p:txBody>
-      </p:sp>
-      <p:sp>
-        <p:nvSpPr>
-          <p:cNvPr id="6" name="TextBox 5"/>
-          <p:cNvSpPr txBox="1"/>
-          <p:nvPr/>
-        </p:nvSpPr>
-        <p:spPr>
-          <a:xfrm>
-            <a:off x="457200" y="5760720"/>
-            <a:ext cx="8229600" cy="365760"/>
-          </a:xfrm>
-          <a:prstGeom prst="rect">
-            <a:avLst/>
-          </a:prstGeom>
-          <a:noFill/>
-        </p:spPr>
-        <p:txBody>
-          <a:bodyPr wrap="square">
-            <a:spAutoFit/>
-          </a:bodyPr>
-          <a:lstStyle/>
-          <a:p>
-            <a:pPr>
-              <a:defRPr sz="1100" b="0">
-                <a:solidFill>
-                  <a:srgbClr val="6C7086"/>
-                </a:solidFill>
-              </a:defRPr>
-            </a:pPr>
-            <a:r>
-              <a:t>修改文件：site-packages/jittor/compiler.py 第1363-1389行</a:t>
-            </a:r>
-          </a:p>
-        </p:txBody>
-      </p:sp>
-    </p:spTree>
-  </p:cSld>
-  <p:clrMapOvr>
-    <a:masterClrMapping/>
-  </p:clrMapOvr>
-</p:sld>
-</file>
-
-<file path=ppt/slides/slide12.xml><?xml version="1.0" encoding="utf-8"?>
-<p:sld xmlns:a="http://schemas.openxmlformats.org/drawingml/2006/main" xmlns:p="http://schemas.openxmlformats.org/presentationml/2006/main" xmlns:r="http://schemas.openxmlformats.org/officeDocument/2006/relationships">
-  <p:cSld>
-    <p:bg>
-      <p:bgPr>
-        <a:solidFill>
-          <a:srgbClr val="1E1E2E"/>
-        </a:solidFill>
-        <a:effectLst/>
-      </p:bgPr>
-    </p:bg>
-    <p:spTree>
-      <p:nvGrpSpPr>
-        <p:cNvPr id="1" name=""/>
-        <p:cNvGrpSpPr/>
-        <p:nvPr/>
-      </p:nvGrpSpPr>
-      <p:grpSpPr/>
-      <p:sp>
-        <p:nvSpPr>
-          <p:cNvPr id="2" name="TextBox 1"/>
-          <p:cNvSpPr txBox="1"/>
-          <p:nvPr/>
-        </p:nvSpPr>
-        <p:spPr>
-          <a:xfrm>
-            <a:off x="457200" y="274320"/>
-            <a:ext cx="8229600" cy="365760"/>
-          </a:xfrm>
-          <a:prstGeom prst="rect">
-            <a:avLst/>
-          </a:prstGeom>
-          <a:noFill/>
-        </p:spPr>
-        <p:txBody>
-          <a:bodyPr wrap="square">
-            <a:spAutoFit/>
-          </a:bodyPr>
-          <a:lstStyle/>
-          <a:p>
-            <a:pPr>
-              <a:defRPr sz="2800" b="1">
-                <a:solidFill>
-                  <a:srgbClr val="FFFFFF"/>
-                </a:solidFill>
-              </a:defRPr>
-            </a:pPr>
-            <a:r>
-              <a:t>PyTorch vs 计图 — 代码移植对比</a:t>
-            </a:r>
-          </a:p>
-        </p:txBody>
-      </p:sp>
-      <p:sp>
-        <p:nvSpPr>
-          <p:cNvPr id="3" name="TextBox 2"/>
-          <p:cNvSpPr txBox="1"/>
-          <p:nvPr/>
-        </p:nvSpPr>
-        <p:spPr>
-          <a:xfrm>
-            <a:off x="457200" y="777240"/>
-            <a:ext cx="8229600" cy="365760"/>
-          </a:xfrm>
-          <a:prstGeom prst="rect">
-            <a:avLst/>
-          </a:prstGeom>
-          <a:noFill/>
-        </p:spPr>
-        <p:txBody>
-          <a:bodyPr wrap="square">
-            <a:spAutoFit/>
-          </a:bodyPr>
-          <a:lstStyle/>
-          <a:p>
-            <a:pPr>
-              <a:defRPr sz="1500" b="0">
-                <a:solidFill>
-                  <a:srgbClr val="89B4FA"/>
-                </a:solidFill>
-              </a:defRPr>
-            </a:pPr>
-            <a:r>
-              <a:t>从 PyTorch 移植到 Jittor 的关键 API 差异与适配方案</a:t>
-            </a:r>
-          </a:p>
-        </p:txBody>
-      </p:sp>
-      <p:sp>
-        <p:nvSpPr>
-          <p:cNvPr id="4" name="TextBox 3"/>
-          <p:cNvSpPr txBox="1"/>
-          <p:nvPr/>
-        </p:nvSpPr>
-        <p:spPr>
-          <a:xfrm>
-            <a:off x="182880" y="1051560"/>
-            <a:ext cx="1371600" cy="365760"/>
-          </a:xfrm>
-          <a:prstGeom prst="rect">
-            <a:avLst/>
-          </a:prstGeom>
-          <a:noFill/>
-        </p:spPr>
-        <p:txBody>
-          <a:bodyPr wrap="square">
-            <a:spAutoFit/>
-          </a:bodyPr>
-          <a:lstStyle/>
-          <a:p>
-            <a:pPr>
-              <a:defRPr sz="1100" b="1">
-                <a:solidFill>
-                  <a:srgbClr val="FFFFFF"/>
-                </a:solidFill>
-              </a:defRPr>
-            </a:pPr>
-            <a:r>
-              <a:t>改动项</a:t>
-            </a:r>
-          </a:p>
-        </p:txBody>
-      </p:sp>
-      <p:sp>
-        <p:nvSpPr>
-          <p:cNvPr id="5" name="TextBox 4"/>
-          <p:cNvSpPr txBox="1"/>
-          <p:nvPr/>
-        </p:nvSpPr>
-        <p:spPr>
-          <a:xfrm>
-            <a:off x="1554480" y="1051560"/>
-            <a:ext cx="2468880" cy="365760"/>
-          </a:xfrm>
-          <a:prstGeom prst="rect">
-            <a:avLst/>
-          </a:prstGeom>
-          <a:noFill/>
-        </p:spPr>
-        <p:txBody>
-          <a:bodyPr wrap="square">
-            <a:spAutoFit/>
-          </a:bodyPr>
-          <a:lstStyle/>
-          <a:p>
-            <a:pPr>
-              <a:defRPr sz="1100" b="1">
-                <a:solidFill>
-                  <a:srgbClr val="F38BA8"/>
-                </a:solidFill>
-              </a:defRPr>
-            </a:pPr>
-            <a:r>
-              <a:t>PyTorch 原始写法</a:t>
-            </a:r>
-          </a:p>
-        </p:txBody>
-      </p:sp>
-      <p:sp>
-        <p:nvSpPr>
-          <p:cNvPr id="6" name="TextBox 5"/>
-          <p:cNvSpPr txBox="1"/>
-          <p:nvPr/>
-        </p:nvSpPr>
-        <p:spPr>
-          <a:xfrm>
-            <a:off x="4206240" y="1051560"/>
-            <a:ext cx="2468880" cy="365760"/>
-          </a:xfrm>
-          <a:prstGeom prst="rect">
-            <a:avLst/>
-          </a:prstGeom>
-          <a:noFill/>
-        </p:spPr>
-        <p:txBody>
-          <a:bodyPr wrap="square">
-            <a:spAutoFit/>
-          </a:bodyPr>
-          <a:lstStyle/>
-          <a:p>
-            <a:pPr>
-              <a:defRPr sz="1100" b="1">
-                <a:solidFill>
-                  <a:srgbClr val="A6E3A1"/>
-                </a:solidFill>
-              </a:defRPr>
-            </a:pPr>
-            <a:r>
-              <a:t>Jittor 适配写法</a:t>
-            </a:r>
-          </a:p>
-        </p:txBody>
-      </p:sp>
-      <p:sp>
-        <p:nvSpPr>
-          <p:cNvPr id="7" name="TextBox 6"/>
-          <p:cNvSpPr txBox="1"/>
-          <p:nvPr/>
-        </p:nvSpPr>
-        <p:spPr>
-          <a:xfrm>
-            <a:off x="6858000" y="1051560"/>
-            <a:ext cx="2194560" cy="365760"/>
-          </a:xfrm>
-          <a:prstGeom prst="rect">
-            <a:avLst/>
-          </a:prstGeom>
-          <a:noFill/>
-        </p:spPr>
-        <p:txBody>
-          <a:bodyPr wrap="square">
-            <a:spAutoFit/>
-          </a:bodyPr>
-          <a:lstStyle/>
-          <a:p>
-            <a:pPr>
-              <a:defRPr sz="1100" b="1">
-                <a:solidFill>
-                  <a:srgbClr val="FFFFFF"/>
-                </a:solidFill>
-              </a:defRPr>
-            </a:pPr>
-            <a:r>
-              <a:t>说明</a:t>
-            </a:r>
-          </a:p>
-        </p:txBody>
-      </p:sp>
-      <p:sp>
-        <p:nvSpPr>
-          <p:cNvPr id="8" name="TextBox 7"/>
-          <p:cNvSpPr txBox="1"/>
-          <p:nvPr/>
-        </p:nvSpPr>
-        <p:spPr>
-          <a:xfrm>
-            <a:off x="182880" y="1371600"/>
-            <a:ext cx="1371600" cy="365760"/>
-          </a:xfrm>
-          <a:prstGeom prst="rect">
-            <a:avLst/>
-          </a:prstGeom>
-          <a:noFill/>
-        </p:spPr>
-        <p:txBody>
-          <a:bodyPr wrap="square">
-            <a:spAutoFit/>
-          </a:bodyPr>
-          <a:lstStyle/>
-          <a:p>
-            <a:pPr>
-              <a:defRPr sz="1000" b="1">
-                <a:solidFill>
-                  <a:srgbClr val="F9E2AF"/>
-                </a:solidFill>
-              </a:defRPr>
-            </a:pPr>
-            <a:r>
-              <a:t>模型前向传播</a:t>
-            </a:r>
-          </a:p>
-        </p:txBody>
-      </p:sp>
-      <p:sp>
-        <p:nvSpPr>
-          <p:cNvPr id="9" name="TextBox 8"/>
-          <p:cNvSpPr txBox="1"/>
-          <p:nvPr/>
-        </p:nvSpPr>
-        <p:spPr>
-          <a:xfrm>
-            <a:off x="1554480" y="1371600"/>
-            <a:ext cx="2468880" cy="365760"/>
-          </a:xfrm>
-          <a:prstGeom prst="rect">
-            <a:avLst/>
-          </a:prstGeom>
-          <a:noFill/>
-        </p:spPr>
-        <p:txBody>
-          <a:bodyPr wrap="square">
-            <a:spAutoFit/>
-          </a:bodyPr>
-          <a:lstStyle/>
-          <a:p>
-            <a:pPr>
-              <a:defRPr sz="1000" b="0">
-                <a:solidFill>
-                  <a:srgbClr val="F38BA8"/>
-                </a:solidFill>
-              </a:defRPr>
-            </a:pPr>
-            <a:r>
-              <a:t>forward(self, x)</a:t>
-            </a:r>
-          </a:p>
-        </p:txBody>
-      </p:sp>
-      <p:sp>
-        <p:nvSpPr>
-          <p:cNvPr id="10" name="TextBox 9"/>
-          <p:cNvSpPr txBox="1"/>
-          <p:nvPr/>
-        </p:nvSpPr>
-        <p:spPr>
-          <a:xfrm>
-            <a:off x="4206240" y="1371600"/>
-            <a:ext cx="2468880" cy="365760"/>
-          </a:xfrm>
-          <a:prstGeom prst="rect">
-            <a:avLst/>
-          </a:prstGeom>
-          <a:noFill/>
-        </p:spPr>
-        <p:txBody>
-          <a:bodyPr wrap="square">
-            <a:spAutoFit/>
-          </a:bodyPr>
-          <a:lstStyle/>
-          <a:p>
-            <a:pPr>
-              <a:defRPr sz="1000" b="0">
-                <a:solidFill>
-                  <a:srgbClr val="A6E3A1"/>
-                </a:solidFill>
-              </a:defRPr>
-            </a:pPr>
-            <a:r>
-              <a:t>execute(self, x)</a:t>
-            </a:r>
-          </a:p>
-        </p:txBody>
-      </p:sp>
-      <p:sp>
-        <p:nvSpPr>
-          <p:cNvPr id="11" name="TextBox 10"/>
-          <p:cNvSpPr txBox="1"/>
-          <p:nvPr/>
-        </p:nvSpPr>
-        <p:spPr>
-          <a:xfrm>
-            <a:off x="6858000" y="1371600"/>
-            <a:ext cx="2194560" cy="365760"/>
-          </a:xfrm>
-          <a:prstGeom prst="rect">
-            <a:avLst/>
-          </a:prstGeom>
-          <a:noFill/>
-        </p:spPr>
-        <p:txBody>
-          <a:bodyPr wrap="square">
-            <a:spAutoFit/>
-          </a:bodyPr>
-          <a:lstStyle/>
-          <a:p>
-            <a:pPr>
-              <a:defRPr sz="900" b="0">
-                <a:solidFill>
-                  <a:srgbClr val="6C7086"/>
-                </a:solidFill>
-              </a:defRPr>
-            </a:pPr>
-            <a:r>
-              <a:t>Jittor 约定</a:t>
-            </a:r>
-          </a:p>
-        </p:txBody>
-      </p:sp>
-      <p:sp>
-        <p:nvSpPr>
-          <p:cNvPr id="12" name="TextBox 11"/>
-          <p:cNvSpPr txBox="1"/>
-          <p:nvPr/>
-        </p:nvSpPr>
-        <p:spPr>
-          <a:xfrm>
-            <a:off x="182880" y="1755648"/>
-            <a:ext cx="1371600" cy="365760"/>
-          </a:xfrm>
-          <a:prstGeom prst="rect">
-            <a:avLst/>
-          </a:prstGeom>
-          <a:noFill/>
-        </p:spPr>
-        <p:txBody>
-          <a:bodyPr wrap="square">
-            <a:spAutoFit/>
-          </a:bodyPr>
-          <a:lstStyle/>
-          <a:p>
-            <a:pPr>
-              <a:defRPr sz="1000" b="1">
-                <a:solidFill>
-                  <a:srgbClr val="F9E2AF"/>
-                </a:solidFill>
-              </a:defRPr>
-            </a:pPr>
-            <a:r>
-              <a:t>权重归一化</a:t>
-            </a:r>
-          </a:p>
-        </p:txBody>
-      </p:sp>
-      <p:sp>
-        <p:nvSpPr>
-          <p:cNvPr id="13" name="TextBox 12"/>
-          <p:cNvSpPr txBox="1"/>
-          <p:nvPr/>
-        </p:nvSpPr>
-        <p:spPr>
-          <a:xfrm>
-            <a:off x="1554480" y="1755648"/>
-            <a:ext cx="2468880" cy="365760"/>
-          </a:xfrm>
-          <a:prstGeom prst="rect">
-            <a:avLst/>
-          </a:prstGeom>
-          <a:noFill/>
-        </p:spPr>
-        <p:txBody>
-          <a:bodyPr wrap="square">
-            <a:spAutoFit/>
-          </a:bodyPr>
-          <a:lstStyle/>
-          <a:p>
-            <a:pPr>
-              <a:defRPr sz="1000" b="0">
-                <a:solidFill>
-                  <a:srgbClr val="F38BA8"/>
-                </a:solidFill>
-              </a:defRPr>
-            </a:pPr>
-            <a:r>
-              <a:t>nn.utils.weight_norm()</a:t>
-            </a:r>
-          </a:p>
-        </p:txBody>
-      </p:sp>
-      <p:sp>
-        <p:nvSpPr>
-          <p:cNvPr id="14" name="TextBox 13"/>
-          <p:cNvSpPr txBox="1"/>
-          <p:nvPr/>
-        </p:nvSpPr>
-        <p:spPr>
-          <a:xfrm>
-            <a:off x="4206240" y="1755648"/>
-            <a:ext cx="2468880" cy="365760"/>
-          </a:xfrm>
-          <a:prstGeom prst="rect">
-            <a:avLst/>
-          </a:prstGeom>
-          <a:noFill/>
-        </p:spPr>
-        <p:txBody>
-          <a:bodyPr wrap="square">
-            <a:spAutoFit/>
-          </a:bodyPr>
-          <a:lstStyle/>
-          <a:p>
-            <a:pPr>
-              <a:defRPr sz="1000" b="0">
-                <a:solidFill>
-                  <a:srgbClr val="A6E3A1"/>
-                </a:solidFill>
-              </a:defRPr>
-            </a:pPr>
-            <a:r>
-              <a:t>手写 WeightNormLinear</a:t>
-            </a:r>
-          </a:p>
-        </p:txBody>
-      </p:sp>
-      <p:sp>
-        <p:nvSpPr>
-          <p:cNvPr id="15" name="TextBox 14"/>
-          <p:cNvSpPr txBox="1"/>
-          <p:nvPr/>
-        </p:nvSpPr>
-        <p:spPr>
-          <a:xfrm>
-            <a:off x="6858000" y="1755648"/>
-            <a:ext cx="2194560" cy="365760"/>
-          </a:xfrm>
-          <a:prstGeom prst="rect">
-            <a:avLst/>
-          </a:prstGeom>
-          <a:noFill/>
-        </p:spPr>
-        <p:txBody>
-          <a:bodyPr wrap="square">
-            <a:spAutoFit/>
-          </a:bodyPr>
-          <a:lstStyle/>
-          <a:p>
-            <a:pPr>
-              <a:defRPr sz="900" b="0">
-                <a:solidFill>
-                  <a:srgbClr val="6C7086"/>
-                </a:solidFill>
-              </a:defRPr>
-            </a:pPr>
-            <a:r>
-              <a:t>Jittor 无内置，手动 g·v/‖v‖</a:t>
-            </a:r>
-          </a:p>
-        </p:txBody>
-      </p:sp>
-      <p:sp>
-        <p:nvSpPr>
-          <p:cNvPr id="16" name="TextBox 15"/>
-          <p:cNvSpPr txBox="1"/>
-          <p:nvPr/>
-        </p:nvSpPr>
-        <p:spPr>
-          <a:xfrm>
-            <a:off x="182880" y="2139696"/>
-            <a:ext cx="1371600" cy="365760"/>
-          </a:xfrm>
-          <a:prstGeom prst="rect">
-            <a:avLst/>
-          </a:prstGeom>
-          <a:noFill/>
-        </p:spPr>
-        <p:txBody>
-          <a:bodyPr wrap="square">
-            <a:spAutoFit/>
-          </a:bodyPr>
-          <a:lstStyle/>
-          <a:p>
-            <a:pPr>
-              <a:defRPr sz="1000" b="1">
-                <a:solidFill>
-                  <a:srgbClr val="F9E2AF"/>
-                </a:solidFill>
-              </a:defRPr>
-            </a:pPr>
-            <a:r>
-              <a:t>线性层计算</a:t>
-            </a:r>
-          </a:p>
-        </p:txBody>
-      </p:sp>
-      <p:sp>
-        <p:nvSpPr>
-          <p:cNvPr id="17" name="TextBox 16"/>
-          <p:cNvSpPr txBox="1"/>
-          <p:nvPr/>
-        </p:nvSpPr>
-        <p:spPr>
-          <a:xfrm>
-            <a:off x="1554480" y="2139696"/>
-            <a:ext cx="2468880" cy="365760"/>
-          </a:xfrm>
-          <a:prstGeom prst="rect">
-            <a:avLst/>
-          </a:prstGeom>
-          <a:noFill/>
-        </p:spPr>
-        <p:txBody>
-          <a:bodyPr wrap="square">
-            <a:spAutoFit/>
-          </a:bodyPr>
-          <a:lstStyle/>
-          <a:p>
-            <a:pPr>
-              <a:defRPr sz="1000" b="0">
-                <a:solidFill>
-                  <a:srgbClr val="F38BA8"/>
-                </a:solidFill>
-              </a:defRPr>
-            </a:pPr>
-            <a:r>
-              <a:t>F.linear(x, w, b)</a:t>
-            </a:r>
-          </a:p>
-        </p:txBody>
-      </p:sp>
-      <p:sp>
-        <p:nvSpPr>
-          <p:cNvPr id="18" name="TextBox 17"/>
-          <p:cNvSpPr txBox="1"/>
-          <p:nvPr/>
-        </p:nvSpPr>
-        <p:spPr>
-          <a:xfrm>
-            <a:off x="4206240" y="2139696"/>
-            <a:ext cx="2468880" cy="365760"/>
-          </a:xfrm>
-          <a:prstGeom prst="rect">
-            <a:avLst/>
-          </a:prstGeom>
-          <a:noFill/>
-        </p:spPr>
-        <p:txBody>
-          <a:bodyPr wrap="square">
-            <a:spAutoFit/>
-          </a:bodyPr>
-          <a:lstStyle/>
-          <a:p>
-            <a:pPr>
-              <a:defRPr sz="1000" b="0">
-                <a:solidFill>
-                  <a:srgbClr val="A6E3A1"/>
-                </a:solidFill>
-              </a:defRPr>
-            </a:pPr>
-            <a:r>
-              <a:t>matmul_transpose(x,w)+b</a:t>
-            </a:r>
-          </a:p>
-        </p:txBody>
-      </p:sp>
-      <p:sp>
-        <p:nvSpPr>
-          <p:cNvPr id="19" name="TextBox 18"/>
-          <p:cNvSpPr txBox="1"/>
-          <p:nvPr/>
-        </p:nvSpPr>
-        <p:spPr>
-          <a:xfrm>
-            <a:off x="6858000" y="2139696"/>
-            <a:ext cx="2194560" cy="365760"/>
-          </a:xfrm>
-          <a:prstGeom prst="rect">
-            <a:avLst/>
-          </a:prstGeom>
-          <a:noFill/>
-        </p:spPr>
-        <p:txBody>
-          <a:bodyPr wrap="square">
-            <a:spAutoFit/>
-          </a:bodyPr>
-          <a:lstStyle/>
-          <a:p>
-            <a:pPr>
-              <a:defRPr sz="900" b="0">
-                <a:solidFill>
-                  <a:srgbClr val="6C7086"/>
-                </a:solidFill>
-              </a:defRPr>
-            </a:pPr>
-            <a:r>
-              <a:t>矩阵转置乘法替代</a:t>
-            </a:r>
-          </a:p>
-        </p:txBody>
-      </p:sp>
-      <p:sp>
-        <p:nvSpPr>
-          <p:cNvPr id="20" name="TextBox 19"/>
-          <p:cNvSpPr txBox="1"/>
-          <p:nvPr/>
-        </p:nvSpPr>
-        <p:spPr>
-          <a:xfrm>
-            <a:off x="182880" y="2523744"/>
-            <a:ext cx="1371600" cy="365760"/>
-          </a:xfrm>
-          <a:prstGeom prst="rect">
-            <a:avLst/>
-          </a:prstGeom>
-          <a:noFill/>
-        </p:spPr>
-        <p:txBody>
-          <a:bodyPr wrap="square">
-            <a:spAutoFit/>
-          </a:bodyPr>
-          <a:lstStyle/>
-          <a:p>
-            <a:pPr>
-              <a:defRPr sz="1000" b="1">
-                <a:solidFill>
-                  <a:srgbClr val="F9E2AF"/>
-                </a:solidFill>
-              </a:defRPr>
-            </a:pPr>
-            <a:r>
-              <a:t>反向传播</a:t>
-            </a:r>
-          </a:p>
-        </p:txBody>
-      </p:sp>
-      <p:sp>
-        <p:nvSpPr>
-          <p:cNvPr id="21" name="TextBox 20"/>
-          <p:cNvSpPr txBox="1"/>
-          <p:nvPr/>
-        </p:nvSpPr>
-        <p:spPr>
-          <a:xfrm>
-            <a:off x="1554480" y="2523744"/>
-            <a:ext cx="2468880" cy="365760"/>
-          </a:xfrm>
-          <a:prstGeom prst="rect">
-            <a:avLst/>
-          </a:prstGeom>
-          <a:noFill/>
-        </p:spPr>
-        <p:txBody>
-          <a:bodyPr wrap="square">
-            <a:spAutoFit/>
-          </a:bodyPr>
-          <a:lstStyle/>
-          <a:p>
-            <a:pPr>
-              <a:defRPr sz="1000" b="0">
-                <a:solidFill>
-                  <a:srgbClr val="F38BA8"/>
-                </a:solidFill>
-              </a:defRPr>
-            </a:pPr>
-            <a:r>
-              <a:t>loss.backward()</a:t>
-            </a:r>
-            <a:br/>
-            <a:r>
-              <a:t>optimizer.step()</a:t>
-            </a:r>
-          </a:p>
-        </p:txBody>
-      </p:sp>
-      <p:sp>
-        <p:nvSpPr>
-          <p:cNvPr id="22" name="TextBox 21"/>
-          <p:cNvSpPr txBox="1"/>
-          <p:nvPr/>
-        </p:nvSpPr>
-        <p:spPr>
-          <a:xfrm>
-            <a:off x="4206240" y="2523744"/>
-            <a:ext cx="2468880" cy="365760"/>
-          </a:xfrm>
-          <a:prstGeom prst="rect">
-            <a:avLst/>
-          </a:prstGeom>
-          <a:noFill/>
-        </p:spPr>
-        <p:txBody>
-          <a:bodyPr wrap="square">
-            <a:spAutoFit/>
-          </a:bodyPr>
-          <a:lstStyle/>
-          <a:p>
-            <a:pPr>
-              <a:defRPr sz="1000" b="0">
-                <a:solidFill>
-                  <a:srgbClr val="A6E3A1"/>
-                </a:solidFill>
-              </a:defRPr>
-            </a:pPr>
-            <a:r>
-              <a:t>optimizer.step(loss)</a:t>
-            </a:r>
-          </a:p>
-        </p:txBody>
-      </p:sp>
-      <p:sp>
-        <p:nvSpPr>
-          <p:cNvPr id="23" name="TextBox 22"/>
-          <p:cNvSpPr txBox="1"/>
-          <p:nvPr/>
-        </p:nvSpPr>
-        <p:spPr>
-          <a:xfrm>
-            <a:off x="6858000" y="2523744"/>
-            <a:ext cx="2194560" cy="365760"/>
-          </a:xfrm>
-          <a:prstGeom prst="rect">
-            <a:avLst/>
-          </a:prstGeom>
-          <a:noFill/>
-        </p:spPr>
-        <p:txBody>
-          <a:bodyPr wrap="square">
-            <a:spAutoFit/>
-          </a:bodyPr>
-          <a:lstStyle/>
-          <a:p>
-            <a:pPr>
-              <a:defRPr sz="900" b="0">
-                <a:solidFill>
-                  <a:srgbClr val="6C7086"/>
-                </a:solidFill>
-              </a:defRPr>
-            </a:pPr>
-            <a:r>
-              <a:t>一步完成自动微分</a:t>
-            </a:r>
-          </a:p>
-        </p:txBody>
-      </p:sp>
-      <p:sp>
-        <p:nvSpPr>
-          <p:cNvPr id="24" name="TextBox 23"/>
-          <p:cNvSpPr txBox="1"/>
-          <p:nvPr/>
-        </p:nvSpPr>
-        <p:spPr>
-          <a:xfrm>
-            <a:off x="182880" y="2907792"/>
-            <a:ext cx="1371600" cy="365760"/>
-          </a:xfrm>
-          <a:prstGeom prst="rect">
-            <a:avLst/>
-          </a:prstGeom>
-          <a:noFill/>
-        </p:spPr>
-        <p:txBody>
-          <a:bodyPr wrap="square">
-            <a:spAutoFit/>
-          </a:bodyPr>
-          <a:lstStyle/>
-          <a:p>
-            <a:pPr>
-              <a:defRPr sz="1000" b="1">
-                <a:solidFill>
-                  <a:srgbClr val="F9E2AF"/>
-                </a:solidFill>
-              </a:defRPr>
-            </a:pPr>
-            <a:r>
-              <a:t>冻结参数</a:t>
-            </a:r>
-          </a:p>
-        </p:txBody>
-      </p:sp>
-      <p:sp>
-        <p:nvSpPr>
-          <p:cNvPr id="25" name="TextBox 24"/>
-          <p:cNvSpPr txBox="1"/>
-          <p:nvPr/>
-        </p:nvSpPr>
-        <p:spPr>
-          <a:xfrm>
-            <a:off x="1554480" y="2907792"/>
-            <a:ext cx="2468880" cy="365760"/>
-          </a:xfrm>
-          <a:prstGeom prst="rect">
-            <a:avLst/>
-          </a:prstGeom>
-          <a:noFill/>
-        </p:spPr>
-        <p:txBody>
-          <a:bodyPr wrap="square">
-            <a:spAutoFit/>
-          </a:bodyPr>
-          <a:lstStyle/>
-          <a:p>
-            <a:pPr>
-              <a:defRPr sz="1000" b="0">
-                <a:solidFill>
-                  <a:srgbClr val="F38BA8"/>
-                </a:solidFill>
-              </a:defRPr>
-            </a:pPr>
-            <a:r>
-              <a:t>requires_grad_(False)</a:t>
-            </a:r>
-          </a:p>
-        </p:txBody>
-      </p:sp>
-      <p:sp>
-        <p:nvSpPr>
-          <p:cNvPr id="26" name="TextBox 25"/>
-          <p:cNvSpPr txBox="1"/>
-          <p:nvPr/>
-        </p:nvSpPr>
-        <p:spPr>
-          <a:xfrm>
-            <a:off x="4206240" y="2907792"/>
-            <a:ext cx="2468880" cy="365760"/>
-          </a:xfrm>
-          <a:prstGeom prst="rect">
-            <a:avLst/>
-          </a:prstGeom>
-          <a:noFill/>
-        </p:spPr>
-        <p:txBody>
-          <a:bodyPr wrap="square">
-            <a:spAutoFit/>
-          </a:bodyPr>
-          <a:lstStyle/>
-          <a:p>
-            <a:pPr>
-              <a:defRPr sz="1000" b="0">
-                <a:solidFill>
-                  <a:srgbClr val="A6E3A1"/>
-                </a:solidFill>
-              </a:defRPr>
-            </a:pPr>
-            <a:r>
-              <a:t>v.stop_grad()</a:t>
-            </a:r>
-          </a:p>
-        </p:txBody>
-      </p:sp>
-      <p:sp>
-        <p:nvSpPr>
-          <p:cNvPr id="27" name="TextBox 26"/>
-          <p:cNvSpPr txBox="1"/>
-          <p:nvPr/>
-        </p:nvSpPr>
-        <p:spPr>
-          <a:xfrm>
-            <a:off x="6858000" y="2907792"/>
-            <a:ext cx="2194560" cy="365760"/>
-          </a:xfrm>
-          <a:prstGeom prst="rect">
-            <a:avLst/>
-          </a:prstGeom>
-          <a:noFill/>
-        </p:spPr>
-        <p:txBody>
-          <a:bodyPr wrap="square">
-            <a:spAutoFit/>
-          </a:bodyPr>
-          <a:lstStyle/>
-          <a:p>
-            <a:pPr>
-              <a:defRPr sz="900" b="0">
-                <a:solidFill>
-                  <a:srgbClr val="6C7086"/>
-                </a:solidFill>
-              </a:defRPr>
-            </a:pPr>
-            <a:r>
-              <a:t>梯度阻断方式不同</a:t>
-            </a:r>
-          </a:p>
-        </p:txBody>
-      </p:sp>
-      <p:sp>
-        <p:nvSpPr>
-          <p:cNvPr id="28" name="TextBox 27"/>
-          <p:cNvSpPr txBox="1"/>
-          <p:nvPr/>
-        </p:nvSpPr>
-        <p:spPr>
-          <a:xfrm>
-            <a:off x="182880" y="3291840"/>
-            <a:ext cx="1371600" cy="365760"/>
-          </a:xfrm>
-          <a:prstGeom prst="rect">
-            <a:avLst/>
-          </a:prstGeom>
-          <a:noFill/>
-        </p:spPr>
-        <p:txBody>
-          <a:bodyPr wrap="square">
-            <a:spAutoFit/>
-          </a:bodyPr>
-          <a:lstStyle/>
-          <a:p>
-            <a:pPr>
-              <a:defRPr sz="1000" b="1">
-                <a:solidFill>
-                  <a:srgbClr val="F9E2AF"/>
-                </a:solidFill>
-              </a:defRPr>
-            </a:pPr>
-            <a:r>
-              <a:t>数据集</a:t>
-            </a:r>
-          </a:p>
-        </p:txBody>
-      </p:sp>
-      <p:sp>
-        <p:nvSpPr>
-          <p:cNvPr id="29" name="TextBox 28"/>
-          <p:cNvSpPr txBox="1"/>
-          <p:nvPr/>
-        </p:nvSpPr>
-        <p:spPr>
-          <a:xfrm>
-            <a:off x="1554480" y="3291840"/>
-            <a:ext cx="2468880" cy="365760"/>
-          </a:xfrm>
-          <a:prstGeom prst="rect">
-            <a:avLst/>
-          </a:prstGeom>
-          <a:noFill/>
-        </p:spPr>
-        <p:txBody>
-          <a:bodyPr wrap="square">
-            <a:spAutoFit/>
-          </a:bodyPr>
-          <a:lstStyle/>
-          <a:p>
-            <a:pPr>
-              <a:defRPr sz="1000" b="0">
-                <a:solidFill>
-                  <a:srgbClr val="F38BA8"/>
-                </a:solidFill>
-              </a:defRPr>
-            </a:pPr>
-            <a:r>
-              <a:t>torch.utils.data.Dataset</a:t>
-            </a:r>
-          </a:p>
-        </p:txBody>
-      </p:sp>
-      <p:sp>
-        <p:nvSpPr>
-          <p:cNvPr id="30" name="TextBox 29"/>
-          <p:cNvSpPr txBox="1"/>
-          <p:nvPr/>
-        </p:nvSpPr>
-        <p:spPr>
-          <a:xfrm>
-            <a:off x="4206240" y="3291840"/>
-            <a:ext cx="2468880" cy="365760"/>
-          </a:xfrm>
-          <a:prstGeom prst="rect">
-            <a:avLst/>
-          </a:prstGeom>
-          <a:noFill/>
-        </p:spPr>
-        <p:txBody>
-          <a:bodyPr wrap="square">
-            <a:spAutoFit/>
-          </a:bodyPr>
-          <a:lstStyle/>
-          <a:p>
-            <a:pPr>
-              <a:defRPr sz="1000" b="0">
-                <a:solidFill>
-                  <a:srgbClr val="A6E3A1"/>
-                </a:solidFill>
-              </a:defRPr>
-            </a:pPr>
-            <a:r>
-              <a:t>jt.dataset.Dataset</a:t>
-            </a:r>
-            <a:br/>
-            <a:r>
-              <a:t>+ set_attrs()</a:t>
-            </a:r>
-          </a:p>
-        </p:txBody>
-      </p:sp>
-      <p:sp>
-        <p:nvSpPr>
-          <p:cNvPr id="31" name="TextBox 30"/>
-          <p:cNvSpPr txBox="1"/>
-          <p:nvPr/>
-        </p:nvSpPr>
-        <p:spPr>
-          <a:xfrm>
-            <a:off x="6858000" y="3291840"/>
-            <a:ext cx="2194560" cy="365760"/>
-          </a:xfrm>
-          <a:prstGeom prst="rect">
-            <a:avLst/>
-          </a:prstGeom>
-          <a:noFill/>
-        </p:spPr>
-        <p:txBody>
-          <a:bodyPr wrap="square">
-            <a:spAutoFit/>
-          </a:bodyPr>
-          <a:lstStyle/>
-          <a:p>
-            <a:pPr>
-              <a:defRPr sz="900" b="0">
-                <a:solidFill>
-                  <a:srgbClr val="6C7086"/>
-                </a:solidFill>
-              </a:defRPr>
-            </a:pPr>
-            <a:r>
-              <a:t>内置 DataLoader 功能</a:t>
-            </a:r>
-          </a:p>
-        </p:txBody>
-      </p:sp>
-      <p:sp>
-        <p:nvSpPr>
-          <p:cNvPr id="32" name="TextBox 31"/>
-          <p:cNvSpPr txBox="1"/>
-          <p:nvPr/>
-        </p:nvSpPr>
-        <p:spPr>
-          <a:xfrm>
-            <a:off x="182880" y="3675888"/>
-            <a:ext cx="1371600" cy="365760"/>
-          </a:xfrm>
-          <a:prstGeom prst="rect">
-            <a:avLst/>
-          </a:prstGeom>
-          <a:noFill/>
-        </p:spPr>
-        <p:txBody>
-          <a:bodyPr wrap="square">
-            <a:spAutoFit/>
-          </a:bodyPr>
-          <a:lstStyle/>
-          <a:p>
-            <a:pPr>
-              <a:defRPr sz="1000" b="1">
-                <a:solidFill>
-                  <a:srgbClr val="F9E2AF"/>
-                </a:solidFill>
-              </a:defRPr>
-            </a:pPr>
-            <a:r>
-              <a:t>图像归一化</a:t>
-            </a:r>
-          </a:p>
-        </p:txBody>
-      </p:sp>
-      <p:sp>
-        <p:nvSpPr>
-          <p:cNvPr id="33" name="TextBox 32"/>
-          <p:cNvSpPr txBox="1"/>
-          <p:nvPr/>
-        </p:nvSpPr>
-        <p:spPr>
-          <a:xfrm>
-            <a:off x="1554480" y="3675888"/>
-            <a:ext cx="2468880" cy="365760"/>
-          </a:xfrm>
-          <a:prstGeom prst="rect">
-            <a:avLst/>
-          </a:prstGeom>
-          <a:noFill/>
-        </p:spPr>
-        <p:txBody>
-          <a:bodyPr wrap="square">
-            <a:spAutoFit/>
-          </a:bodyPr>
-          <a:lstStyle/>
-          <a:p>
-            <a:pPr>
-              <a:defRPr sz="1000" b="0">
-                <a:solidFill>
-                  <a:srgbClr val="F38BA8"/>
-                </a:solidFill>
-              </a:defRPr>
-            </a:pPr>
-            <a:r>
-              <a:t>transforms.Normalize()</a:t>
-            </a:r>
-          </a:p>
-        </p:txBody>
-      </p:sp>
-      <p:sp>
-        <p:nvSpPr>
-          <p:cNvPr id="34" name="TextBox 33"/>
-          <p:cNvSpPr txBox="1"/>
-          <p:nvPr/>
-        </p:nvSpPr>
-        <p:spPr>
-          <a:xfrm>
-            <a:off x="4206240" y="3675888"/>
-            <a:ext cx="2468880" cy="365760"/>
-          </a:xfrm>
-          <a:prstGeom prst="rect">
-            <a:avLst/>
-          </a:prstGeom>
-          <a:noFill/>
-        </p:spPr>
-        <p:txBody>
-          <a:bodyPr wrap="square">
-            <a:spAutoFit/>
-          </a:bodyPr>
-          <a:lstStyle/>
-          <a:p>
-            <a:pPr>
-              <a:defRPr sz="1000" b="0">
-                <a:solidFill>
-                  <a:srgbClr val="A6E3A1"/>
-                </a:solidFill>
-              </a:defRPr>
-            </a:pPr>
-            <a:r>
-              <a:t>jt.transform.ImageNormalize</a:t>
-            </a:r>
-          </a:p>
-        </p:txBody>
-      </p:sp>
-      <p:sp>
-        <p:nvSpPr>
-          <p:cNvPr id="35" name="TextBox 34"/>
-          <p:cNvSpPr txBox="1"/>
-          <p:nvPr/>
-        </p:nvSpPr>
-        <p:spPr>
-          <a:xfrm>
-            <a:off x="6858000" y="3675888"/>
-            <a:ext cx="2194560" cy="365760"/>
-          </a:xfrm>
-          <a:prstGeom prst="rect">
-            <a:avLst/>
-          </a:prstGeom>
-          <a:noFill/>
-        </p:spPr>
-        <p:txBody>
-          <a:bodyPr wrap="square">
-            <a:spAutoFit/>
-          </a:bodyPr>
-          <a:lstStyle/>
-          <a:p>
-            <a:pPr>
-              <a:defRPr sz="900" b="0">
-                <a:solidFill>
-                  <a:srgbClr val="6C7086"/>
-                </a:solidFill>
-              </a:defRPr>
-            </a:pPr>
-            <a:r>
-              <a:t>API 名称不同</a:t>
-            </a:r>
-          </a:p>
-        </p:txBody>
-      </p:sp>
-      <p:sp>
-        <p:nvSpPr>
-          <p:cNvPr id="36" name="TextBox 35"/>
-          <p:cNvSpPr txBox="1"/>
-          <p:nvPr/>
-        </p:nvSpPr>
-        <p:spPr>
-          <a:xfrm>
-            <a:off x="182880" y="4059936"/>
-            <a:ext cx="1371600" cy="365760"/>
-          </a:xfrm>
-          <a:prstGeom prst="rect">
-            <a:avLst/>
-          </a:prstGeom>
-          <a:noFill/>
-        </p:spPr>
-        <p:txBody>
-          <a:bodyPr wrap="square">
-            <a:spAutoFit/>
-          </a:bodyPr>
-          <a:lstStyle/>
-          <a:p>
-            <a:pPr>
-              <a:defRPr sz="1000" b="1">
-                <a:solidFill>
-                  <a:srgbClr val="F9E2AF"/>
-                </a:solidFill>
-              </a:defRPr>
-            </a:pPr>
-            <a:r>
-              <a:t>随机种子</a:t>
-            </a:r>
-          </a:p>
-        </p:txBody>
-      </p:sp>
-      <p:sp>
-        <p:nvSpPr>
-          <p:cNvPr id="37" name="TextBox 36"/>
-          <p:cNvSpPr txBox="1"/>
-          <p:nvPr/>
-        </p:nvSpPr>
-        <p:spPr>
-          <a:xfrm>
-            <a:off x="1554480" y="4059936"/>
-            <a:ext cx="2468880" cy="365760"/>
-          </a:xfrm>
-          <a:prstGeom prst="rect">
-            <a:avLst/>
-          </a:prstGeom>
-          <a:noFill/>
-        </p:spPr>
-        <p:txBody>
-          <a:bodyPr wrap="square">
-            <a:spAutoFit/>
-          </a:bodyPr>
-          <a:lstStyle/>
-          <a:p>
-            <a:pPr>
-              <a:defRPr sz="1000" b="0">
-                <a:solidFill>
-                  <a:srgbClr val="F38BA8"/>
-                </a:solidFill>
-              </a:defRPr>
-            </a:pPr>
-            <a:r>
-              <a:t>torch.manual_seed()</a:t>
-            </a:r>
-          </a:p>
-        </p:txBody>
-      </p:sp>
-      <p:sp>
-        <p:nvSpPr>
-          <p:cNvPr id="38" name="TextBox 37"/>
-          <p:cNvSpPr txBox="1"/>
-          <p:nvPr/>
-        </p:nvSpPr>
-        <p:spPr>
-          <a:xfrm>
-            <a:off x="4206240" y="4059936"/>
-            <a:ext cx="2468880" cy="365760"/>
-          </a:xfrm>
-          <a:prstGeom prst="rect">
-            <a:avLst/>
-          </a:prstGeom>
-          <a:noFill/>
-        </p:spPr>
-        <p:txBody>
-          <a:bodyPr wrap="square">
-            <a:spAutoFit/>
-          </a:bodyPr>
-          <a:lstStyle/>
-          <a:p>
-            <a:pPr>
-              <a:defRPr sz="1000" b="0">
-                <a:solidFill>
-                  <a:srgbClr val="A6E3A1"/>
-                </a:solidFill>
-              </a:defRPr>
-            </a:pPr>
-            <a:r>
-              <a:t>jt.set_global_seed()</a:t>
-            </a:r>
-          </a:p>
-        </p:txBody>
-      </p:sp>
-      <p:sp>
-        <p:nvSpPr>
-          <p:cNvPr id="39" name="TextBox 38"/>
-          <p:cNvSpPr txBox="1"/>
-          <p:nvPr/>
-        </p:nvSpPr>
-        <p:spPr>
-          <a:xfrm>
-            <a:off x="6858000" y="4059936"/>
-            <a:ext cx="2194560" cy="365760"/>
-          </a:xfrm>
-          <a:prstGeom prst="rect">
-            <a:avLst/>
-          </a:prstGeom>
-          <a:noFill/>
-        </p:spPr>
-        <p:txBody>
-          <a:bodyPr wrap="square">
-            <a:spAutoFit/>
-          </a:bodyPr>
-          <a:lstStyle/>
-          <a:p>
-            <a:pPr>
-              <a:defRPr sz="900" b="0">
-                <a:solidFill>
-                  <a:srgbClr val="6C7086"/>
-                </a:solidFill>
-              </a:defRPr>
-            </a:pPr>
-            <a:r>
-              <a:t>统一全局随机种子</a:t>
-            </a:r>
-          </a:p>
-        </p:txBody>
-      </p:sp>
-      <p:sp>
-        <p:nvSpPr>
-          <p:cNvPr id="40" name="TextBox 39"/>
-          <p:cNvSpPr txBox="1"/>
-          <p:nvPr/>
-        </p:nvSpPr>
-        <p:spPr>
-          <a:xfrm>
-            <a:off x="182880" y="4443984"/>
-            <a:ext cx="1371600" cy="365760"/>
-          </a:xfrm>
-          <a:prstGeom prst="rect">
-            <a:avLst/>
-          </a:prstGeom>
-          <a:noFill/>
-        </p:spPr>
-        <p:txBody>
-          <a:bodyPr wrap="square">
-            <a:spAutoFit/>
-          </a:bodyPr>
-          <a:lstStyle/>
-          <a:p>
-            <a:pPr>
-              <a:defRPr sz="1000" b="1">
-                <a:solidFill>
-                  <a:srgbClr val="F9E2AF"/>
-                </a:solidFill>
-              </a:defRPr>
-            </a:pPr>
-            <a:r>
-              <a:t>设备管理</a:t>
-            </a:r>
-          </a:p>
-        </p:txBody>
-      </p:sp>
-      <p:sp>
-        <p:nvSpPr>
-          <p:cNvPr id="41" name="TextBox 40"/>
-          <p:cNvSpPr txBox="1"/>
-          <p:nvPr/>
-        </p:nvSpPr>
-        <p:spPr>
-          <a:xfrm>
-            <a:off x="1554480" y="4443984"/>
-            <a:ext cx="2468880" cy="365760"/>
-          </a:xfrm>
-          <a:prstGeom prst="rect">
-            <a:avLst/>
-          </a:prstGeom>
-          <a:noFill/>
-        </p:spPr>
-        <p:txBody>
-          <a:bodyPr wrap="square">
-            <a:spAutoFit/>
-          </a:bodyPr>
-          <a:lstStyle/>
-          <a:p>
-            <a:pPr>
-              <a:defRPr sz="1000" b="0">
-                <a:solidFill>
-                  <a:srgbClr val="F38BA8"/>
-                </a:solidFill>
-              </a:defRPr>
-            </a:pPr>
-            <a:r>
-              <a:t>cuda / mps / cpu</a:t>
-            </a:r>
-          </a:p>
-        </p:txBody>
-      </p:sp>
-      <p:sp>
-        <p:nvSpPr>
-          <p:cNvPr id="42" name="TextBox 41"/>
-          <p:cNvSpPr txBox="1"/>
-          <p:nvPr/>
-        </p:nvSpPr>
-        <p:spPr>
-          <a:xfrm>
-            <a:off x="4206240" y="4443984"/>
-            <a:ext cx="2468880" cy="365760"/>
-          </a:xfrm>
-          <a:prstGeom prst="rect">
-            <a:avLst/>
-          </a:prstGeom>
-          <a:noFill/>
-        </p:spPr>
-        <p:txBody>
-          <a:bodyPr wrap="square">
-            <a:spAutoFit/>
-          </a:bodyPr>
-          <a:lstStyle/>
-          <a:p>
-            <a:pPr>
-              <a:defRPr sz="1000" b="0">
-                <a:solidFill>
-                  <a:srgbClr val="A6E3A1"/>
-                </a:solidFill>
-              </a:defRPr>
-            </a:pPr>
-            <a:r>
-              <a:t>自动管理（仅CPU/CUDA）</a:t>
-            </a:r>
-          </a:p>
-        </p:txBody>
-      </p:sp>
-      <p:sp>
-        <p:nvSpPr>
-          <p:cNvPr id="43" name="TextBox 42"/>
-          <p:cNvSpPr txBox="1"/>
-          <p:nvPr/>
-        </p:nvSpPr>
-        <p:spPr>
-          <a:xfrm>
-            <a:off x="6858000" y="4443984"/>
-            <a:ext cx="2194560" cy="365760"/>
-          </a:xfrm>
-          <a:prstGeom prst="rect">
-            <a:avLst/>
-          </a:prstGeom>
-          <a:noFill/>
-        </p:spPr>
-        <p:txBody>
-          <a:bodyPr wrap="square">
-            <a:spAutoFit/>
-          </a:bodyPr>
-          <a:lstStyle/>
-          <a:p>
-            <a:pPr>
-              <a:defRPr sz="900" b="0">
-                <a:solidFill>
-                  <a:srgbClr val="6C7086"/>
-                </a:solidFill>
-              </a:defRPr>
-            </a:pPr>
-            <a:r>
-              <a:t>不支持 MPS</a:t>
-            </a:r>
-          </a:p>
-        </p:txBody>
-      </p:sp>
-      <p:sp>
-        <p:nvSpPr>
-          <p:cNvPr id="44" name="TextBox 43"/>
-          <p:cNvSpPr txBox="1"/>
-          <p:nvPr/>
-        </p:nvSpPr>
-        <p:spPr>
-          <a:xfrm>
-            <a:off x="182880" y="4828032"/>
-            <a:ext cx="1371600" cy="365760"/>
-          </a:xfrm>
-          <a:prstGeom prst="rect">
-            <a:avLst/>
-          </a:prstGeom>
-          <a:noFill/>
-        </p:spPr>
-        <p:txBody>
-          <a:bodyPr wrap="square">
-            <a:spAutoFit/>
-          </a:bodyPr>
-          <a:lstStyle/>
-          <a:p>
-            <a:pPr>
-              <a:defRPr sz="1000" b="1">
-                <a:solidFill>
-                  <a:srgbClr val="F9E2AF"/>
-                </a:solidFill>
-              </a:defRPr>
-            </a:pPr>
-            <a:r>
-              <a:t>检查点</a:t>
-            </a:r>
-          </a:p>
-        </p:txBody>
-      </p:sp>
-      <p:sp>
-        <p:nvSpPr>
-          <p:cNvPr id="45" name="TextBox 44"/>
-          <p:cNvSpPr txBox="1"/>
-          <p:nvPr/>
-        </p:nvSpPr>
-        <p:spPr>
-          <a:xfrm>
-            <a:off x="1554480" y="4828032"/>
-            <a:ext cx="2468880" cy="365760"/>
-          </a:xfrm>
-          <a:prstGeom prst="rect">
-            <a:avLst/>
-          </a:prstGeom>
-          <a:noFill/>
-        </p:spPr>
-        <p:txBody>
-          <a:bodyPr wrap="square">
-            <a:spAutoFit/>
-          </a:bodyPr>
-          <a:lstStyle/>
-          <a:p>
-            <a:pPr>
-              <a:defRPr sz="1000" b="0">
-                <a:solidFill>
-                  <a:srgbClr val="F38BA8"/>
-                </a:solidFill>
-              </a:defRPr>
-            </a:pPr>
-            <a:r>
-              <a:t>.pth (torch.save)</a:t>
-            </a:r>
-          </a:p>
-        </p:txBody>
-      </p:sp>
-      <p:sp>
-        <p:nvSpPr>
-          <p:cNvPr id="46" name="TextBox 45"/>
-          <p:cNvSpPr txBox="1"/>
-          <p:nvPr/>
-        </p:nvSpPr>
-        <p:spPr>
-          <a:xfrm>
-            <a:off x="4206240" y="4828032"/>
-            <a:ext cx="2468880" cy="365760"/>
-          </a:xfrm>
-          <a:prstGeom prst="rect">
-            <a:avLst/>
-          </a:prstGeom>
-          <a:noFill/>
-        </p:spPr>
-        <p:txBody>
-          <a:bodyPr wrap="square">
-            <a:spAutoFit/>
-          </a:bodyPr>
-          <a:lstStyle/>
-          <a:p>
-            <a:pPr>
-              <a:defRPr sz="1000" b="0">
-                <a:solidFill>
-                  <a:srgbClr val="A6E3A1"/>
-                </a:solidFill>
-              </a:defRPr>
-            </a:pPr>
-            <a:r>
-              <a:t>.pkl + load_pytorch_weights()</a:t>
-            </a:r>
-          </a:p>
-        </p:txBody>
-      </p:sp>
-      <p:sp>
-        <p:nvSpPr>
-          <p:cNvPr id="47" name="TextBox 46"/>
-          <p:cNvSpPr txBox="1"/>
-          <p:nvPr/>
-        </p:nvSpPr>
-        <p:spPr>
-          <a:xfrm>
-            <a:off x="6858000" y="4828032"/>
-            <a:ext cx="2194560" cy="365760"/>
-          </a:xfrm>
-          <a:prstGeom prst="rect">
-            <a:avLst/>
-          </a:prstGeom>
-          <a:noFill/>
-        </p:spPr>
-        <p:txBody>
-          <a:bodyPr wrap="square">
-            <a:spAutoFit/>
-          </a:bodyPr>
-          <a:lstStyle/>
-          <a:p>
-            <a:pPr>
-              <a:defRPr sz="900" b="0">
-                <a:solidFill>
-                  <a:srgbClr val="6C7086"/>
-                </a:solidFill>
-              </a:defRPr>
-            </a:pPr>
-            <a:r>
-              <a:t>可桥接加载 PyTorch 权重</a:t>
-            </a:r>
-          </a:p>
-        </p:txBody>
-      </p:sp>
-    </p:spTree>
-  </p:cSld>
-  <p:clrMapOvr>
-    <a:masterClrMapping/>
-  </p:clrMapOvr>
-</p:sld>
-</file>
-
 <file path=ppt/slides/slide2.xml><?xml version="1.0" encoding="utf-8"?>
 <p:sld xmlns:a="http://schemas.openxmlformats.org/drawingml/2006/main" xmlns:p="http://schemas.openxmlformats.org/presentationml/2006/main" xmlns:r="http://schemas.openxmlformats.org/officeDocument/2006/relationships">
   <p:cSld>
@@ -14585,7 +15046,7 @@
     <p:bg>
       <p:bgPr>
         <a:solidFill>
-          <a:srgbClr val="1B1B2F"/>
+          <a:srgbClr val="1E1E2E"/>
         </a:solidFill>
         <a:effectLst/>
       </p:bgPr>
@@ -14599,57 +15060,14 @@
       <p:grpSpPr/>
       <p:sp>
         <p:nvSpPr>
-          <p:cNvPr id="2" name="Rectangle 1"/>
-          <p:cNvSpPr/>
+          <p:cNvPr id="2" name="TextBox 1"/>
+          <p:cNvSpPr txBox="1"/>
           <p:nvPr/>
         </p:nvSpPr>
         <p:spPr>
           <a:xfrm>
-            <a:off x="0" y="0"/>
-            <a:ext cx="12191695" cy="73152"/>
-          </a:xfrm>
-          <a:prstGeom prst="rect">
-            <a:avLst/>
-          </a:prstGeom>
-          <a:solidFill>
-            <a:srgbClr val="00B4D8"/>
-          </a:solidFill>
-          <a:ln>
-            <a:noFill/>
-          </a:ln>
-        </p:spPr>
-        <p:style>
-          <a:lnRef idx="1">
-            <a:schemeClr val="accent1"/>
-          </a:lnRef>
-          <a:fillRef idx="3">
-            <a:schemeClr val="accent1"/>
-          </a:fillRef>
-          <a:effectRef idx="2">
-            <a:schemeClr val="accent1"/>
-          </a:effectRef>
-          <a:fontRef idx="minor">
-            <a:schemeClr val="lt1"/>
-          </a:fontRef>
-        </p:style>
-        <p:txBody>
-          <a:bodyPr rtlCol="0" anchor="ctr"/>
-          <a:lstStyle/>
-          <a:p>
-            <a:pPr algn="ctr"/>
-          </a:p>
-        </p:txBody>
-      </p:sp>
-      <p:sp>
-        <p:nvSpPr>
-          <p:cNvPr id="3" name="TextBox 2"/>
-          <p:cNvSpPr txBox="1"/>
-          <p:nvPr/>
-        </p:nvSpPr>
-        <p:spPr>
-          <a:xfrm>
-            <a:off x="548640" y="274320"/>
-            <a:ext cx="10972800" cy="731520"/>
+            <a:off x="365760" y="182880"/>
+            <a:ext cx="8412480" cy="320040"/>
           </a:xfrm>
           <a:prstGeom prst="rect">
             <a:avLst/>
@@ -14662,74 +15080,29 @@
           </a:bodyPr>
           <a:lstStyle/>
           <a:p>
-            <a:pPr algn="l">
-              <a:defRPr sz="3200" b="1">
+            <a:pPr>
+              <a:defRPr sz="2600" b="1">
                 <a:solidFill>
                   <a:srgbClr val="FFFFFF"/>
                 </a:solidFill>
               </a:defRPr>
             </a:pPr>
             <a:r>
-              <a:t>计图 (Jittor) 框架复现</a:t>
-            </a:r>
-          </a:p>
-        </p:txBody>
-      </p:sp>
-      <p:sp>
-        <p:nvSpPr>
-          <p:cNvPr id="4" name="Rounded Rectangle 3"/>
-          <p:cNvSpPr/>
+              <a:t>计图编译器适配 — macOS ARM 三处修复</a:t>
+            </a:r>
+          </a:p>
+        </p:txBody>
+      </p:sp>
+      <p:sp>
+        <p:nvSpPr>
+          <p:cNvPr id="3" name="TextBox 2"/>
+          <p:cNvSpPr txBox="1"/>
           <p:nvPr/>
         </p:nvSpPr>
         <p:spPr>
           <a:xfrm>
-            <a:off x="914400" y="1371600"/>
-            <a:ext cx="5029200" cy="4114800"/>
-          </a:xfrm>
-          <a:prstGeom prst="roundRect">
-            <a:avLst>
-              <a:gd name="adj" fmla="val 5000"/>
-            </a:avLst>
-          </a:prstGeom>
-          <a:solidFill>
-            <a:srgbClr val="2A2A45"/>
-          </a:solidFill>
-          <a:ln>
-            <a:noFill/>
-          </a:ln>
-        </p:spPr>
-        <p:style>
-          <a:lnRef idx="1">
-            <a:schemeClr val="accent1"/>
-          </a:lnRef>
-          <a:fillRef idx="3">
-            <a:schemeClr val="accent1"/>
-          </a:fillRef>
-          <a:effectRef idx="2">
-            <a:schemeClr val="accent1"/>
-          </a:effectRef>
-          <a:fontRef idx="minor">
-            <a:schemeClr val="lt1"/>
-          </a:fontRef>
-        </p:style>
-        <p:txBody>
-          <a:bodyPr rtlCol="0" anchor="ctr"/>
-          <a:lstStyle/>
-          <a:p>
-            <a:pPr algn="ctr"/>
-          </a:p>
-        </p:txBody>
-      </p:sp>
-      <p:sp>
-        <p:nvSpPr>
-          <p:cNvPr id="5" name="TextBox 4"/>
-          <p:cNvSpPr txBox="1"/>
-          <p:nvPr/>
-        </p:nvSpPr>
-        <p:spPr>
-          <a:xfrm>
-            <a:off x="1188720" y="1554480"/>
-            <a:ext cx="4572000" cy="548640"/>
+            <a:off x="365760" y="640080"/>
+            <a:ext cx="8412480" cy="320040"/>
           </a:xfrm>
           <a:prstGeom prst="rect">
             <a:avLst/>
@@ -14742,454 +15115,29 @@
           </a:bodyPr>
           <a:lstStyle/>
           <a:p>
-            <a:pPr algn="l">
-              <a:defRPr sz="2000" b="1">
-                <a:solidFill>
-                  <a:srgbClr val="00B4D8"/>
+            <a:pPr>
+              <a:defRPr sz="1300" b="0">
+                <a:solidFill>
+                  <a:srgbClr val="89B4FA"/>
                 </a:solidFill>
               </a:defRPr>
             </a:pPr>
             <a:r>
-              <a:t>Office-31 OPDA — 已完成实验</a:t>
-            </a:r>
-          </a:p>
-        </p:txBody>
-      </p:sp>
-      <p:graphicFrame>
-        <p:nvGraphicFramePr>
-          <p:cNvPr id="6" name="Table 5"/>
-          <p:cNvGraphicFramePr>
-            <a:graphicFrameLocks noGrp="1"/>
-          </p:cNvGraphicFramePr>
-          <p:nvPr/>
-        </p:nvGraphicFramePr>
-        <p:xfrm>
-          <a:off x="1188720" y="2286000"/>
-          <a:ext cx="4389120" cy="960120"/>
-        </p:xfrm>
-        <a:graphic>
-          <a:graphicData uri="http://schemas.openxmlformats.org/drawingml/2006/table">
-            <a:tbl>
-              <a:tblPr firstRow="1" bandRow="1">
-                <a:tableStyleId>{5C22544A-7EE6-4342-B048-85BDC9FD1C3A}</a:tableStyleId>
-              </a:tblPr>
-              <a:tblGrid>
-                <a:gridCol w="731520"/>
-                <a:gridCol w="731520"/>
-                <a:gridCol w="822960"/>
-                <a:gridCol w="914400"/>
-                <a:gridCol w="1188720"/>
-              </a:tblGrid>
-              <a:tr h="320040">
-                <a:tc>
-                  <a:txBody>
-                    <a:bodyPr/>
-                    <a:lstStyle/>
-                    <a:p>
-                      <a:pPr algn="ctr">
-                        <a:defRPr sz="1200" b="1">
-                          <a:solidFill>
-                            <a:srgbClr val="FFFFFF"/>
-                          </a:solidFill>
-                        </a:defRPr>
-                      </a:pPr>
-                      <a:r>
-                        <a:t>方向</a:t>
-                      </a:r>
-                    </a:p>
-                  </a:txBody>
-                  <a:tcPr anchor="ctr">
-                    <a:solidFill>
-                      <a:srgbClr val="0077B6"/>
-                    </a:solidFill>
-                  </a:tcPr>
-                </a:tc>
-                <a:tc>
-                  <a:txBody>
-                    <a:bodyPr/>
-                    <a:lstStyle/>
-                    <a:p>
-                      <a:pPr algn="ctr">
-                        <a:defRPr sz="1200" b="1">
-                          <a:solidFill>
-                            <a:srgbClr val="FFFFFF"/>
-                          </a:solidFill>
-                        </a:defRPr>
-                      </a:pPr>
-                      <a:r>
-                        <a:t>论文</a:t>
-                      </a:r>
-                    </a:p>
-                  </a:txBody>
-                  <a:tcPr anchor="ctr">
-                    <a:solidFill>
-                      <a:srgbClr val="0077B6"/>
-                    </a:solidFill>
-                  </a:tcPr>
-                </a:tc>
-                <a:tc>
-                  <a:txBody>
-                    <a:bodyPr/>
-                    <a:lstStyle/>
-                    <a:p>
-                      <a:pPr algn="ctr">
-                        <a:defRPr sz="1200" b="1">
-                          <a:solidFill>
-                            <a:srgbClr val="FFFFFF"/>
-                          </a:solidFill>
-                        </a:defRPr>
-                      </a:pPr>
-                      <a:r>
-                        <a:t>计图</a:t>
-                      </a:r>
-                    </a:p>
-                  </a:txBody>
-                  <a:tcPr anchor="ctr">
-                    <a:solidFill>
-                      <a:srgbClr val="0077B6"/>
-                    </a:solidFill>
-                  </a:tcPr>
-                </a:tc>
-                <a:tc>
-                  <a:txBody>
-                    <a:bodyPr/>
-                    <a:lstStyle/>
-                    <a:p>
-                      <a:pPr algn="ctr">
-                        <a:defRPr sz="1200" b="1">
-                          <a:solidFill>
-                            <a:srgbClr val="FFFFFF"/>
-                          </a:solidFill>
-                        </a:defRPr>
-                      </a:pPr>
-                      <a:r>
-                        <a:t>PyTorch</a:t>
-                      </a:r>
-                    </a:p>
-                  </a:txBody>
-                  <a:tcPr anchor="ctr">
-                    <a:solidFill>
-                      <a:srgbClr val="0077B6"/>
-                    </a:solidFill>
-                  </a:tcPr>
-                </a:tc>
-                <a:tc>
-                  <a:txBody>
-                    <a:bodyPr/>
-                    <a:lstStyle/>
-                    <a:p>
-                      <a:pPr algn="ctr">
-                        <a:defRPr sz="1200" b="1">
-                          <a:solidFill>
-                            <a:srgbClr val="FFFFFF"/>
-                          </a:solidFill>
-                        </a:defRPr>
-                      </a:pPr>
-                      <a:r>
-                        <a:t>Δ(计图-论文)</a:t>
-                      </a:r>
-                    </a:p>
-                  </a:txBody>
-                  <a:tcPr anchor="ctr">
-                    <a:solidFill>
-                      <a:srgbClr val="0077B6"/>
-                    </a:solidFill>
-                  </a:tcPr>
-                </a:tc>
-              </a:tr>
-              <a:tr h="320040">
-                <a:tc>
-                  <a:txBody>
-                    <a:bodyPr/>
-                    <a:lstStyle/>
-                    <a:p>
-                      <a:pPr algn="ctr">
-                        <a:defRPr sz="1200">
-                          <a:solidFill>
-                            <a:srgbClr val="FFFFFF"/>
-                          </a:solidFill>
-                        </a:defRPr>
-                      </a:pPr>
-                      <a:r>
-                        <a:t>A2D</a:t>
-                      </a:r>
-                    </a:p>
-                  </a:txBody>
-                  <a:tcPr anchor="ctr">
-                    <a:solidFill>
-                      <a:srgbClr val="252542"/>
-                    </a:solidFill>
-                  </a:tcPr>
-                </a:tc>
-                <a:tc>
-                  <a:txBody>
-                    <a:bodyPr/>
-                    <a:lstStyle/>
-                    <a:p>
-                      <a:pPr algn="ctr">
-                        <a:defRPr sz="1200">
-                          <a:solidFill>
-                            <a:srgbClr val="FFFFFF"/>
-                          </a:solidFill>
-                        </a:defRPr>
-                      </a:pPr>
-                      <a:r>
-                        <a:t>85.4</a:t>
-                      </a:r>
-                    </a:p>
-                  </a:txBody>
-                  <a:tcPr anchor="ctr">
-                    <a:solidFill>
-                      <a:srgbClr val="252542"/>
-                    </a:solidFill>
-                  </a:tcPr>
-                </a:tc>
-                <a:tc>
-                  <a:txBody>
-                    <a:bodyPr/>
-                    <a:lstStyle/>
-                    <a:p>
-                      <a:pPr algn="ctr">
-                        <a:defRPr sz="1200">
-                          <a:solidFill>
-                            <a:srgbClr val="FFFFFF"/>
-                          </a:solidFill>
-                        </a:defRPr>
-                      </a:pPr>
-                      <a:r>
-                        <a:t>62.4</a:t>
-                      </a:r>
-                    </a:p>
-                  </a:txBody>
-                  <a:tcPr anchor="ctr">
-                    <a:solidFill>
-                      <a:srgbClr val="252542"/>
-                    </a:solidFill>
-                  </a:tcPr>
-                </a:tc>
-                <a:tc>
-                  <a:txBody>
-                    <a:bodyPr/>
-                    <a:lstStyle/>
-                    <a:p>
-                      <a:pPr algn="ctr">
-                        <a:defRPr sz="1200">
-                          <a:solidFill>
-                            <a:srgbClr val="FFFFFF"/>
-                          </a:solidFill>
-                        </a:defRPr>
-                      </a:pPr>
-                      <a:r>
-                        <a:t>78.2</a:t>
-                      </a:r>
-                    </a:p>
-                  </a:txBody>
-                  <a:tcPr anchor="ctr">
-                    <a:solidFill>
-                      <a:srgbClr val="252542"/>
-                    </a:solidFill>
-                  </a:tcPr>
-                </a:tc>
-                <a:tc>
-                  <a:txBody>
-                    <a:bodyPr/>
-                    <a:lstStyle/>
-                    <a:p>
-                      <a:pPr algn="ctr">
-                        <a:defRPr sz="1200">
-                          <a:solidFill>
-                            <a:srgbClr val="FFFFFF"/>
-                          </a:solidFill>
-                        </a:defRPr>
-                      </a:pPr>
-                      <a:r>
-                        <a:t>-23.0</a:t>
-                      </a:r>
-                    </a:p>
-                  </a:txBody>
-                  <a:tcPr anchor="ctr">
-                    <a:solidFill>
-                      <a:srgbClr val="252542"/>
-                    </a:solidFill>
-                  </a:tcPr>
-                </a:tc>
-              </a:tr>
-              <a:tr h="320040">
-                <a:tc>
-                  <a:txBody>
-                    <a:bodyPr/>
-                    <a:lstStyle/>
-                    <a:p>
-                      <a:pPr algn="ctr">
-                        <a:defRPr sz="1200" b="1">
-                          <a:solidFill>
-                            <a:srgbClr val="FFFFFF"/>
-                          </a:solidFill>
-                        </a:defRPr>
-                      </a:pPr>
-                      <a:r>
-                        <a:t>A2W</a:t>
-                      </a:r>
-                    </a:p>
-                  </a:txBody>
-                  <a:tcPr anchor="ctr">
-                    <a:solidFill>
-                      <a:srgbClr val="0096C7"/>
-                    </a:solidFill>
-                  </a:tcPr>
-                </a:tc>
-                <a:tc>
-                  <a:txBody>
-                    <a:bodyPr/>
-                    <a:lstStyle/>
-                    <a:p>
-                      <a:pPr algn="ctr">
-                        <a:defRPr sz="1200" b="1">
-                          <a:solidFill>
-                            <a:srgbClr val="FFFFFF"/>
-                          </a:solidFill>
-                        </a:defRPr>
-                      </a:pPr>
-                      <a:r>
-                        <a:t>85.0</a:t>
-                      </a:r>
-                    </a:p>
-                  </a:txBody>
-                  <a:tcPr anchor="ctr">
-                    <a:solidFill>
-                      <a:srgbClr val="0096C7"/>
-                    </a:solidFill>
-                  </a:tcPr>
-                </a:tc>
-                <a:tc>
-                  <a:txBody>
-                    <a:bodyPr/>
-                    <a:lstStyle/>
-                    <a:p>
-                      <a:pPr algn="ctr">
-                        <a:defRPr sz="1200" b="1">
-                          <a:solidFill>
-                            <a:srgbClr val="FFFFFF"/>
-                          </a:solidFill>
-                        </a:defRPr>
-                      </a:pPr>
-                      <a:r>
-                        <a:t>49.9</a:t>
-                      </a:r>
-                    </a:p>
-                  </a:txBody>
-                  <a:tcPr anchor="ctr">
-                    <a:solidFill>
-                      <a:srgbClr val="0096C7"/>
-                    </a:solidFill>
-                  </a:tcPr>
-                </a:tc>
-                <a:tc>
-                  <a:txBody>
-                    <a:bodyPr/>
-                    <a:lstStyle/>
-                    <a:p>
-                      <a:pPr algn="ctr">
-                        <a:defRPr sz="1200" b="1">
-                          <a:solidFill>
-                            <a:srgbClr val="FFFFFF"/>
-                          </a:solidFill>
-                        </a:defRPr>
-                      </a:pPr>
-                      <a:r>
-                        <a:t>78.5</a:t>
-                      </a:r>
-                    </a:p>
-                  </a:txBody>
-                  <a:tcPr anchor="ctr">
-                    <a:solidFill>
-                      <a:srgbClr val="0096C7"/>
-                    </a:solidFill>
-                  </a:tcPr>
-                </a:tc>
-                <a:tc>
-                  <a:txBody>
-                    <a:bodyPr/>
-                    <a:lstStyle/>
-                    <a:p>
-                      <a:pPr algn="ctr">
-                        <a:defRPr sz="1200" b="1">
-                          <a:solidFill>
-                            <a:srgbClr val="FFFFFF"/>
-                          </a:solidFill>
-                        </a:defRPr>
-                      </a:pPr>
-                      <a:r>
-                        <a:t>-35.1</a:t>
-                      </a:r>
-                    </a:p>
-                  </a:txBody>
-                  <a:tcPr anchor="ctr">
-                    <a:solidFill>
-                      <a:srgbClr val="0096C7"/>
-                    </a:solidFill>
-                  </a:tcPr>
-                </a:tc>
-              </a:tr>
-            </a:tbl>
-          </a:graphicData>
-        </a:graphic>
-      </p:graphicFrame>
-      <p:sp>
-        <p:nvSpPr>
-          <p:cNvPr id="7" name="Rounded Rectangle 6"/>
-          <p:cNvSpPr/>
+              <a:t>对 Jittor v1.3.10 底层 C++/Python 编译代码做了 3 处修改，使其可在 macOS ARM64 上运行</a:t>
+            </a:r>
+          </a:p>
+        </p:txBody>
+      </p:sp>
+      <p:sp>
+        <p:nvSpPr>
+          <p:cNvPr id="4" name="TextBox 3"/>
+          <p:cNvSpPr txBox="1"/>
           <p:nvPr/>
         </p:nvSpPr>
         <p:spPr>
           <a:xfrm>
-            <a:off x="6400800" y="1371600"/>
-            <a:ext cx="5029200" cy="4114800"/>
-          </a:xfrm>
-          <a:prstGeom prst="roundRect">
-            <a:avLst>
-              <a:gd name="adj" fmla="val 5000"/>
-            </a:avLst>
-          </a:prstGeom>
-          <a:solidFill>
-            <a:srgbClr val="2A2A45"/>
-          </a:solidFill>
-          <a:ln>
-            <a:noFill/>
-          </a:ln>
-        </p:spPr>
-        <p:style>
-          <a:lnRef idx="1">
-            <a:schemeClr val="accent1"/>
-          </a:lnRef>
-          <a:fillRef idx="3">
-            <a:schemeClr val="accent1"/>
-          </a:fillRef>
-          <a:effectRef idx="2">
-            <a:schemeClr val="accent1"/>
-          </a:effectRef>
-          <a:fontRef idx="minor">
-            <a:schemeClr val="lt1"/>
-          </a:fontRef>
-        </p:style>
-        <p:txBody>
-          <a:bodyPr rtlCol="0" anchor="ctr"/>
-          <a:lstStyle/>
-          <a:p>
-            <a:pPr algn="ctr"/>
-          </a:p>
-        </p:txBody>
-      </p:sp>
-      <p:sp>
-        <p:nvSpPr>
-          <p:cNvPr id="8" name="TextBox 7"/>
-          <p:cNvSpPr txBox="1"/>
-          <p:nvPr/>
-        </p:nvSpPr>
-        <p:spPr>
-          <a:xfrm>
-            <a:off x="6675120" y="1554480"/>
-            <a:ext cx="4572000" cy="548640"/>
+            <a:off x="365760" y="1051560"/>
+            <a:ext cx="8412480" cy="1097280"/>
           </a:xfrm>
           <a:prstGeom prst="rect">
             <a:avLst/>
@@ -15202,29 +15150,77 @@
           </a:bodyPr>
           <a:lstStyle/>
           <a:p>
-            <a:pPr algn="l">
-              <a:defRPr sz="2000" b="1">
-                <a:solidFill>
-                  <a:srgbClr val="00B4D8"/>
+            <a:pPr>
+              <a:spcAft>
+                <a:spcPts val="200"/>
+              </a:spcAft>
+              <a:defRPr sz="1400" b="1">
+                <a:solidFill>
+                  <a:srgbClr val="F9E2AF"/>
                 </a:solidFill>
               </a:defRPr>
             </a:pPr>
             <a:r>
-              <a:t>分析与展望</a:t>
-            </a:r>
-          </a:p>
-        </p:txBody>
-      </p:sp>
-      <p:sp>
-        <p:nvSpPr>
-          <p:cNvPr id="9" name="TextBox 8"/>
+              <a:t>❶ compiler.py — PMF 指针强转修复（+27行）</a:t>
+            </a:r>
+          </a:p>
+          <a:p>
+            <a:pPr>
+              <a:spcAft>
+                <a:spcPts val="200"/>
+              </a:spcAft>
+              <a:defRPr sz="1100" b="0">
+                <a:solidFill>
+                  <a:srgbClr val="BAC2DE"/>
+                </a:solidFill>
+              </a:defRPr>
+            </a:pPr>
+            <a:r>
+              <a:t>问题：macOS clang 禁止 (void(*)(Node*))&amp;Node::forward 这类 PMF→普通指针转换</a:t>
+            </a:r>
+          </a:p>
+          <a:p>
+            <a:pPr>
+              <a:spcAft>
+                <a:spcPts val="200"/>
+              </a:spcAft>
+              <a:defRPr sz="1100" b="0">
+                <a:solidFill>
+                  <a:srgbClr val="BAC2DE"/>
+                </a:solidFill>
+              </a:defRPr>
+            </a:pPr>
+            <a:r>
+              <a:t>方案：预处理源码 → 注入 union 安全转换模板 → 正则替换所有 PMF 强转</a:t>
+            </a:r>
+          </a:p>
+          <a:p>
+            <a:pPr>
+              <a:spcAft>
+                <a:spcPts val="200"/>
+              </a:spcAft>
+              <a:defRPr sz="1000" b="0">
+                <a:solidFill>
+                  <a:srgbClr val="A6E3A1"/>
+                </a:solidFill>
+              </a:defRPr>
+            </a:pPr>
+            <a:r>
+              <a:t>   unsafe_pmf_cast&lt;void(*)(Node*)&gt;(&amp;Node::forward)  // 仅 Darwin 平台触发</a:t>
+            </a:r>
+          </a:p>
+        </p:txBody>
+      </p:sp>
+      <p:sp>
+        <p:nvSpPr>
+          <p:cNvPr id="5" name="TextBox 4"/>
           <p:cNvSpPr txBox="1"/>
           <p:nvPr/>
         </p:nvSpPr>
         <p:spPr>
           <a:xfrm>
-            <a:off x="6675120" y="2286000"/>
-            <a:ext cx="4572000" cy="3200400"/>
+            <a:off x="365760" y="2514600"/>
+            <a:ext cx="8412480" cy="1097280"/>
           </a:xfrm>
           <a:prstGeom prst="rect">
             <a:avLst/>
@@ -15236,20 +15232,19 @@
             <a:spAutoFit/>
           </a:bodyPr>
           <a:lstStyle/>
-          <a:p/>
           <a:p>
             <a:pPr>
               <a:spcAft>
                 <a:spcPts val="200"/>
               </a:spcAft>
-              <a:defRPr sz="1300">
-                <a:solidFill>
-                  <a:srgbClr val="CCCCCC"/>
+              <a:defRPr sz="1400" b="1">
+                <a:solidFill>
+                  <a:srgbClr val="F9E2AF"/>
                 </a:solidFill>
               </a:defRPr>
             </a:pPr>
             <a:r>
-              <a:t>⏳ D→A 训练进行中 (Epoch 1)</a:t>
+              <a:t>❷ src/opt/expr.h — std::move 限定修复（2处）</a:t>
             </a:r>
           </a:p>
           <a:p>
@@ -15257,14 +15252,14 @@
               <a:spcAft>
                 <a:spcPts val="200"/>
               </a:spcAft>
-              <a:defRPr sz="1300">
-                <a:solidFill>
-                  <a:srgbClr val="CCCCCC"/>
+              <a:defRPr sz="1100" b="0">
+                <a:solidFill>
+                  <a:srgbClr val="BAC2DE"/>
                 </a:solidFill>
               </a:defRPr>
             </a:pPr>
             <a:r>
-              <a:t>📉 已完成结果偏低 (62.4%, 49.9%)</a:t>
+              <a:t>问题：macOS clang 要求 move() 必须带 std:: 前缀，否则 ADL 查找失败</a:t>
             </a:r>
           </a:p>
           <a:p>
@@ -15272,41 +15267,67 @@
               <a:spcAft>
                 <a:spcPts val="200"/>
               </a:spcAft>
-              <a:defRPr sz="1300">
-                <a:solidFill>
-                  <a:srgbClr val="CCCCCC"/>
+              <a:defRPr sz="1100" b="0">
+                <a:solidFill>
+                  <a:srgbClr val="A6E3A1"/>
                 </a:solidFill>
               </a:defRPr>
             </a:pPr>
+            <a:r>
+              <a:t>修改：move(c) → std::move(c)    move(children) → std::move(children)</a:t>
+            </a:r>
           </a:p>
           <a:p>
             <a:pPr>
               <a:spcAft>
                 <a:spcPts val="200"/>
               </a:spcAft>
-              <a:defRPr sz="1300">
-                <a:solidFill>
-                  <a:srgbClr val="FFD166"/>
+              <a:defRPr sz="1100" b="0">
+                <a:solidFill>
+                  <a:srgbClr val="BAC2DE"/>
                 </a:solidFill>
               </a:defRPr>
             </a:pPr>
             <a:r>
-              <a:t>🔍 可能原因:</a:t>
-            </a:r>
-          </a:p>
+              <a:t>影响：JIT 表达式树构建的 make_op 模板函数</a:t>
+            </a:r>
+          </a:p>
+        </p:txBody>
+      </p:sp>
+      <p:sp>
+        <p:nvSpPr>
+          <p:cNvPr id="6" name="TextBox 5"/>
+          <p:cNvSpPr txBox="1"/>
+          <p:nvPr/>
+        </p:nvSpPr>
+        <p:spPr>
+          <a:xfrm>
+            <a:off x="365760" y="3886200"/>
+            <a:ext cx="8412480" cy="914400"/>
+          </a:xfrm>
+          <a:prstGeom prst="rect">
+            <a:avLst/>
+          </a:prstGeom>
+          <a:noFill/>
+        </p:spPr>
+        <p:txBody>
+          <a:bodyPr wrap="square">
+            <a:spAutoFit/>
+          </a:bodyPr>
+          <a:lstStyle/>
           <a:p>
             <a:pPr>
               <a:spcAft>
                 <a:spcPts val="200"/>
               </a:spcAft>
-              <a:defRPr sz="1300">
-                <a:solidFill>
-                  <a:srgbClr val="CCCCCC"/>
+              <a:defRPr sz="1400" b="1">
+                <a:solidFill>
+                  <a:srgbClr val="F9E2AF"/>
                 </a:solidFill>
               </a:defRPr>
             </a:pPr>
             <a:r>
-              <a:t>• Jittor / PyTorch 底层算子差异</a:t>
+              <a:t>❸ src/misc/stack_vector.h — 缺失 at() 方法补全（+2行）</a:t>
             </a:r>
           </a:p>
           <a:p>
@@ -15314,14 +15335,14 @@
               <a:spcAft>
                 <a:spcPts val="200"/>
               </a:spcAft>
-              <a:defRPr sz="1300">
-                <a:solidFill>
-                  <a:srgbClr val="CCCCCC"/>
+              <a:defRPr sz="1100" b="0">
+                <a:solidFill>
+                  <a:srgbClr val="BAC2DE"/>
                 </a:solidFill>
               </a:defRPr>
             </a:pPr>
             <a:r>
-              <a:t>• BN层、weight_norm 行为不同</a:t>
+              <a:t>问题：StackVector 类只有 operator[] 无 at()，macOS 标准库某些路径调用 at() 导致编译错误</a:t>
             </a:r>
           </a:p>
           <a:p>
@@ -15329,29 +15350,52 @@
               <a:spcAft>
                 <a:spcPts val="200"/>
               </a:spcAft>
-              <a:defRPr sz="1300">
-                <a:solidFill>
-                  <a:srgbClr val="CCCCCC"/>
+              <a:defRPr sz="1100" b="0">
+                <a:solidFill>
+                  <a:srgbClr val="A6E3A1"/>
                 </a:solidFill>
               </a:defRPr>
             </a:pPr>
             <a:r>
-              <a:t>• MPS后端兼容性限制</a:t>
-            </a:r>
-          </a:p>
+              <a:t>修改：新增 const T&amp; at(int i) const 和 T&amp; at(int i) 两个成员函数</a:t>
+            </a:r>
+          </a:p>
+        </p:txBody>
+      </p:sp>
+      <p:sp>
+        <p:nvSpPr>
+          <p:cNvPr id="7" name="TextBox 6"/>
+          <p:cNvSpPr txBox="1"/>
+          <p:nvPr/>
+        </p:nvSpPr>
+        <p:spPr>
+          <a:xfrm>
+            <a:off x="365760" y="5074920"/>
+            <a:ext cx="8412480" cy="731520"/>
+          </a:xfrm>
+          <a:prstGeom prst="rect">
+            <a:avLst/>
+          </a:prstGeom>
+          <a:noFill/>
+        </p:spPr>
+        <p:txBody>
+          <a:bodyPr wrap="square">
+            <a:spAutoFit/>
+          </a:bodyPr>
+          <a:lstStyle/>
           <a:p>
             <a:pPr>
               <a:spcAft>
                 <a:spcPts val="200"/>
               </a:spcAft>
-              <a:defRPr sz="1300">
-                <a:solidFill>
-                  <a:srgbClr val="CCCCCC"/>
+              <a:defRPr sz="1200" b="1">
+                <a:solidFill>
+                  <a:srgbClr val="FFFFFF"/>
                 </a:solidFill>
               </a:defRPr>
             </a:pPr>
             <a:r>
-              <a:t>• 随机数生成器差异</a:t>
+              <a:t>总结：3 个文件、共约 31 行改动，全部针对 macOS ARM64 clang 的 C++ 标准严格性</a:t>
             </a:r>
           </a:p>
           <a:p>
@@ -15359,56 +15403,14 @@
               <a:spcAft>
                 <a:spcPts val="200"/>
               </a:spcAft>
-              <a:defRPr sz="1300">
-                <a:solidFill>
-                  <a:srgbClr val="CCCCCC"/>
+              <a:defRPr sz="1000" b="0">
+                <a:solidFill>
+                  <a:srgbClr val="6C7086"/>
                 </a:solidFill>
               </a:defRPr>
             </a:pPr>
-          </a:p>
-          <a:p>
-            <a:pPr>
-              <a:spcAft>
-                <a:spcPts val="200"/>
-              </a:spcAft>
-              <a:defRPr sz="1300">
-                <a:solidFill>
-                  <a:srgbClr val="FFD166"/>
-                </a:solidFill>
-              </a:defRPr>
-            </a:pPr>
-            <a:r>
-              <a:t>📋 后续计划:</a:t>
-            </a:r>
-          </a:p>
-          <a:p>
-            <a:pPr>
-              <a:spcAft>
-                <a:spcPts val="200"/>
-              </a:spcAft>
-              <a:defRPr sz="1300">
-                <a:solidFill>
-                  <a:srgbClr val="CCCCCC"/>
-                </a:solidFill>
-              </a:defRPr>
-            </a:pPr>
-            <a:r>
-              <a:t>• 完成全部 Office-31 OPDA 实验</a:t>
-            </a:r>
-          </a:p>
-          <a:p>
-            <a:pPr>
-              <a:spcAft>
-                <a:spcPts val="200"/>
-              </a:spcAft>
-              <a:defRPr sz="1300">
-                <a:solidFill>
-                  <a:srgbClr val="CCCCCC"/>
-                </a:solidFill>
-              </a:defRPr>
-            </a:pPr>
-            <a:r>
-              <a:t>• 在 CUDA 环境下重新训练对比</a:t>
+            <a:r>
+              <a:t>修改位置：site-packages/jittor/ 下的 compiler.py、src/opt/expr.h、src/misc/stack_vector.h</a:t>
             </a:r>
           </a:p>
         </p:txBody>
